--- a/happyhouse_광주4반.pptx
+++ b/happyhouse_광주4반.pptx
@@ -7,11 +7,21 @@
   <p:sldIdLst>
     <p:sldId id="256" r:id="rId2"/>
     <p:sldId id="257" r:id="rId3"/>
-    <p:sldId id="258" r:id="rId4"/>
-    <p:sldId id="262" r:id="rId5"/>
-    <p:sldId id="259" r:id="rId6"/>
-    <p:sldId id="260" r:id="rId7"/>
-    <p:sldId id="261" r:id="rId8"/>
+    <p:sldId id="263" r:id="rId4"/>
+    <p:sldId id="258" r:id="rId5"/>
+    <p:sldId id="262" r:id="rId6"/>
+    <p:sldId id="259" r:id="rId7"/>
+    <p:sldId id="264" r:id="rId8"/>
+    <p:sldId id="265" r:id="rId9"/>
+    <p:sldId id="266" r:id="rId10"/>
+    <p:sldId id="260" r:id="rId11"/>
+    <p:sldId id="267" r:id="rId12"/>
+    <p:sldId id="268" r:id="rId13"/>
+    <p:sldId id="269" r:id="rId14"/>
+    <p:sldId id="270" r:id="rId15"/>
+    <p:sldId id="271" r:id="rId16"/>
+    <p:sldId id="272" r:id="rId17"/>
+    <p:sldId id="261" r:id="rId18"/>
   </p:sldIdLst>
   <p:sldSz cx="12192000" cy="6858000"/>
   <p:notesSz cx="6858000" cy="9144000"/>
@@ -3516,6 +3526,993 @@
 </p:sld>
 </file>
 
+<file path=ppt/slides/slide10.xml><?xml version="1.0" encoding="utf-8"?>
+<p:sld xmlns:a="http://schemas.openxmlformats.org/drawingml/2006/main" xmlns:r="http://schemas.openxmlformats.org/officeDocument/2006/relationships" xmlns:p="http://schemas.openxmlformats.org/presentationml/2006/main">
+  <p:cSld>
+    <p:spTree>
+      <p:nvGrpSpPr>
+        <p:cNvPr id="1" name=""/>
+        <p:cNvGrpSpPr/>
+        <p:nvPr/>
+      </p:nvGrpSpPr>
+      <p:grpSpPr>
+        <a:xfrm>
+          <a:off x="0" y="0"/>
+          <a:ext cx="0" cy="0"/>
+          <a:chOff x="0" y="0"/>
+          <a:chExt cx="0" cy="0"/>
+        </a:xfrm>
+      </p:grpSpPr>
+      <p:sp>
+        <p:nvSpPr>
+          <p:cNvPr id="3" name="TextBox 2">
+            <a:extLst>
+              <a:ext uri="{FF2B5EF4-FFF2-40B4-BE49-F238E27FC236}">
+                <a16:creationId xmlns:a16="http://schemas.microsoft.com/office/drawing/2014/main" id="{223306E3-8BA1-6C44-98DE-C37CB0672BE6}"/>
+              </a:ext>
+            </a:extLst>
+          </p:cNvPr>
+          <p:cNvSpPr txBox="1"/>
+          <p:nvPr/>
+        </p:nvSpPr>
+        <p:spPr>
+          <a:xfrm>
+            <a:off x="1260764" y="580375"/>
+            <a:ext cx="5349541" cy="584775"/>
+          </a:xfrm>
+          <a:prstGeom prst="rect">
+            <a:avLst/>
+          </a:prstGeom>
+          <a:noFill/>
+        </p:spPr>
+        <p:txBody>
+          <a:bodyPr wrap="none" rtlCol="0">
+            <a:spAutoFit/>
+          </a:bodyPr>
+          <a:lstStyle/>
+          <a:p>
+            <a:r>
+              <a:rPr kumimoji="1" lang="ko-KR" altLang="en-US" sz="3200" b="1" dirty="0">
+                <a:latin typeface="NanumSquare ExtraBold" panose="020B0600000101010101" pitchFamily="34" charset="-127"/>
+                <a:ea typeface="NanumSquare ExtraBold" panose="020B0600000101010101" pitchFamily="34" charset="-127"/>
+              </a:rPr>
+              <a:t>게시판</a:t>
+            </a:r>
+            <a:r>
+              <a:rPr kumimoji="1" lang="en-US" altLang="ko-KR" sz="3200" b="1" dirty="0">
+                <a:latin typeface="NanumSquare ExtraBold" panose="020B0600000101010101" pitchFamily="34" charset="-127"/>
+                <a:ea typeface="NanumSquare ExtraBold" panose="020B0600000101010101" pitchFamily="34" charset="-127"/>
+              </a:rPr>
+              <a:t>-</a:t>
+            </a:r>
+            <a:r>
+              <a:rPr kumimoji="1" lang="ko-KR" altLang="en-US" sz="3200" b="1" dirty="0">
+                <a:latin typeface="NanumSquare ExtraBold" panose="020B0600000101010101" pitchFamily="34" charset="-127"/>
+                <a:ea typeface="NanumSquare ExtraBold" panose="020B0600000101010101" pitchFamily="34" charset="-127"/>
+              </a:rPr>
+              <a:t>글 목록 </a:t>
+            </a:r>
+            <a:r>
+              <a:rPr kumimoji="1" lang="en-US" altLang="ko-KR" sz="3200" b="1" dirty="0">
+                <a:latin typeface="NanumSquare ExtraBold" panose="020B0600000101010101" pitchFamily="34" charset="-127"/>
+                <a:ea typeface="NanumSquare ExtraBold" panose="020B0600000101010101" pitchFamily="34" charset="-127"/>
+              </a:rPr>
+              <a:t>/</a:t>
+            </a:r>
+            <a:r>
+              <a:rPr kumimoji="1" lang="ko-KR" altLang="en-US" sz="3200" b="1" dirty="0">
+                <a:latin typeface="NanumSquare ExtraBold" panose="020B0600000101010101" pitchFamily="34" charset="-127"/>
+                <a:ea typeface="NanumSquare ExtraBold" panose="020B0600000101010101" pitchFamily="34" charset="-127"/>
+              </a:rPr>
+              <a:t> </a:t>
+            </a:r>
+            <a:r>
+              <a:rPr kumimoji="1" lang="ko-KR" altLang="en-US" sz="3200" b="1" dirty="0" err="1">
+                <a:latin typeface="NanumSquare ExtraBold" panose="020B0600000101010101" pitchFamily="34" charset="-127"/>
+                <a:ea typeface="NanumSquare ExtraBold" panose="020B0600000101010101" pitchFamily="34" charset="-127"/>
+              </a:rPr>
+              <a:t>페이지네이션</a:t>
+            </a:r>
+            <a:endParaRPr kumimoji="1" lang="ko-KR" altLang="en-US" sz="3200" b="1" dirty="0">
+              <a:latin typeface="NanumSquare ExtraBold" panose="020B0600000101010101" pitchFamily="34" charset="-127"/>
+              <a:ea typeface="NanumSquare ExtraBold" panose="020B0600000101010101" pitchFamily="34" charset="-127"/>
+            </a:endParaRPr>
+          </a:p>
+        </p:txBody>
+      </p:sp>
+      <p:pic>
+        <p:nvPicPr>
+          <p:cNvPr id="4" name="그래픽 3">
+            <a:extLst>
+              <a:ext uri="{FF2B5EF4-FFF2-40B4-BE49-F238E27FC236}">
+                <a16:creationId xmlns:a16="http://schemas.microsoft.com/office/drawing/2014/main" id="{C5960D75-DB25-D440-877E-112711B7A380}"/>
+              </a:ext>
+            </a:extLst>
+          </p:cNvPr>
+          <p:cNvPicPr>
+            <a:picLocks noChangeAspect="1"/>
+          </p:cNvPicPr>
+          <p:nvPr/>
+        </p:nvPicPr>
+        <p:blipFill>
+          <a:blip r:embed="rId2">
+            <a:extLst>
+              <a:ext uri="{96DAC541-7B7A-43D3-8B79-37D633B846F1}">
+                <asvg:svgBlip xmlns:asvg="http://schemas.microsoft.com/office/drawing/2016/SVG/main" r:embed="rId3"/>
+              </a:ext>
+            </a:extLst>
+          </a:blip>
+          <a:stretch>
+            <a:fillRect/>
+          </a:stretch>
+        </p:blipFill>
+        <p:spPr>
+          <a:xfrm>
+            <a:off x="595746" y="576185"/>
+            <a:ext cx="512618" cy="588965"/>
+          </a:xfrm>
+          <a:prstGeom prst="rect">
+            <a:avLst/>
+          </a:prstGeom>
+        </p:spPr>
+      </p:pic>
+    </p:spTree>
+    <p:extLst>
+      <p:ext uri="{BB962C8B-B14F-4D97-AF65-F5344CB8AC3E}">
+        <p14:creationId xmlns:p14="http://schemas.microsoft.com/office/powerpoint/2010/main" val="907675039"/>
+      </p:ext>
+    </p:extLst>
+  </p:cSld>
+  <p:clrMapOvr>
+    <a:masterClrMapping/>
+  </p:clrMapOvr>
+</p:sld>
+</file>
+
+<file path=ppt/slides/slide11.xml><?xml version="1.0" encoding="utf-8"?>
+<p:sld xmlns:a="http://schemas.openxmlformats.org/drawingml/2006/main" xmlns:r="http://schemas.openxmlformats.org/officeDocument/2006/relationships" xmlns:p="http://schemas.openxmlformats.org/presentationml/2006/main">
+  <p:cSld>
+    <p:spTree>
+      <p:nvGrpSpPr>
+        <p:cNvPr id="1" name=""/>
+        <p:cNvGrpSpPr/>
+        <p:nvPr/>
+      </p:nvGrpSpPr>
+      <p:grpSpPr>
+        <a:xfrm>
+          <a:off x="0" y="0"/>
+          <a:ext cx="0" cy="0"/>
+          <a:chOff x="0" y="0"/>
+          <a:chExt cx="0" cy="0"/>
+        </a:xfrm>
+      </p:grpSpPr>
+      <p:sp>
+        <p:nvSpPr>
+          <p:cNvPr id="3" name="TextBox 2">
+            <a:extLst>
+              <a:ext uri="{FF2B5EF4-FFF2-40B4-BE49-F238E27FC236}">
+                <a16:creationId xmlns:a16="http://schemas.microsoft.com/office/drawing/2014/main" id="{223306E3-8BA1-6C44-98DE-C37CB0672BE6}"/>
+              </a:ext>
+            </a:extLst>
+          </p:cNvPr>
+          <p:cNvSpPr txBox="1"/>
+          <p:nvPr/>
+        </p:nvSpPr>
+        <p:spPr>
+          <a:xfrm>
+            <a:off x="1260764" y="580375"/>
+            <a:ext cx="4493538" cy="584775"/>
+          </a:xfrm>
+          <a:prstGeom prst="rect">
+            <a:avLst/>
+          </a:prstGeom>
+          <a:noFill/>
+        </p:spPr>
+        <p:txBody>
+          <a:bodyPr wrap="none" rtlCol="0">
+            <a:spAutoFit/>
+          </a:bodyPr>
+          <a:lstStyle/>
+          <a:p>
+            <a:r>
+              <a:rPr kumimoji="1" lang="ko-KR" altLang="en-US" sz="3200" b="1" dirty="0">
+                <a:latin typeface="NanumSquare ExtraBold" panose="020B0600000101010101" pitchFamily="34" charset="-127"/>
+                <a:ea typeface="NanumSquare ExtraBold" panose="020B0600000101010101" pitchFamily="34" charset="-127"/>
+              </a:rPr>
+              <a:t>게시판</a:t>
+            </a:r>
+            <a:r>
+              <a:rPr kumimoji="1" lang="en-US" altLang="ko-KR" sz="3200" b="1" dirty="0">
+                <a:latin typeface="NanumSquare ExtraBold" panose="020B0600000101010101" pitchFamily="34" charset="-127"/>
+                <a:ea typeface="NanumSquare ExtraBold" panose="020B0600000101010101" pitchFamily="34" charset="-127"/>
+              </a:rPr>
+              <a:t>-</a:t>
+            </a:r>
+            <a:r>
+              <a:rPr kumimoji="1" lang="ko-KR" altLang="en-US" sz="3200" b="1" dirty="0" err="1">
+                <a:latin typeface="NanumSquare ExtraBold" panose="020B0600000101010101" pitchFamily="34" charset="-127"/>
+                <a:ea typeface="NanumSquare ExtraBold" panose="020B0600000101010101" pitchFamily="34" charset="-127"/>
+              </a:rPr>
+              <a:t>글작성</a:t>
+            </a:r>
+            <a:r>
+              <a:rPr kumimoji="1" lang="en-US" altLang="ko-KR" sz="3200" b="1" dirty="0">
+                <a:latin typeface="NanumSquare ExtraBold" panose="020B0600000101010101" pitchFamily="34" charset="-127"/>
+                <a:ea typeface="NanumSquare ExtraBold" panose="020B0600000101010101" pitchFamily="34" charset="-127"/>
+              </a:rPr>
+              <a:t>/</a:t>
+            </a:r>
+            <a:r>
+              <a:rPr kumimoji="1" lang="ko-KR" altLang="en-US" sz="3200" b="1" dirty="0">
+                <a:latin typeface="NanumSquare ExtraBold" panose="020B0600000101010101" pitchFamily="34" charset="-127"/>
+                <a:ea typeface="NanumSquare ExtraBold" panose="020B0600000101010101" pitchFamily="34" charset="-127"/>
+              </a:rPr>
+              <a:t>수정</a:t>
+            </a:r>
+            <a:r>
+              <a:rPr kumimoji="1" lang="en-US" altLang="ko-KR" sz="3200" b="1" dirty="0">
+                <a:latin typeface="NanumSquare ExtraBold" panose="020B0600000101010101" pitchFamily="34" charset="-127"/>
+                <a:ea typeface="NanumSquare ExtraBold" panose="020B0600000101010101" pitchFamily="34" charset="-127"/>
+              </a:rPr>
+              <a:t>/</a:t>
+            </a:r>
+            <a:r>
+              <a:rPr kumimoji="1" lang="ko-KR" altLang="en-US" sz="3200" b="1" dirty="0">
+                <a:latin typeface="NanumSquare ExtraBold" panose="020B0600000101010101" pitchFamily="34" charset="-127"/>
+                <a:ea typeface="NanumSquare ExtraBold" panose="020B0600000101010101" pitchFamily="34" charset="-127"/>
+              </a:rPr>
+              <a:t>삭제</a:t>
+            </a:r>
+          </a:p>
+        </p:txBody>
+      </p:sp>
+      <p:pic>
+        <p:nvPicPr>
+          <p:cNvPr id="4" name="그래픽 3">
+            <a:extLst>
+              <a:ext uri="{FF2B5EF4-FFF2-40B4-BE49-F238E27FC236}">
+                <a16:creationId xmlns:a16="http://schemas.microsoft.com/office/drawing/2014/main" id="{C5960D75-DB25-D440-877E-112711B7A380}"/>
+              </a:ext>
+            </a:extLst>
+          </p:cNvPr>
+          <p:cNvPicPr>
+            <a:picLocks noChangeAspect="1"/>
+          </p:cNvPicPr>
+          <p:nvPr/>
+        </p:nvPicPr>
+        <p:blipFill>
+          <a:blip r:embed="rId2">
+            <a:extLst>
+              <a:ext uri="{96DAC541-7B7A-43D3-8B79-37D633B846F1}">
+                <asvg:svgBlip xmlns:asvg="http://schemas.microsoft.com/office/drawing/2016/SVG/main" r:embed="rId3"/>
+              </a:ext>
+            </a:extLst>
+          </a:blip>
+          <a:stretch>
+            <a:fillRect/>
+          </a:stretch>
+        </p:blipFill>
+        <p:spPr>
+          <a:xfrm>
+            <a:off x="595746" y="576185"/>
+            <a:ext cx="512618" cy="588965"/>
+          </a:xfrm>
+          <a:prstGeom prst="rect">
+            <a:avLst/>
+          </a:prstGeom>
+        </p:spPr>
+      </p:pic>
+    </p:spTree>
+    <p:extLst>
+      <p:ext uri="{BB962C8B-B14F-4D97-AF65-F5344CB8AC3E}">
+        <p14:creationId xmlns:p14="http://schemas.microsoft.com/office/powerpoint/2010/main" val="2105153042"/>
+      </p:ext>
+    </p:extLst>
+  </p:cSld>
+  <p:clrMapOvr>
+    <a:masterClrMapping/>
+  </p:clrMapOvr>
+</p:sld>
+</file>
+
+<file path=ppt/slides/slide12.xml><?xml version="1.0" encoding="utf-8"?>
+<p:sld xmlns:a="http://schemas.openxmlformats.org/drawingml/2006/main" xmlns:r="http://schemas.openxmlformats.org/officeDocument/2006/relationships" xmlns:p="http://schemas.openxmlformats.org/presentationml/2006/main">
+  <p:cSld>
+    <p:spTree>
+      <p:nvGrpSpPr>
+        <p:cNvPr id="1" name=""/>
+        <p:cNvGrpSpPr/>
+        <p:nvPr/>
+      </p:nvGrpSpPr>
+      <p:grpSpPr>
+        <a:xfrm>
+          <a:off x="0" y="0"/>
+          <a:ext cx="0" cy="0"/>
+          <a:chOff x="0" y="0"/>
+          <a:chExt cx="0" cy="0"/>
+        </a:xfrm>
+      </p:grpSpPr>
+      <p:sp>
+        <p:nvSpPr>
+          <p:cNvPr id="3" name="TextBox 2">
+            <a:extLst>
+              <a:ext uri="{FF2B5EF4-FFF2-40B4-BE49-F238E27FC236}">
+                <a16:creationId xmlns:a16="http://schemas.microsoft.com/office/drawing/2014/main" id="{223306E3-8BA1-6C44-98DE-C37CB0672BE6}"/>
+              </a:ext>
+            </a:extLst>
+          </p:cNvPr>
+          <p:cNvSpPr txBox="1"/>
+          <p:nvPr/>
+        </p:nvSpPr>
+        <p:spPr>
+          <a:xfrm>
+            <a:off x="1260764" y="580375"/>
+            <a:ext cx="3921266" cy="584775"/>
+          </a:xfrm>
+          <a:prstGeom prst="rect">
+            <a:avLst/>
+          </a:prstGeom>
+          <a:noFill/>
+        </p:spPr>
+        <p:txBody>
+          <a:bodyPr wrap="none" rtlCol="0">
+            <a:spAutoFit/>
+          </a:bodyPr>
+          <a:lstStyle/>
+          <a:p>
+            <a:r>
+              <a:rPr kumimoji="1" lang="ko-KR" altLang="en-US" sz="3200" b="1" dirty="0">
+                <a:latin typeface="NanumSquare ExtraBold" panose="020B0600000101010101" pitchFamily="34" charset="-127"/>
+                <a:ea typeface="NanumSquare ExtraBold" panose="020B0600000101010101" pitchFamily="34" charset="-127"/>
+              </a:rPr>
+              <a:t>게시판</a:t>
+            </a:r>
+            <a:r>
+              <a:rPr kumimoji="1" lang="en-US" altLang="ko-KR" sz="3200" b="1" dirty="0">
+                <a:latin typeface="NanumSquare ExtraBold" panose="020B0600000101010101" pitchFamily="34" charset="-127"/>
+                <a:ea typeface="NanumSquare ExtraBold" panose="020B0600000101010101" pitchFamily="34" charset="-127"/>
+              </a:rPr>
+              <a:t>-</a:t>
+            </a:r>
+            <a:r>
+              <a:rPr kumimoji="1" lang="ko-KR" altLang="en-US" sz="3200" b="1" dirty="0">
+                <a:latin typeface="NanumSquare ExtraBold" panose="020B0600000101010101" pitchFamily="34" charset="-127"/>
+                <a:ea typeface="NanumSquare ExtraBold" panose="020B0600000101010101" pitchFamily="34" charset="-127"/>
+              </a:rPr>
+              <a:t>좋아요</a:t>
+            </a:r>
+            <a:r>
+              <a:rPr kumimoji="1" lang="en-US" altLang="ko-KR" sz="3200" b="1" dirty="0">
+                <a:latin typeface="NanumSquare ExtraBold" panose="020B0600000101010101" pitchFamily="34" charset="-127"/>
+                <a:ea typeface="NanumSquare ExtraBold" panose="020B0600000101010101" pitchFamily="34" charset="-127"/>
+              </a:rPr>
+              <a:t>/</a:t>
+            </a:r>
+            <a:r>
+              <a:rPr kumimoji="1" lang="ko-KR" altLang="en-US" sz="3200" b="1" dirty="0">
+                <a:latin typeface="NanumSquare ExtraBold" panose="020B0600000101010101" pitchFamily="34" charset="-127"/>
+                <a:ea typeface="NanumSquare ExtraBold" panose="020B0600000101010101" pitchFamily="34" charset="-127"/>
+              </a:rPr>
+              <a:t>조회수</a:t>
+            </a:r>
+          </a:p>
+        </p:txBody>
+      </p:sp>
+      <p:pic>
+        <p:nvPicPr>
+          <p:cNvPr id="4" name="그래픽 3">
+            <a:extLst>
+              <a:ext uri="{FF2B5EF4-FFF2-40B4-BE49-F238E27FC236}">
+                <a16:creationId xmlns:a16="http://schemas.microsoft.com/office/drawing/2014/main" id="{C5960D75-DB25-D440-877E-112711B7A380}"/>
+              </a:ext>
+            </a:extLst>
+          </p:cNvPr>
+          <p:cNvPicPr>
+            <a:picLocks noChangeAspect="1"/>
+          </p:cNvPicPr>
+          <p:nvPr/>
+        </p:nvPicPr>
+        <p:blipFill>
+          <a:blip r:embed="rId2">
+            <a:extLst>
+              <a:ext uri="{96DAC541-7B7A-43D3-8B79-37D633B846F1}">
+                <asvg:svgBlip xmlns:asvg="http://schemas.microsoft.com/office/drawing/2016/SVG/main" r:embed="rId3"/>
+              </a:ext>
+            </a:extLst>
+          </a:blip>
+          <a:stretch>
+            <a:fillRect/>
+          </a:stretch>
+        </p:blipFill>
+        <p:spPr>
+          <a:xfrm>
+            <a:off x="595746" y="576185"/>
+            <a:ext cx="512618" cy="588965"/>
+          </a:xfrm>
+          <a:prstGeom prst="rect">
+            <a:avLst/>
+          </a:prstGeom>
+        </p:spPr>
+      </p:pic>
+    </p:spTree>
+    <p:extLst>
+      <p:ext uri="{BB962C8B-B14F-4D97-AF65-F5344CB8AC3E}">
+        <p14:creationId xmlns:p14="http://schemas.microsoft.com/office/powerpoint/2010/main" val="427173976"/>
+      </p:ext>
+    </p:extLst>
+  </p:cSld>
+  <p:clrMapOvr>
+    <a:masterClrMapping/>
+  </p:clrMapOvr>
+</p:sld>
+</file>
+
+<file path=ppt/slides/slide13.xml><?xml version="1.0" encoding="utf-8"?>
+<p:sld xmlns:a="http://schemas.openxmlformats.org/drawingml/2006/main" xmlns:r="http://schemas.openxmlformats.org/officeDocument/2006/relationships" xmlns:p="http://schemas.openxmlformats.org/presentationml/2006/main">
+  <p:cSld>
+    <p:spTree>
+      <p:nvGrpSpPr>
+        <p:cNvPr id="1" name=""/>
+        <p:cNvGrpSpPr/>
+        <p:nvPr/>
+      </p:nvGrpSpPr>
+      <p:grpSpPr>
+        <a:xfrm>
+          <a:off x="0" y="0"/>
+          <a:ext cx="0" cy="0"/>
+          <a:chOff x="0" y="0"/>
+          <a:chExt cx="0" cy="0"/>
+        </a:xfrm>
+      </p:grpSpPr>
+      <p:sp>
+        <p:nvSpPr>
+          <p:cNvPr id="3" name="TextBox 2">
+            <a:extLst>
+              <a:ext uri="{FF2B5EF4-FFF2-40B4-BE49-F238E27FC236}">
+                <a16:creationId xmlns:a16="http://schemas.microsoft.com/office/drawing/2014/main" id="{223306E3-8BA1-6C44-98DE-C37CB0672BE6}"/>
+              </a:ext>
+            </a:extLst>
+          </p:cNvPr>
+          <p:cNvSpPr txBox="1"/>
+          <p:nvPr/>
+        </p:nvSpPr>
+        <p:spPr>
+          <a:xfrm>
+            <a:off x="1260764" y="580375"/>
+            <a:ext cx="3174267" cy="584775"/>
+          </a:xfrm>
+          <a:prstGeom prst="rect">
+            <a:avLst/>
+          </a:prstGeom>
+          <a:noFill/>
+        </p:spPr>
+        <p:txBody>
+          <a:bodyPr wrap="none" rtlCol="0">
+            <a:spAutoFit/>
+          </a:bodyPr>
+          <a:lstStyle/>
+          <a:p>
+            <a:r>
+              <a:rPr kumimoji="1" lang="ko-KR" altLang="en-US" sz="3200" b="1" dirty="0">
+                <a:latin typeface="NanumSquare ExtraBold" panose="020B0600000101010101" pitchFamily="34" charset="-127"/>
+                <a:ea typeface="NanumSquare ExtraBold" panose="020B0600000101010101" pitchFamily="34" charset="-127"/>
+              </a:rPr>
+              <a:t>게시판</a:t>
+            </a:r>
+            <a:r>
+              <a:rPr kumimoji="1" lang="en-US" altLang="ko-KR" sz="3200" b="1" dirty="0">
+                <a:latin typeface="NanumSquare ExtraBold" panose="020B0600000101010101" pitchFamily="34" charset="-127"/>
+                <a:ea typeface="NanumSquare ExtraBold" panose="020B0600000101010101" pitchFamily="34" charset="-127"/>
+              </a:rPr>
+              <a:t>-</a:t>
+            </a:r>
+            <a:r>
+              <a:rPr kumimoji="1" lang="ko-KR" altLang="en-US" sz="3200" b="1" dirty="0">
+                <a:latin typeface="NanumSquare ExtraBold" panose="020B0600000101010101" pitchFamily="34" charset="-127"/>
+                <a:ea typeface="NanumSquare ExtraBold" panose="020B0600000101010101" pitchFamily="34" charset="-127"/>
+              </a:rPr>
+              <a:t>검색</a:t>
+            </a:r>
+            <a:r>
+              <a:rPr kumimoji="1" lang="en-US" altLang="ko-KR" sz="3200" b="1" dirty="0">
+                <a:latin typeface="NanumSquare ExtraBold" panose="020B0600000101010101" pitchFamily="34" charset="-127"/>
+                <a:ea typeface="NanumSquare ExtraBold" panose="020B0600000101010101" pitchFamily="34" charset="-127"/>
+              </a:rPr>
+              <a:t>/</a:t>
+            </a:r>
+            <a:r>
+              <a:rPr kumimoji="1" lang="ko-KR" altLang="en-US" sz="3200" b="1" dirty="0">
+                <a:latin typeface="NanumSquare ExtraBold" panose="020B0600000101010101" pitchFamily="34" charset="-127"/>
+                <a:ea typeface="NanumSquare ExtraBold" panose="020B0600000101010101" pitchFamily="34" charset="-127"/>
+              </a:rPr>
+              <a:t>기능</a:t>
+            </a:r>
+          </a:p>
+        </p:txBody>
+      </p:sp>
+      <p:pic>
+        <p:nvPicPr>
+          <p:cNvPr id="4" name="그래픽 3">
+            <a:extLst>
+              <a:ext uri="{FF2B5EF4-FFF2-40B4-BE49-F238E27FC236}">
+                <a16:creationId xmlns:a16="http://schemas.microsoft.com/office/drawing/2014/main" id="{C5960D75-DB25-D440-877E-112711B7A380}"/>
+              </a:ext>
+            </a:extLst>
+          </p:cNvPr>
+          <p:cNvPicPr>
+            <a:picLocks noChangeAspect="1"/>
+          </p:cNvPicPr>
+          <p:nvPr/>
+        </p:nvPicPr>
+        <p:blipFill>
+          <a:blip r:embed="rId2">
+            <a:extLst>
+              <a:ext uri="{96DAC541-7B7A-43D3-8B79-37D633B846F1}">
+                <asvg:svgBlip xmlns:asvg="http://schemas.microsoft.com/office/drawing/2016/SVG/main" r:embed="rId3"/>
+              </a:ext>
+            </a:extLst>
+          </a:blip>
+          <a:stretch>
+            <a:fillRect/>
+          </a:stretch>
+        </p:blipFill>
+        <p:spPr>
+          <a:xfrm>
+            <a:off x="595746" y="576185"/>
+            <a:ext cx="512618" cy="588965"/>
+          </a:xfrm>
+          <a:prstGeom prst="rect">
+            <a:avLst/>
+          </a:prstGeom>
+        </p:spPr>
+      </p:pic>
+    </p:spTree>
+    <p:extLst>
+      <p:ext uri="{BB962C8B-B14F-4D97-AF65-F5344CB8AC3E}">
+        <p14:creationId xmlns:p14="http://schemas.microsoft.com/office/powerpoint/2010/main" val="729516965"/>
+      </p:ext>
+    </p:extLst>
+  </p:cSld>
+  <p:clrMapOvr>
+    <a:masterClrMapping/>
+  </p:clrMapOvr>
+</p:sld>
+</file>
+
+<file path=ppt/slides/slide14.xml><?xml version="1.0" encoding="utf-8"?>
+<p:sld xmlns:a="http://schemas.openxmlformats.org/drawingml/2006/main" xmlns:r="http://schemas.openxmlformats.org/officeDocument/2006/relationships" xmlns:p="http://schemas.openxmlformats.org/presentationml/2006/main">
+  <p:cSld>
+    <p:spTree>
+      <p:nvGrpSpPr>
+        <p:cNvPr id="1" name=""/>
+        <p:cNvGrpSpPr/>
+        <p:nvPr/>
+      </p:nvGrpSpPr>
+      <p:grpSpPr>
+        <a:xfrm>
+          <a:off x="0" y="0"/>
+          <a:ext cx="0" cy="0"/>
+          <a:chOff x="0" y="0"/>
+          <a:chExt cx="0" cy="0"/>
+        </a:xfrm>
+      </p:grpSpPr>
+      <p:sp>
+        <p:nvSpPr>
+          <p:cNvPr id="3" name="TextBox 2">
+            <a:extLst>
+              <a:ext uri="{FF2B5EF4-FFF2-40B4-BE49-F238E27FC236}">
+                <a16:creationId xmlns:a16="http://schemas.microsoft.com/office/drawing/2014/main" id="{223306E3-8BA1-6C44-98DE-C37CB0672BE6}"/>
+              </a:ext>
+            </a:extLst>
+          </p:cNvPr>
+          <p:cNvSpPr txBox="1"/>
+          <p:nvPr/>
+        </p:nvSpPr>
+        <p:spPr>
+          <a:xfrm>
+            <a:off x="1260764" y="580375"/>
+            <a:ext cx="2704587" cy="584775"/>
+          </a:xfrm>
+          <a:prstGeom prst="rect">
+            <a:avLst/>
+          </a:prstGeom>
+          <a:noFill/>
+        </p:spPr>
+        <p:txBody>
+          <a:bodyPr wrap="none" rtlCol="0">
+            <a:spAutoFit/>
+          </a:bodyPr>
+          <a:lstStyle/>
+          <a:p>
+            <a:r>
+              <a:rPr kumimoji="1" lang="ko-KR" altLang="en-US" sz="3200" b="1" dirty="0">
+                <a:latin typeface="NanumSquare ExtraBold" panose="020B0600000101010101" pitchFamily="34" charset="-127"/>
+                <a:ea typeface="NanumSquare ExtraBold" panose="020B0600000101010101" pitchFamily="34" charset="-127"/>
+              </a:rPr>
+              <a:t>뉴스</a:t>
+            </a:r>
+            <a:r>
+              <a:rPr kumimoji="1" lang="en-US" altLang="ko-KR" sz="3200" b="1" dirty="0">
+                <a:latin typeface="NanumSquare ExtraBold" panose="020B0600000101010101" pitchFamily="34" charset="-127"/>
+                <a:ea typeface="NanumSquare ExtraBold" panose="020B0600000101010101" pitchFamily="34" charset="-127"/>
+              </a:rPr>
+              <a:t>-</a:t>
+            </a:r>
+            <a:r>
+              <a:rPr kumimoji="1" lang="ko-KR" altLang="en-US" sz="3200" b="1" dirty="0">
+                <a:latin typeface="NanumSquare ExtraBold" panose="020B0600000101010101" pitchFamily="34" charset="-127"/>
+                <a:ea typeface="NanumSquare ExtraBold" panose="020B0600000101010101" pitchFamily="34" charset="-127"/>
+              </a:rPr>
+              <a:t>뉴스 정보</a:t>
+            </a:r>
+          </a:p>
+        </p:txBody>
+      </p:sp>
+      <p:pic>
+        <p:nvPicPr>
+          <p:cNvPr id="4" name="그래픽 3">
+            <a:extLst>
+              <a:ext uri="{FF2B5EF4-FFF2-40B4-BE49-F238E27FC236}">
+                <a16:creationId xmlns:a16="http://schemas.microsoft.com/office/drawing/2014/main" id="{C5960D75-DB25-D440-877E-112711B7A380}"/>
+              </a:ext>
+            </a:extLst>
+          </p:cNvPr>
+          <p:cNvPicPr>
+            <a:picLocks noChangeAspect="1"/>
+          </p:cNvPicPr>
+          <p:nvPr/>
+        </p:nvPicPr>
+        <p:blipFill>
+          <a:blip r:embed="rId2">
+            <a:extLst>
+              <a:ext uri="{96DAC541-7B7A-43D3-8B79-37D633B846F1}">
+                <asvg:svgBlip xmlns:asvg="http://schemas.microsoft.com/office/drawing/2016/SVG/main" r:embed="rId3"/>
+              </a:ext>
+            </a:extLst>
+          </a:blip>
+          <a:stretch>
+            <a:fillRect/>
+          </a:stretch>
+        </p:blipFill>
+        <p:spPr>
+          <a:xfrm>
+            <a:off x="595746" y="576185"/>
+            <a:ext cx="512618" cy="588965"/>
+          </a:xfrm>
+          <a:prstGeom prst="rect">
+            <a:avLst/>
+          </a:prstGeom>
+        </p:spPr>
+      </p:pic>
+    </p:spTree>
+    <p:extLst>
+      <p:ext uri="{BB962C8B-B14F-4D97-AF65-F5344CB8AC3E}">
+        <p14:creationId xmlns:p14="http://schemas.microsoft.com/office/powerpoint/2010/main" val="1059654720"/>
+      </p:ext>
+    </p:extLst>
+  </p:cSld>
+  <p:clrMapOvr>
+    <a:masterClrMapping/>
+  </p:clrMapOvr>
+</p:sld>
+</file>
+
+<file path=ppt/slides/slide15.xml><?xml version="1.0" encoding="utf-8"?>
+<p:sld xmlns:a="http://schemas.openxmlformats.org/drawingml/2006/main" xmlns:r="http://schemas.openxmlformats.org/officeDocument/2006/relationships" xmlns:p="http://schemas.openxmlformats.org/presentationml/2006/main">
+  <p:cSld>
+    <p:spTree>
+      <p:nvGrpSpPr>
+        <p:cNvPr id="1" name=""/>
+        <p:cNvGrpSpPr/>
+        <p:nvPr/>
+      </p:nvGrpSpPr>
+      <p:grpSpPr>
+        <a:xfrm>
+          <a:off x="0" y="0"/>
+          <a:ext cx="0" cy="0"/>
+          <a:chOff x="0" y="0"/>
+          <a:chExt cx="0" cy="0"/>
+        </a:xfrm>
+      </p:grpSpPr>
+      <p:sp>
+        <p:nvSpPr>
+          <p:cNvPr id="3" name="TextBox 2">
+            <a:extLst>
+              <a:ext uri="{FF2B5EF4-FFF2-40B4-BE49-F238E27FC236}">
+                <a16:creationId xmlns:a16="http://schemas.microsoft.com/office/drawing/2014/main" id="{223306E3-8BA1-6C44-98DE-C37CB0672BE6}"/>
+              </a:ext>
+            </a:extLst>
+          </p:cNvPr>
+          <p:cNvSpPr txBox="1"/>
+          <p:nvPr/>
+        </p:nvSpPr>
+        <p:spPr>
+          <a:xfrm>
+            <a:off x="1260764" y="580375"/>
+            <a:ext cx="1854995" cy="584775"/>
+          </a:xfrm>
+          <a:prstGeom prst="rect">
+            <a:avLst/>
+          </a:prstGeom>
+          <a:noFill/>
+        </p:spPr>
+        <p:txBody>
+          <a:bodyPr wrap="none" rtlCol="0">
+            <a:spAutoFit/>
+          </a:bodyPr>
+          <a:lstStyle/>
+          <a:p>
+            <a:r>
+              <a:rPr kumimoji="1" lang="ko-KR" altLang="en-US" sz="3200" b="1" dirty="0">
+                <a:latin typeface="NanumSquare ExtraBold" panose="020B0600000101010101" pitchFamily="34" charset="-127"/>
+                <a:ea typeface="NanumSquare ExtraBold" panose="020B0600000101010101" pitchFamily="34" charset="-127"/>
+              </a:rPr>
+              <a:t>뉴스</a:t>
+            </a:r>
+            <a:r>
+              <a:rPr kumimoji="1" lang="en-US" altLang="ko-KR" sz="3200" b="1" dirty="0">
+                <a:latin typeface="NanumSquare ExtraBold" panose="020B0600000101010101" pitchFamily="34" charset="-127"/>
+                <a:ea typeface="NanumSquare ExtraBold" panose="020B0600000101010101" pitchFamily="34" charset="-127"/>
+              </a:rPr>
+              <a:t>-</a:t>
+            </a:r>
+            <a:r>
+              <a:rPr kumimoji="1" lang="ko-KR" altLang="en-US" sz="3200" b="1" dirty="0">
+                <a:latin typeface="NanumSquare ExtraBold" panose="020B0600000101010101" pitchFamily="34" charset="-127"/>
+                <a:ea typeface="NanumSquare ExtraBold" panose="020B0600000101010101" pitchFamily="34" charset="-127"/>
+              </a:rPr>
+              <a:t>뉴스</a:t>
+            </a:r>
+          </a:p>
+        </p:txBody>
+      </p:sp>
+      <p:pic>
+        <p:nvPicPr>
+          <p:cNvPr id="4" name="그래픽 3">
+            <a:extLst>
+              <a:ext uri="{FF2B5EF4-FFF2-40B4-BE49-F238E27FC236}">
+                <a16:creationId xmlns:a16="http://schemas.microsoft.com/office/drawing/2014/main" id="{C5960D75-DB25-D440-877E-112711B7A380}"/>
+              </a:ext>
+            </a:extLst>
+          </p:cNvPr>
+          <p:cNvPicPr>
+            <a:picLocks noChangeAspect="1"/>
+          </p:cNvPicPr>
+          <p:nvPr/>
+        </p:nvPicPr>
+        <p:blipFill>
+          <a:blip r:embed="rId2">
+            <a:extLst>
+              <a:ext uri="{96DAC541-7B7A-43D3-8B79-37D633B846F1}">
+                <asvg:svgBlip xmlns:asvg="http://schemas.microsoft.com/office/drawing/2016/SVG/main" r:embed="rId3"/>
+              </a:ext>
+            </a:extLst>
+          </a:blip>
+          <a:stretch>
+            <a:fillRect/>
+          </a:stretch>
+        </p:blipFill>
+        <p:spPr>
+          <a:xfrm>
+            <a:off x="595746" y="576185"/>
+            <a:ext cx="512618" cy="588965"/>
+          </a:xfrm>
+          <a:prstGeom prst="rect">
+            <a:avLst/>
+          </a:prstGeom>
+        </p:spPr>
+      </p:pic>
+    </p:spTree>
+    <p:extLst>
+      <p:ext uri="{BB962C8B-B14F-4D97-AF65-F5344CB8AC3E}">
+        <p14:creationId xmlns:p14="http://schemas.microsoft.com/office/powerpoint/2010/main" val="1589837858"/>
+      </p:ext>
+    </p:extLst>
+  </p:cSld>
+  <p:clrMapOvr>
+    <a:masterClrMapping/>
+  </p:clrMapOvr>
+</p:sld>
+</file>
+
+<file path=ppt/slides/slide16.xml><?xml version="1.0" encoding="utf-8"?>
+<p:sld xmlns:a="http://schemas.openxmlformats.org/drawingml/2006/main" xmlns:r="http://schemas.openxmlformats.org/officeDocument/2006/relationships" xmlns:p="http://schemas.openxmlformats.org/presentationml/2006/main">
+  <p:cSld>
+    <p:spTree>
+      <p:nvGrpSpPr>
+        <p:cNvPr id="1" name=""/>
+        <p:cNvGrpSpPr/>
+        <p:nvPr/>
+      </p:nvGrpSpPr>
+      <p:grpSpPr>
+        <a:xfrm>
+          <a:off x="0" y="0"/>
+          <a:ext cx="0" cy="0"/>
+          <a:chOff x="0" y="0"/>
+          <a:chExt cx="0" cy="0"/>
+        </a:xfrm>
+      </p:grpSpPr>
+      <p:sp>
+        <p:nvSpPr>
+          <p:cNvPr id="3" name="TextBox 2">
+            <a:extLst>
+              <a:ext uri="{FF2B5EF4-FFF2-40B4-BE49-F238E27FC236}">
+                <a16:creationId xmlns:a16="http://schemas.microsoft.com/office/drawing/2014/main" id="{223306E3-8BA1-6C44-98DE-C37CB0672BE6}"/>
+              </a:ext>
+            </a:extLst>
+          </p:cNvPr>
+          <p:cNvSpPr txBox="1"/>
+          <p:nvPr/>
+        </p:nvSpPr>
+        <p:spPr>
+          <a:xfrm>
+            <a:off x="1260764" y="580375"/>
+            <a:ext cx="3174267" cy="584775"/>
+          </a:xfrm>
+          <a:prstGeom prst="rect">
+            <a:avLst/>
+          </a:prstGeom>
+          <a:noFill/>
+        </p:spPr>
+        <p:txBody>
+          <a:bodyPr wrap="none" rtlCol="0">
+            <a:spAutoFit/>
+          </a:bodyPr>
+          <a:lstStyle/>
+          <a:p>
+            <a:r>
+              <a:rPr kumimoji="1" lang="ko-KR" altLang="en-US" sz="3200" b="1" dirty="0">
+                <a:latin typeface="NanumSquare ExtraBold" panose="020B0600000101010101" pitchFamily="34" charset="-127"/>
+                <a:ea typeface="NanumSquare ExtraBold" panose="020B0600000101010101" pitchFamily="34" charset="-127"/>
+              </a:rPr>
+              <a:t>게시판</a:t>
+            </a:r>
+            <a:r>
+              <a:rPr kumimoji="1" lang="en-US" altLang="ko-KR" sz="3200" b="1" dirty="0">
+                <a:latin typeface="NanumSquare ExtraBold" panose="020B0600000101010101" pitchFamily="34" charset="-127"/>
+                <a:ea typeface="NanumSquare ExtraBold" panose="020B0600000101010101" pitchFamily="34" charset="-127"/>
+              </a:rPr>
+              <a:t>-</a:t>
+            </a:r>
+            <a:r>
+              <a:rPr kumimoji="1" lang="ko-KR" altLang="en-US" sz="3200" b="1" dirty="0">
+                <a:latin typeface="NanumSquare ExtraBold" panose="020B0600000101010101" pitchFamily="34" charset="-127"/>
+                <a:ea typeface="NanumSquare ExtraBold" panose="020B0600000101010101" pitchFamily="34" charset="-127"/>
+              </a:rPr>
+              <a:t>검색</a:t>
+            </a:r>
+            <a:r>
+              <a:rPr kumimoji="1" lang="en-US" altLang="ko-KR" sz="3200" b="1" dirty="0">
+                <a:latin typeface="NanumSquare ExtraBold" panose="020B0600000101010101" pitchFamily="34" charset="-127"/>
+                <a:ea typeface="NanumSquare ExtraBold" panose="020B0600000101010101" pitchFamily="34" charset="-127"/>
+              </a:rPr>
+              <a:t>/</a:t>
+            </a:r>
+            <a:r>
+              <a:rPr kumimoji="1" lang="ko-KR" altLang="en-US" sz="3200" b="1" dirty="0">
+                <a:latin typeface="NanumSquare ExtraBold" panose="020B0600000101010101" pitchFamily="34" charset="-127"/>
+                <a:ea typeface="NanumSquare ExtraBold" panose="020B0600000101010101" pitchFamily="34" charset="-127"/>
+              </a:rPr>
+              <a:t>기능</a:t>
+            </a:r>
+          </a:p>
+        </p:txBody>
+      </p:sp>
+      <p:pic>
+        <p:nvPicPr>
+          <p:cNvPr id="4" name="그래픽 3">
+            <a:extLst>
+              <a:ext uri="{FF2B5EF4-FFF2-40B4-BE49-F238E27FC236}">
+                <a16:creationId xmlns:a16="http://schemas.microsoft.com/office/drawing/2014/main" id="{C5960D75-DB25-D440-877E-112711B7A380}"/>
+              </a:ext>
+            </a:extLst>
+          </p:cNvPr>
+          <p:cNvPicPr>
+            <a:picLocks noChangeAspect="1"/>
+          </p:cNvPicPr>
+          <p:nvPr/>
+        </p:nvPicPr>
+        <p:blipFill>
+          <a:blip r:embed="rId2">
+            <a:extLst>
+              <a:ext uri="{96DAC541-7B7A-43D3-8B79-37D633B846F1}">
+                <asvg:svgBlip xmlns:asvg="http://schemas.microsoft.com/office/drawing/2016/SVG/main" r:embed="rId3"/>
+              </a:ext>
+            </a:extLst>
+          </a:blip>
+          <a:stretch>
+            <a:fillRect/>
+          </a:stretch>
+        </p:blipFill>
+        <p:spPr>
+          <a:xfrm>
+            <a:off x="595746" y="576185"/>
+            <a:ext cx="512618" cy="588965"/>
+          </a:xfrm>
+          <a:prstGeom prst="rect">
+            <a:avLst/>
+          </a:prstGeom>
+        </p:spPr>
+      </p:pic>
+    </p:spTree>
+    <p:extLst>
+      <p:ext uri="{BB962C8B-B14F-4D97-AF65-F5344CB8AC3E}">
+        <p14:creationId xmlns:p14="http://schemas.microsoft.com/office/powerpoint/2010/main" val="3873974320"/>
+      </p:ext>
+    </p:extLst>
+  </p:cSld>
+  <p:clrMapOvr>
+    <a:masterClrMapping/>
+  </p:clrMapOvr>
+</p:sld>
+</file>
+
+<file path=ppt/slides/slide17.xml><?xml version="1.0" encoding="utf-8"?>
+<p:sld xmlns:a="http://schemas.openxmlformats.org/drawingml/2006/main" xmlns:r="http://schemas.openxmlformats.org/officeDocument/2006/relationships" xmlns:p="http://schemas.openxmlformats.org/presentationml/2006/main">
+  <p:cSld>
+    <p:spTree>
+      <p:nvGrpSpPr>
+        <p:cNvPr id="1" name=""/>
+        <p:cNvGrpSpPr/>
+        <p:nvPr/>
+      </p:nvGrpSpPr>
+      <p:grpSpPr>
+        <a:xfrm>
+          <a:off x="0" y="0"/>
+          <a:ext cx="0" cy="0"/>
+          <a:chOff x="0" y="0"/>
+          <a:chExt cx="0" cy="0"/>
+        </a:xfrm>
+      </p:grpSpPr>
+      <p:pic>
+        <p:nvPicPr>
+          <p:cNvPr id="5" name="그래픽 4">
+            <a:extLst>
+              <a:ext uri="{FF2B5EF4-FFF2-40B4-BE49-F238E27FC236}">
+                <a16:creationId xmlns:a16="http://schemas.microsoft.com/office/drawing/2014/main" id="{8DC6C707-FA11-B84F-B817-00834356069B}"/>
+              </a:ext>
+            </a:extLst>
+          </p:cNvPr>
+          <p:cNvPicPr>
+            <a:picLocks noChangeAspect="1"/>
+          </p:cNvPicPr>
+          <p:nvPr/>
+        </p:nvPicPr>
+        <p:blipFill>
+          <a:blip r:embed="rId2">
+            <a:extLst>
+              <a:ext uri="{96DAC541-7B7A-43D3-8B79-37D633B846F1}">
+                <asvg:svgBlip xmlns:asvg="http://schemas.microsoft.com/office/drawing/2016/SVG/main" r:embed="rId3"/>
+              </a:ext>
+            </a:extLst>
+          </a:blip>
+          <a:stretch>
+            <a:fillRect/>
+          </a:stretch>
+        </p:blipFill>
+        <p:spPr>
+          <a:xfrm>
+            <a:off x="3771900" y="2006600"/>
+            <a:ext cx="4648200" cy="1422400"/>
+          </a:xfrm>
+          <a:prstGeom prst="rect">
+            <a:avLst/>
+          </a:prstGeom>
+        </p:spPr>
+      </p:pic>
+    </p:spTree>
+    <p:extLst>
+      <p:ext uri="{BB962C8B-B14F-4D97-AF65-F5344CB8AC3E}">
+        <p14:creationId xmlns:p14="http://schemas.microsoft.com/office/powerpoint/2010/main" val="2361748189"/>
+      </p:ext>
+    </p:extLst>
+  </p:cSld>
+  <p:clrMapOvr>
+    <a:masterClrMapping/>
+  </p:clrMapOvr>
+</p:sld>
+</file>
+
 <file path=ppt/slides/slide2.xml><?xml version="1.0" encoding="utf-8"?>
 <p:sld xmlns:a="http://schemas.openxmlformats.org/drawingml/2006/main" xmlns:r="http://schemas.openxmlformats.org/officeDocument/2006/relationships" xmlns:p="http://schemas.openxmlformats.org/presentationml/2006/main">
   <p:cSld>
@@ -3683,6 +4680,110 @@
 </file>
 
 <file path=ppt/slides/slide3.xml><?xml version="1.0" encoding="utf-8"?>
+<p:sld xmlns:a="http://schemas.openxmlformats.org/drawingml/2006/main" xmlns:r="http://schemas.openxmlformats.org/officeDocument/2006/relationships" xmlns:p="http://schemas.openxmlformats.org/presentationml/2006/main">
+  <p:cSld>
+    <p:spTree>
+      <p:nvGrpSpPr>
+        <p:cNvPr id="1" name=""/>
+        <p:cNvGrpSpPr/>
+        <p:nvPr/>
+      </p:nvGrpSpPr>
+      <p:grpSpPr>
+        <a:xfrm>
+          <a:off x="0" y="0"/>
+          <a:ext cx="0" cy="0"/>
+          <a:chOff x="0" y="0"/>
+          <a:chExt cx="0" cy="0"/>
+        </a:xfrm>
+      </p:grpSpPr>
+      <p:sp>
+        <p:nvSpPr>
+          <p:cNvPr id="5" name="TextBox 4">
+            <a:extLst>
+              <a:ext uri="{FF2B5EF4-FFF2-40B4-BE49-F238E27FC236}">
+                <a16:creationId xmlns:a16="http://schemas.microsoft.com/office/drawing/2014/main" id="{3508F7A7-493C-3241-8014-C4E1835B63ED}"/>
+              </a:ext>
+            </a:extLst>
+          </p:cNvPr>
+          <p:cNvSpPr txBox="1"/>
+          <p:nvPr/>
+        </p:nvSpPr>
+        <p:spPr>
+          <a:xfrm>
+            <a:off x="1260764" y="580375"/>
+            <a:ext cx="931665" cy="584775"/>
+          </a:xfrm>
+          <a:prstGeom prst="rect">
+            <a:avLst/>
+          </a:prstGeom>
+          <a:noFill/>
+        </p:spPr>
+        <p:txBody>
+          <a:bodyPr wrap="none" rtlCol="0">
+            <a:spAutoFit/>
+          </a:bodyPr>
+          <a:lstStyle/>
+          <a:p>
+            <a:r>
+              <a:rPr kumimoji="1" lang="ko-KR" altLang="en-US" sz="3200" b="1" dirty="0">
+                <a:latin typeface="NanumSquare ExtraBold" panose="020B0600000101010101" pitchFamily="34" charset="-127"/>
+                <a:ea typeface="NanumSquare ExtraBold" panose="020B0600000101010101" pitchFamily="34" charset="-127"/>
+              </a:rPr>
+              <a:t>목차</a:t>
+            </a:r>
+          </a:p>
+        </p:txBody>
+      </p:sp>
+      <p:pic>
+        <p:nvPicPr>
+          <p:cNvPr id="6" name="그래픽 5">
+            <a:extLst>
+              <a:ext uri="{FF2B5EF4-FFF2-40B4-BE49-F238E27FC236}">
+                <a16:creationId xmlns:a16="http://schemas.microsoft.com/office/drawing/2014/main" id="{30AA0EF1-9B9F-F14E-A936-9000A6F5F75C}"/>
+              </a:ext>
+            </a:extLst>
+          </p:cNvPr>
+          <p:cNvPicPr>
+            <a:picLocks noChangeAspect="1"/>
+          </p:cNvPicPr>
+          <p:nvPr/>
+        </p:nvPicPr>
+        <p:blipFill>
+          <a:blip r:embed="rId2">
+            <a:extLst>
+              <a:ext uri="{96DAC541-7B7A-43D3-8B79-37D633B846F1}">
+                <asvg:svgBlip xmlns:asvg="http://schemas.microsoft.com/office/drawing/2016/SVG/main" r:embed="rId3"/>
+              </a:ext>
+            </a:extLst>
+          </a:blip>
+          <a:stretch>
+            <a:fillRect/>
+          </a:stretch>
+        </p:blipFill>
+        <p:spPr>
+          <a:xfrm>
+            <a:off x="595746" y="576185"/>
+            <a:ext cx="512618" cy="588965"/>
+          </a:xfrm>
+          <a:prstGeom prst="rect">
+            <a:avLst/>
+          </a:prstGeom>
+        </p:spPr>
+      </p:pic>
+    </p:spTree>
+    <p:extLst>
+      <p:ext uri="{BB962C8B-B14F-4D97-AF65-F5344CB8AC3E}">
+        <p14:creationId xmlns:p14="http://schemas.microsoft.com/office/powerpoint/2010/main" val="3831787847"/>
+      </p:ext>
+    </p:extLst>
+  </p:cSld>
+  <p:clrMapOvr>
+    <a:masterClrMapping/>
+  </p:clrMapOvr>
+</p:sld>
+</file>
+
+<file path=ppt/slides/slide4.xml><?xml version="1.0" encoding="utf-8"?>
 <p:sld xmlns:a="http://schemas.openxmlformats.org/drawingml/2006/main" xmlns:r="http://schemas.openxmlformats.org/officeDocument/2006/relationships" xmlns:p="http://schemas.openxmlformats.org/presentationml/2006/main">
   <p:cSld>
     <p:spTree>
@@ -4999,6 +6100,194 @@
           </a:graphicData>
         </a:graphic>
       </p:graphicFrame>
+      <p:sp>
+        <p:nvSpPr>
+          <p:cNvPr id="8" name="TextBox 7">
+            <a:extLst>
+              <a:ext uri="{FF2B5EF4-FFF2-40B4-BE49-F238E27FC236}">
+                <a16:creationId xmlns:a16="http://schemas.microsoft.com/office/drawing/2014/main" id="{D82804CB-7DC1-D94C-8496-5C0C4E7BCC1B}"/>
+              </a:ext>
+            </a:extLst>
+          </p:cNvPr>
+          <p:cNvSpPr txBox="1"/>
+          <p:nvPr/>
+        </p:nvSpPr>
+        <p:spPr>
+          <a:xfrm>
+            <a:off x="5172848" y="2516729"/>
+            <a:ext cx="3406702" cy="2308324"/>
+          </a:xfrm>
+          <a:prstGeom prst="rect">
+            <a:avLst/>
+          </a:prstGeom>
+          <a:noFill/>
+        </p:spPr>
+        <p:txBody>
+          <a:bodyPr wrap="none" rtlCol="0">
+            <a:spAutoFit/>
+          </a:bodyPr>
+          <a:lstStyle/>
+          <a:p>
+            <a:r>
+              <a:rPr kumimoji="1" lang="en-US" altLang="ko-KR" dirty="0"/>
+              <a:t>19</a:t>
+            </a:r>
+            <a:r>
+              <a:rPr kumimoji="1" lang="ko-KR" altLang="en-US" dirty="0"/>
+              <a:t>일 </a:t>
+            </a:r>
+            <a:r>
+              <a:rPr kumimoji="1" lang="en-US" altLang="ko-KR" dirty="0"/>
+              <a:t>:</a:t>
+            </a:r>
+            <a:r>
+              <a:rPr kumimoji="1" lang="ko-KR" altLang="en-US" dirty="0"/>
+              <a:t> 기획</a:t>
+            </a:r>
+            <a:r>
+              <a:rPr kumimoji="1" lang="en-US" altLang="ko-KR" dirty="0"/>
+              <a:t>,</a:t>
+            </a:r>
+            <a:r>
+              <a:rPr kumimoji="1" lang="ko-KR" altLang="en-US" dirty="0"/>
+              <a:t> 프로젝트 세팅</a:t>
+            </a:r>
+            <a:endParaRPr kumimoji="1" lang="en-US" altLang="ko-KR" dirty="0"/>
+          </a:p>
+          <a:p>
+            <a:r>
+              <a:rPr kumimoji="1" lang="en-US" altLang="ko-KR" dirty="0"/>
+              <a:t>20</a:t>
+            </a:r>
+            <a:r>
+              <a:rPr kumimoji="1" lang="ko-KR" altLang="en-US" dirty="0"/>
+              <a:t>일 </a:t>
+            </a:r>
+            <a:r>
+              <a:rPr kumimoji="1" lang="en-US" altLang="ko-KR" dirty="0"/>
+              <a:t>:</a:t>
+            </a:r>
+            <a:r>
+              <a:rPr kumimoji="1" lang="ko-KR" altLang="en-US" dirty="0"/>
+              <a:t> </a:t>
+            </a:r>
+            <a:endParaRPr kumimoji="1" lang="en-US" altLang="ko-KR" dirty="0"/>
+          </a:p>
+          <a:p>
+            <a:r>
+              <a:rPr kumimoji="1" lang="en-US" altLang="ko-KR" dirty="0"/>
+              <a:t>21</a:t>
+            </a:r>
+            <a:r>
+              <a:rPr kumimoji="1" lang="ko-KR" altLang="en-US" dirty="0"/>
+              <a:t>일</a:t>
+            </a:r>
+            <a:endParaRPr kumimoji="1" lang="en-US" altLang="ko-KR" dirty="0"/>
+          </a:p>
+          <a:p>
+            <a:r>
+              <a:rPr kumimoji="1" lang="en-US" altLang="ko-KR" dirty="0"/>
+              <a:t>22</a:t>
+            </a:r>
+            <a:r>
+              <a:rPr kumimoji="1" lang="ko-KR" altLang="en-US" dirty="0"/>
+              <a:t>일 </a:t>
+            </a:r>
+            <a:r>
+              <a:rPr kumimoji="1" lang="en-US" altLang="ko-KR" dirty="0"/>
+              <a:t>:</a:t>
+            </a:r>
+            <a:r>
+              <a:rPr kumimoji="1" lang="ko-KR" altLang="en-US" dirty="0"/>
+              <a:t> 로그인</a:t>
+            </a:r>
+            <a:r>
+              <a:rPr kumimoji="1" lang="en-US" altLang="ko-KR" dirty="0"/>
+              <a:t>,</a:t>
+            </a:r>
+            <a:r>
+              <a:rPr kumimoji="1" lang="ko-KR" altLang="en-US" dirty="0"/>
+              <a:t> 회원가입 페이지</a:t>
+            </a:r>
+            <a:endParaRPr kumimoji="1" lang="en-US" altLang="ko-KR" dirty="0"/>
+          </a:p>
+          <a:p>
+            <a:r>
+              <a:rPr kumimoji="1" lang="en-US" altLang="ko-KR" dirty="0"/>
+              <a:t>23</a:t>
+            </a:r>
+            <a:r>
+              <a:rPr kumimoji="1" lang="ko-KR" altLang="en-US" dirty="0"/>
+              <a:t>일 </a:t>
+            </a:r>
+            <a:r>
+              <a:rPr kumimoji="1" lang="en-US" altLang="ko-KR" dirty="0"/>
+              <a:t>:</a:t>
+            </a:r>
+            <a:r>
+              <a:rPr kumimoji="1" lang="ko-KR" altLang="en-US" dirty="0"/>
+              <a:t> 게시판 페이지</a:t>
+            </a:r>
+            <a:endParaRPr kumimoji="1" lang="en-US" altLang="ko-KR" dirty="0"/>
+          </a:p>
+          <a:p>
+            <a:r>
+              <a:rPr kumimoji="1" lang="en-US" altLang="ko-KR" dirty="0"/>
+              <a:t>24</a:t>
+            </a:r>
+            <a:r>
+              <a:rPr kumimoji="1" lang="ko-KR" altLang="en-US" dirty="0"/>
+              <a:t>일 </a:t>
+            </a:r>
+            <a:r>
+              <a:rPr kumimoji="1" lang="en-US" altLang="ko-KR" dirty="0"/>
+              <a:t>:</a:t>
+            </a:r>
+            <a:r>
+              <a:rPr kumimoji="1" lang="ko-KR" altLang="en-US" dirty="0"/>
+              <a:t> 지도</a:t>
+            </a:r>
+            <a:r>
+              <a:rPr kumimoji="1" lang="en-US" altLang="ko-KR" dirty="0"/>
+              <a:t>,</a:t>
+            </a:r>
+            <a:r>
+              <a:rPr kumimoji="1" lang="ko-KR" altLang="en-US" dirty="0"/>
+              <a:t> 맵 구현</a:t>
+            </a:r>
+            <a:endParaRPr kumimoji="1" lang="en-US" altLang="ko-KR" dirty="0"/>
+          </a:p>
+          <a:p>
+            <a:r>
+              <a:rPr kumimoji="1" lang="en-US" altLang="ko-KR" dirty="0"/>
+              <a:t>25</a:t>
+            </a:r>
+            <a:r>
+              <a:rPr kumimoji="1" lang="ko-KR" altLang="en-US" dirty="0"/>
+              <a:t>일 </a:t>
+            </a:r>
+            <a:r>
+              <a:rPr kumimoji="1" lang="en-US" altLang="ko-KR" dirty="0"/>
+              <a:t>:</a:t>
+            </a:r>
+            <a:r>
+              <a:rPr kumimoji="1" lang="ko-KR" altLang="en-US" dirty="0"/>
+              <a:t> 뉴스</a:t>
+            </a:r>
+            <a:endParaRPr kumimoji="1" lang="en-US" altLang="ko-KR" dirty="0"/>
+          </a:p>
+          <a:p>
+            <a:r>
+              <a:rPr kumimoji="1" lang="en-US" altLang="ko-KR" dirty="0"/>
+              <a:t>26</a:t>
+            </a:r>
+            <a:r>
+              <a:rPr kumimoji="1" lang="ko-KR" altLang="en-US" dirty="0"/>
+              <a:t>일</a:t>
+            </a:r>
+          </a:p>
+        </p:txBody>
+      </p:sp>
     </p:spTree>
     <p:extLst>
       <p:ext uri="{BB962C8B-B14F-4D97-AF65-F5344CB8AC3E}">
@@ -5012,7 +6301,7 @@
 </p:sld>
 </file>
 
-<file path=ppt/slides/slide4.xml><?xml version="1.0" encoding="utf-8"?>
+<file path=ppt/slides/slide5.xml><?xml version="1.0" encoding="utf-8"?>
 <p:sld xmlns:a="http://schemas.openxmlformats.org/drawingml/2006/main" xmlns:r="http://schemas.openxmlformats.org/officeDocument/2006/relationships" xmlns:p="http://schemas.openxmlformats.org/presentationml/2006/main">
   <p:cSld>
     <p:spTree>
@@ -5116,72 +6405,6 @@
 </p:sld>
 </file>
 
-<file path=ppt/slides/slide5.xml><?xml version="1.0" encoding="utf-8"?>
-<p:sld xmlns:a="http://schemas.openxmlformats.org/drawingml/2006/main" xmlns:r="http://schemas.openxmlformats.org/officeDocument/2006/relationships" xmlns:p="http://schemas.openxmlformats.org/presentationml/2006/main">
-  <p:cSld>
-    <p:spTree>
-      <p:nvGrpSpPr>
-        <p:cNvPr id="1" name=""/>
-        <p:cNvGrpSpPr/>
-        <p:nvPr/>
-      </p:nvGrpSpPr>
-      <p:grpSpPr>
-        <a:xfrm>
-          <a:off x="0" y="0"/>
-          <a:ext cx="0" cy="0"/>
-          <a:chOff x="0" y="0"/>
-          <a:chExt cx="0" cy="0"/>
-        </a:xfrm>
-      </p:grpSpPr>
-      <p:pic>
-        <p:nvPicPr>
-          <p:cNvPr id="5" name="그래픽 4">
-            <a:extLst>
-              <a:ext uri="{FF2B5EF4-FFF2-40B4-BE49-F238E27FC236}">
-                <a16:creationId xmlns:a16="http://schemas.microsoft.com/office/drawing/2014/main" id="{8DC6C707-FA11-B84F-B817-00834356069B}"/>
-              </a:ext>
-            </a:extLst>
-          </p:cNvPr>
-          <p:cNvPicPr>
-            <a:picLocks noChangeAspect="1"/>
-          </p:cNvPicPr>
-          <p:nvPr/>
-        </p:nvPicPr>
-        <p:blipFill>
-          <a:blip r:embed="rId2">
-            <a:extLst>
-              <a:ext uri="{96DAC541-7B7A-43D3-8B79-37D633B846F1}">
-                <asvg:svgBlip xmlns:asvg="http://schemas.microsoft.com/office/drawing/2016/SVG/main" r:embed="rId3"/>
-              </a:ext>
-            </a:extLst>
-          </a:blip>
-          <a:stretch>
-            <a:fillRect/>
-          </a:stretch>
-        </p:blipFill>
-        <p:spPr>
-          <a:xfrm>
-            <a:off x="3771900" y="2006600"/>
-            <a:ext cx="4648200" cy="1422400"/>
-          </a:xfrm>
-          <a:prstGeom prst="rect">
-            <a:avLst/>
-          </a:prstGeom>
-        </p:spPr>
-      </p:pic>
-    </p:spTree>
-    <p:extLst>
-      <p:ext uri="{BB962C8B-B14F-4D97-AF65-F5344CB8AC3E}">
-        <p14:creationId xmlns:p14="http://schemas.microsoft.com/office/powerpoint/2010/main" val="1843802188"/>
-      </p:ext>
-    </p:extLst>
-  </p:cSld>
-  <p:clrMapOvr>
-    <a:masterClrMapping/>
-  </p:clrMapOvr>
-</p:sld>
-</file>
-
 <file path=ppt/slides/slide6.xml><?xml version="1.0" encoding="utf-8"?>
 <p:sld xmlns:a="http://schemas.openxmlformats.org/drawingml/2006/main" xmlns:r="http://schemas.openxmlformats.org/officeDocument/2006/relationships" xmlns:p="http://schemas.openxmlformats.org/presentationml/2006/main">
   <p:cSld>
@@ -5199,12 +6422,54 @@
           <a:chExt cx="0" cy="0"/>
         </a:xfrm>
       </p:grpSpPr>
+      <p:sp>
+        <p:nvSpPr>
+          <p:cNvPr id="3" name="TextBox 2">
+            <a:extLst>
+              <a:ext uri="{FF2B5EF4-FFF2-40B4-BE49-F238E27FC236}">
+                <a16:creationId xmlns:a16="http://schemas.microsoft.com/office/drawing/2014/main" id="{A10689BE-C2F0-AB44-8C48-5D45C4AB5D57}"/>
+              </a:ext>
+            </a:extLst>
+          </p:cNvPr>
+          <p:cNvSpPr txBox="1"/>
+          <p:nvPr/>
+        </p:nvSpPr>
+        <p:spPr>
+          <a:xfrm>
+            <a:off x="1260764" y="580375"/>
+            <a:ext cx="2528256" cy="584775"/>
+          </a:xfrm>
+          <a:prstGeom prst="rect">
+            <a:avLst/>
+          </a:prstGeom>
+          <a:noFill/>
+        </p:spPr>
+        <p:txBody>
+          <a:bodyPr wrap="none" rtlCol="0">
+            <a:spAutoFit/>
+          </a:bodyPr>
+          <a:lstStyle/>
+          <a:p>
+            <a:r>
+              <a:rPr kumimoji="1" lang="ko-KR" altLang="en-US" sz="3200" b="1">
+                <a:latin typeface="NanumSquare ExtraBold" panose="020B0600000101010101" pitchFamily="34" charset="-127"/>
+                <a:ea typeface="NanumSquare ExtraBold" panose="020B0600000101010101" pitchFamily="34" charset="-127"/>
+              </a:rPr>
+              <a:t>프로젝트 기획</a:t>
+            </a:r>
+            <a:endParaRPr kumimoji="1" lang="ko-KR" altLang="en-US" sz="3200" b="1" dirty="0">
+              <a:latin typeface="NanumSquare ExtraBold" panose="020B0600000101010101" pitchFamily="34" charset="-127"/>
+              <a:ea typeface="NanumSquare ExtraBold" panose="020B0600000101010101" pitchFamily="34" charset="-127"/>
+            </a:endParaRPr>
+          </a:p>
+        </p:txBody>
+      </p:sp>
       <p:pic>
         <p:nvPicPr>
-          <p:cNvPr id="5" name="그래픽 4">
-            <a:extLst>
-              <a:ext uri="{FF2B5EF4-FFF2-40B4-BE49-F238E27FC236}">
-                <a16:creationId xmlns:a16="http://schemas.microsoft.com/office/drawing/2014/main" id="{8DC6C707-FA11-B84F-B817-00834356069B}"/>
+          <p:cNvPr id="4" name="그래픽 3">
+            <a:extLst>
+              <a:ext uri="{FF2B5EF4-FFF2-40B4-BE49-F238E27FC236}">
+                <a16:creationId xmlns:a16="http://schemas.microsoft.com/office/drawing/2014/main" id="{1A0A9C35-3968-354E-8E0B-2BE8B385536D}"/>
               </a:ext>
             </a:extLst>
           </p:cNvPr>
@@ -5227,8 +6492,8 @@
         </p:blipFill>
         <p:spPr>
           <a:xfrm>
-            <a:off x="3771900" y="2006600"/>
-            <a:ext cx="4648200" cy="1422400"/>
+            <a:off x="595746" y="576185"/>
+            <a:ext cx="512618" cy="588965"/>
           </a:xfrm>
           <a:prstGeom prst="rect">
             <a:avLst/>
@@ -5238,7 +6503,7 @@
     </p:spTree>
     <p:extLst>
       <p:ext uri="{BB962C8B-B14F-4D97-AF65-F5344CB8AC3E}">
-        <p14:creationId xmlns:p14="http://schemas.microsoft.com/office/powerpoint/2010/main" val="907675039"/>
+        <p14:creationId xmlns:p14="http://schemas.microsoft.com/office/powerpoint/2010/main" val="1843802188"/>
       </p:ext>
     </p:extLst>
   </p:cSld>
@@ -5265,12 +6530,64 @@
           <a:chExt cx="0" cy="0"/>
         </a:xfrm>
       </p:grpSpPr>
+      <p:sp>
+        <p:nvSpPr>
+          <p:cNvPr id="3" name="TextBox 2">
+            <a:extLst>
+              <a:ext uri="{FF2B5EF4-FFF2-40B4-BE49-F238E27FC236}">
+                <a16:creationId xmlns:a16="http://schemas.microsoft.com/office/drawing/2014/main" id="{223306E3-8BA1-6C44-98DE-C37CB0672BE6}"/>
+              </a:ext>
+            </a:extLst>
+          </p:cNvPr>
+          <p:cNvSpPr txBox="1"/>
+          <p:nvPr/>
+        </p:nvSpPr>
+        <p:spPr>
+          <a:xfrm>
+            <a:off x="1260764" y="580375"/>
+            <a:ext cx="2601994" cy="584775"/>
+          </a:xfrm>
+          <a:prstGeom prst="rect">
+            <a:avLst/>
+          </a:prstGeom>
+          <a:noFill/>
+        </p:spPr>
+        <p:txBody>
+          <a:bodyPr wrap="none" rtlCol="0">
+            <a:spAutoFit/>
+          </a:bodyPr>
+          <a:lstStyle/>
+          <a:p>
+            <a:r>
+              <a:rPr kumimoji="1" lang="ko-KR" altLang="en-US" sz="3200" b="1" dirty="0">
+                <a:latin typeface="NanumSquare ExtraBold" panose="020B0600000101010101" pitchFamily="34" charset="-127"/>
+                <a:ea typeface="NanumSquare ExtraBold" panose="020B0600000101010101" pitchFamily="34" charset="-127"/>
+              </a:rPr>
+              <a:t>회원</a:t>
+            </a:r>
+            <a:r>
+              <a:rPr kumimoji="1" lang="en-US" altLang="ko-KR" sz="3200" b="1" dirty="0">
+                <a:latin typeface="NanumSquare ExtraBold" panose="020B0600000101010101" pitchFamily="34" charset="-127"/>
+                <a:ea typeface="NanumSquare ExtraBold" panose="020B0600000101010101" pitchFamily="34" charset="-127"/>
+              </a:rPr>
+              <a:t>-</a:t>
+            </a:r>
+            <a:r>
+              <a:rPr kumimoji="1" lang="ko-KR" altLang="en-US" sz="3200" b="1" dirty="0">
+                <a:latin typeface="NanumSquare ExtraBold" panose="020B0600000101010101" pitchFamily="34" charset="-127"/>
+                <a:ea typeface="NanumSquare ExtraBold" panose="020B0600000101010101" pitchFamily="34" charset="-127"/>
+              </a:rPr>
+              <a:t>회원가입</a:t>
+            </a:r>
+          </a:p>
+        </p:txBody>
+      </p:sp>
       <p:pic>
         <p:nvPicPr>
-          <p:cNvPr id="5" name="그래픽 4">
-            <a:extLst>
-              <a:ext uri="{FF2B5EF4-FFF2-40B4-BE49-F238E27FC236}">
-                <a16:creationId xmlns:a16="http://schemas.microsoft.com/office/drawing/2014/main" id="{8DC6C707-FA11-B84F-B817-00834356069B}"/>
+          <p:cNvPr id="4" name="그래픽 3">
+            <a:extLst>
+              <a:ext uri="{FF2B5EF4-FFF2-40B4-BE49-F238E27FC236}">
+                <a16:creationId xmlns:a16="http://schemas.microsoft.com/office/drawing/2014/main" id="{C5960D75-DB25-D440-877E-112711B7A380}"/>
               </a:ext>
             </a:extLst>
           </p:cNvPr>
@@ -5293,8 +6610,8 @@
         </p:blipFill>
         <p:spPr>
           <a:xfrm>
-            <a:off x="3771900" y="2006600"/>
-            <a:ext cx="4648200" cy="1422400"/>
+            <a:off x="595746" y="576185"/>
+            <a:ext cx="512618" cy="588965"/>
           </a:xfrm>
           <a:prstGeom prst="rect">
             <a:avLst/>
@@ -5304,7 +6621,243 @@
     </p:spTree>
     <p:extLst>
       <p:ext uri="{BB962C8B-B14F-4D97-AF65-F5344CB8AC3E}">
-        <p14:creationId xmlns:p14="http://schemas.microsoft.com/office/powerpoint/2010/main" val="2361748189"/>
+        <p14:creationId xmlns:p14="http://schemas.microsoft.com/office/powerpoint/2010/main" val="491224599"/>
+      </p:ext>
+    </p:extLst>
+  </p:cSld>
+  <p:clrMapOvr>
+    <a:masterClrMapping/>
+  </p:clrMapOvr>
+</p:sld>
+</file>
+
+<file path=ppt/slides/slide8.xml><?xml version="1.0" encoding="utf-8"?>
+<p:sld xmlns:a="http://schemas.openxmlformats.org/drawingml/2006/main" xmlns:r="http://schemas.openxmlformats.org/officeDocument/2006/relationships" xmlns:p="http://schemas.openxmlformats.org/presentationml/2006/main">
+  <p:cSld>
+    <p:spTree>
+      <p:nvGrpSpPr>
+        <p:cNvPr id="1" name=""/>
+        <p:cNvGrpSpPr/>
+        <p:nvPr/>
+      </p:nvGrpSpPr>
+      <p:grpSpPr>
+        <a:xfrm>
+          <a:off x="0" y="0"/>
+          <a:ext cx="0" cy="0"/>
+          <a:chOff x="0" y="0"/>
+          <a:chExt cx="0" cy="0"/>
+        </a:xfrm>
+      </p:grpSpPr>
+      <p:sp>
+        <p:nvSpPr>
+          <p:cNvPr id="3" name="TextBox 2">
+            <a:extLst>
+              <a:ext uri="{FF2B5EF4-FFF2-40B4-BE49-F238E27FC236}">
+                <a16:creationId xmlns:a16="http://schemas.microsoft.com/office/drawing/2014/main" id="{223306E3-8BA1-6C44-98DE-C37CB0672BE6}"/>
+              </a:ext>
+            </a:extLst>
+          </p:cNvPr>
+          <p:cNvSpPr txBox="1"/>
+          <p:nvPr/>
+        </p:nvSpPr>
+        <p:spPr>
+          <a:xfrm>
+            <a:off x="1260764" y="580375"/>
+            <a:ext cx="2228495" cy="584775"/>
+          </a:xfrm>
+          <a:prstGeom prst="rect">
+            <a:avLst/>
+          </a:prstGeom>
+          <a:noFill/>
+        </p:spPr>
+        <p:txBody>
+          <a:bodyPr wrap="none" rtlCol="0">
+            <a:spAutoFit/>
+          </a:bodyPr>
+          <a:lstStyle/>
+          <a:p>
+            <a:r>
+              <a:rPr kumimoji="1" lang="ko-KR" altLang="en-US" sz="3200" b="1" dirty="0">
+                <a:latin typeface="NanumSquare ExtraBold" panose="020B0600000101010101" pitchFamily="34" charset="-127"/>
+                <a:ea typeface="NanumSquare ExtraBold" panose="020B0600000101010101" pitchFamily="34" charset="-127"/>
+              </a:rPr>
+              <a:t>회원</a:t>
+            </a:r>
+            <a:r>
+              <a:rPr kumimoji="1" lang="en-US" altLang="ko-KR" sz="3200" b="1" dirty="0">
+                <a:latin typeface="NanumSquare ExtraBold" panose="020B0600000101010101" pitchFamily="34" charset="-127"/>
+                <a:ea typeface="NanumSquare ExtraBold" panose="020B0600000101010101" pitchFamily="34" charset="-127"/>
+              </a:rPr>
+              <a:t>-</a:t>
+            </a:r>
+            <a:r>
+              <a:rPr kumimoji="1" lang="ko-KR" altLang="en-US" sz="3200" b="1" dirty="0">
+                <a:latin typeface="NanumSquare ExtraBold" panose="020B0600000101010101" pitchFamily="34" charset="-127"/>
+                <a:ea typeface="NanumSquare ExtraBold" panose="020B0600000101010101" pitchFamily="34" charset="-127"/>
+              </a:rPr>
+              <a:t>로그인</a:t>
+            </a:r>
+          </a:p>
+        </p:txBody>
+      </p:sp>
+      <p:pic>
+        <p:nvPicPr>
+          <p:cNvPr id="4" name="그래픽 3">
+            <a:extLst>
+              <a:ext uri="{FF2B5EF4-FFF2-40B4-BE49-F238E27FC236}">
+                <a16:creationId xmlns:a16="http://schemas.microsoft.com/office/drawing/2014/main" id="{C5960D75-DB25-D440-877E-112711B7A380}"/>
+              </a:ext>
+            </a:extLst>
+          </p:cNvPr>
+          <p:cNvPicPr>
+            <a:picLocks noChangeAspect="1"/>
+          </p:cNvPicPr>
+          <p:nvPr/>
+        </p:nvPicPr>
+        <p:blipFill>
+          <a:blip r:embed="rId2">
+            <a:extLst>
+              <a:ext uri="{96DAC541-7B7A-43D3-8B79-37D633B846F1}">
+                <asvg:svgBlip xmlns:asvg="http://schemas.microsoft.com/office/drawing/2016/SVG/main" r:embed="rId3"/>
+              </a:ext>
+            </a:extLst>
+          </a:blip>
+          <a:stretch>
+            <a:fillRect/>
+          </a:stretch>
+        </p:blipFill>
+        <p:spPr>
+          <a:xfrm>
+            <a:off x="595746" y="576185"/>
+            <a:ext cx="512618" cy="588965"/>
+          </a:xfrm>
+          <a:prstGeom prst="rect">
+            <a:avLst/>
+          </a:prstGeom>
+        </p:spPr>
+      </p:pic>
+    </p:spTree>
+    <p:extLst>
+      <p:ext uri="{BB962C8B-B14F-4D97-AF65-F5344CB8AC3E}">
+        <p14:creationId xmlns:p14="http://schemas.microsoft.com/office/powerpoint/2010/main" val="4271776016"/>
+      </p:ext>
+    </p:extLst>
+  </p:cSld>
+  <p:clrMapOvr>
+    <a:masterClrMapping/>
+  </p:clrMapOvr>
+</p:sld>
+</file>
+
+<file path=ppt/slides/slide9.xml><?xml version="1.0" encoding="utf-8"?>
+<p:sld xmlns:a="http://schemas.openxmlformats.org/drawingml/2006/main" xmlns:r="http://schemas.openxmlformats.org/officeDocument/2006/relationships" xmlns:p="http://schemas.openxmlformats.org/presentationml/2006/main">
+  <p:cSld>
+    <p:spTree>
+      <p:nvGrpSpPr>
+        <p:cNvPr id="1" name=""/>
+        <p:cNvGrpSpPr/>
+        <p:nvPr/>
+      </p:nvGrpSpPr>
+      <p:grpSpPr>
+        <a:xfrm>
+          <a:off x="0" y="0"/>
+          <a:ext cx="0" cy="0"/>
+          <a:chOff x="0" y="0"/>
+          <a:chExt cx="0" cy="0"/>
+        </a:xfrm>
+      </p:grpSpPr>
+      <p:sp>
+        <p:nvSpPr>
+          <p:cNvPr id="3" name="TextBox 2">
+            <a:extLst>
+              <a:ext uri="{FF2B5EF4-FFF2-40B4-BE49-F238E27FC236}">
+                <a16:creationId xmlns:a16="http://schemas.microsoft.com/office/drawing/2014/main" id="{223306E3-8BA1-6C44-98DE-C37CB0672BE6}"/>
+              </a:ext>
+            </a:extLst>
+          </p:cNvPr>
+          <p:cNvSpPr txBox="1"/>
+          <p:nvPr/>
+        </p:nvSpPr>
+        <p:spPr>
+          <a:xfrm>
+            <a:off x="1260764" y="580375"/>
+            <a:ext cx="3348994" cy="584775"/>
+          </a:xfrm>
+          <a:prstGeom prst="rect">
+            <a:avLst/>
+          </a:prstGeom>
+          <a:noFill/>
+        </p:spPr>
+        <p:txBody>
+          <a:bodyPr wrap="none" rtlCol="0">
+            <a:spAutoFit/>
+          </a:bodyPr>
+          <a:lstStyle/>
+          <a:p>
+            <a:r>
+              <a:rPr kumimoji="1" lang="ko-KR" altLang="en-US" sz="3200" b="1" dirty="0">
+                <a:latin typeface="NanumSquare ExtraBold" panose="020B0600000101010101" pitchFamily="34" charset="-127"/>
+                <a:ea typeface="NanumSquare ExtraBold" panose="020B0600000101010101" pitchFamily="34" charset="-127"/>
+              </a:rPr>
+              <a:t>회원</a:t>
+            </a:r>
+            <a:r>
+              <a:rPr kumimoji="1" lang="en-US" altLang="ko-KR" sz="3200" b="1" dirty="0">
+                <a:latin typeface="NanumSquare ExtraBold" panose="020B0600000101010101" pitchFamily="34" charset="-127"/>
+                <a:ea typeface="NanumSquare ExtraBold" panose="020B0600000101010101" pitchFamily="34" charset="-127"/>
+              </a:rPr>
+              <a:t>-</a:t>
+            </a:r>
+            <a:r>
+              <a:rPr kumimoji="1" lang="ko-KR" altLang="en-US" sz="3200" b="1" dirty="0">
+                <a:latin typeface="NanumSquare ExtraBold" panose="020B0600000101010101" pitchFamily="34" charset="-127"/>
+                <a:ea typeface="NanumSquare ExtraBold" panose="020B0600000101010101" pitchFamily="34" charset="-127"/>
+              </a:rPr>
+              <a:t>회원정보관리</a:t>
+            </a:r>
+          </a:p>
+        </p:txBody>
+      </p:sp>
+      <p:pic>
+        <p:nvPicPr>
+          <p:cNvPr id="4" name="그래픽 3">
+            <a:extLst>
+              <a:ext uri="{FF2B5EF4-FFF2-40B4-BE49-F238E27FC236}">
+                <a16:creationId xmlns:a16="http://schemas.microsoft.com/office/drawing/2014/main" id="{C5960D75-DB25-D440-877E-112711B7A380}"/>
+              </a:ext>
+            </a:extLst>
+          </p:cNvPr>
+          <p:cNvPicPr>
+            <a:picLocks noChangeAspect="1"/>
+          </p:cNvPicPr>
+          <p:nvPr/>
+        </p:nvPicPr>
+        <p:blipFill>
+          <a:blip r:embed="rId2">
+            <a:extLst>
+              <a:ext uri="{96DAC541-7B7A-43D3-8B79-37D633B846F1}">
+                <asvg:svgBlip xmlns:asvg="http://schemas.microsoft.com/office/drawing/2016/SVG/main" r:embed="rId3"/>
+              </a:ext>
+            </a:extLst>
+          </a:blip>
+          <a:stretch>
+            <a:fillRect/>
+          </a:stretch>
+        </p:blipFill>
+        <p:spPr>
+          <a:xfrm>
+            <a:off x="595746" y="576185"/>
+            <a:ext cx="512618" cy="588965"/>
+          </a:xfrm>
+          <a:prstGeom prst="rect">
+            <a:avLst/>
+          </a:prstGeom>
+        </p:spPr>
+      </p:pic>
+    </p:spTree>
+    <p:extLst>
+      <p:ext uri="{BB962C8B-B14F-4D97-AF65-F5344CB8AC3E}">
+        <p14:creationId xmlns:p14="http://schemas.microsoft.com/office/powerpoint/2010/main" val="1308616039"/>
       </p:ext>
     </p:extLst>
   </p:cSld>

--- a/happyhouse_광주4반.pptx
+++ b/happyhouse_광주4반.pptx
@@ -8,20 +8,35 @@
     <p:sldId id="256" r:id="rId2"/>
     <p:sldId id="257" r:id="rId3"/>
     <p:sldId id="263" r:id="rId4"/>
-    <p:sldId id="258" r:id="rId5"/>
-    <p:sldId id="262" r:id="rId6"/>
-    <p:sldId id="259" r:id="rId7"/>
-    <p:sldId id="264" r:id="rId8"/>
-    <p:sldId id="265" r:id="rId9"/>
-    <p:sldId id="266" r:id="rId10"/>
-    <p:sldId id="260" r:id="rId11"/>
-    <p:sldId id="267" r:id="rId12"/>
-    <p:sldId id="268" r:id="rId13"/>
-    <p:sldId id="269" r:id="rId14"/>
-    <p:sldId id="270" r:id="rId15"/>
-    <p:sldId id="271" r:id="rId16"/>
-    <p:sldId id="272" r:id="rId17"/>
-    <p:sldId id="261" r:id="rId18"/>
+    <p:sldId id="286" r:id="rId5"/>
+    <p:sldId id="258" r:id="rId6"/>
+    <p:sldId id="262" r:id="rId7"/>
+    <p:sldId id="259" r:id="rId8"/>
+    <p:sldId id="285" r:id="rId9"/>
+    <p:sldId id="287" r:id="rId10"/>
+    <p:sldId id="273" r:id="rId11"/>
+    <p:sldId id="288" r:id="rId12"/>
+    <p:sldId id="274" r:id="rId13"/>
+    <p:sldId id="280" r:id="rId14"/>
+    <p:sldId id="281" r:id="rId15"/>
+    <p:sldId id="282" r:id="rId16"/>
+    <p:sldId id="283" r:id="rId17"/>
+    <p:sldId id="284" r:id="rId18"/>
+    <p:sldId id="275" r:id="rId19"/>
+    <p:sldId id="264" r:id="rId20"/>
+    <p:sldId id="265" r:id="rId21"/>
+    <p:sldId id="266" r:id="rId22"/>
+    <p:sldId id="276" r:id="rId23"/>
+    <p:sldId id="267" r:id="rId24"/>
+    <p:sldId id="268" r:id="rId25"/>
+    <p:sldId id="269" r:id="rId26"/>
+    <p:sldId id="270" r:id="rId27"/>
+    <p:sldId id="271" r:id="rId28"/>
+    <p:sldId id="272" r:id="rId29"/>
+    <p:sldId id="277" r:id="rId30"/>
+    <p:sldId id="278" r:id="rId31"/>
+    <p:sldId id="279" r:id="rId32"/>
+    <p:sldId id="261" r:id="rId33"/>
   </p:sldIdLst>
   <p:sldSz cx="12192000" cy="6858000"/>
   <p:notesSz cx="6858000" cy="9144000"/>
@@ -3365,8 +3380,8 @@
         </p:blipFill>
         <p:spPr>
           <a:xfrm>
-            <a:off x="2747305" y="1830635"/>
-            <a:ext cx="6063621" cy="1855534"/>
+            <a:off x="671369" y="1811318"/>
+            <a:ext cx="4883607" cy="1494437"/>
           </a:xfrm>
           <a:prstGeom prst="rect">
             <a:avLst/>
@@ -3387,7 +3402,7 @@
         </p:nvSpPr>
         <p:spPr>
           <a:xfrm>
-            <a:off x="4557522" y="5344226"/>
+            <a:off x="671369" y="4800529"/>
             <a:ext cx="2715808" cy="707886"/>
           </a:xfrm>
           <a:prstGeom prst="rect">
@@ -3401,7 +3416,6 @@
           </a:bodyPr>
           <a:lstStyle/>
           <a:p>
-            <a:pPr algn="ctr"/>
             <a:r>
               <a:rPr kumimoji="1" lang="ko-KR" altLang="en-US" sz="2000" b="1" dirty="0">
                 <a:latin typeface="NanumSquare Bold" panose="020B0600000101010101" pitchFamily="34" charset="-127"/>
@@ -3429,7 +3443,6 @@
             </a:endParaRPr>
           </a:p>
           <a:p>
-            <a:pPr algn="ctr"/>
             <a:r>
               <a:rPr kumimoji="1" lang="ko-KR" altLang="en-US" sz="2000" b="1" dirty="0">
                 <a:latin typeface="NanumSquare Bold" panose="020B0600000101010101" pitchFamily="34" charset="-127"/>
@@ -3475,44 +3488,36 @@
           </a:p>
         </p:txBody>
       </p:sp>
-      <p:sp>
-        <p:nvSpPr>
-          <p:cNvPr id="7" name="TextBox 6">
-            <a:extLst>
-              <a:ext uri="{FF2B5EF4-FFF2-40B4-BE49-F238E27FC236}">
-                <a16:creationId xmlns:a16="http://schemas.microsoft.com/office/drawing/2014/main" id="{EDF5D902-EB72-C849-9FDB-2DEB060DA0FD}"/>
-              </a:ext>
-            </a:extLst>
-          </p:cNvPr>
-          <p:cNvSpPr txBox="1"/>
+      <p:pic>
+        <p:nvPicPr>
+          <p:cNvPr id="10" name="그림 9">
+            <a:extLst>
+              <a:ext uri="{FF2B5EF4-FFF2-40B4-BE49-F238E27FC236}">
+                <a16:creationId xmlns:a16="http://schemas.microsoft.com/office/drawing/2014/main" id="{7A658DAB-ED89-4849-A57D-C1AC46E3EE3E}"/>
+              </a:ext>
+            </a:extLst>
+          </p:cNvPr>
+          <p:cNvPicPr>
+            <a:picLocks noChangeAspect="1"/>
+          </p:cNvPicPr>
           <p:nvPr/>
-        </p:nvSpPr>
-        <p:spPr>
-          <a:xfrm>
-            <a:off x="3974035" y="3978414"/>
-            <a:ext cx="4216219" cy="461665"/>
+        </p:nvPicPr>
+        <p:blipFill>
+          <a:blip r:embed="rId4"/>
+          <a:stretch>
+            <a:fillRect/>
+          </a:stretch>
+        </p:blipFill>
+        <p:spPr>
+          <a:xfrm>
+            <a:off x="5909731" y="1646321"/>
+            <a:ext cx="5790187" cy="4293309"/>
           </a:xfrm>
           <a:prstGeom prst="rect">
             <a:avLst/>
           </a:prstGeom>
-          <a:noFill/>
-        </p:spPr>
-        <p:txBody>
-          <a:bodyPr wrap="none" rtlCol="0">
-            <a:spAutoFit/>
-          </a:bodyPr>
-          <a:lstStyle/>
-          <a:p>
-            <a:r>
-              <a:rPr kumimoji="1" lang="ko-KR" altLang="en-US" sz="2400" b="1" dirty="0">
-                <a:latin typeface="NanumSquare Bold" panose="020B0600000101010101" pitchFamily="34" charset="-127"/>
-                <a:ea typeface="NanumSquare Bold" panose="020B0600000101010101" pitchFamily="34" charset="-127"/>
-              </a:rPr>
-              <a:t>주택 정보와 학군 정보를 한눈에</a:t>
-            </a:r>
-          </a:p>
-        </p:txBody>
-      </p:sp>
+        </p:spPr>
+      </p:pic>
     </p:spTree>
     <p:extLst>
       <p:ext uri="{BB962C8B-B14F-4D97-AF65-F5344CB8AC3E}">
@@ -3545,10 +3550,10 @@
       </p:grpSpPr>
       <p:sp>
         <p:nvSpPr>
-          <p:cNvPr id="3" name="TextBox 2">
-            <a:extLst>
-              <a:ext uri="{FF2B5EF4-FFF2-40B4-BE49-F238E27FC236}">
-                <a16:creationId xmlns:a16="http://schemas.microsoft.com/office/drawing/2014/main" id="{223306E3-8BA1-6C44-98DE-C37CB0672BE6}"/>
+          <p:cNvPr id="5" name="TextBox 4">
+            <a:extLst>
+              <a:ext uri="{FF2B5EF4-FFF2-40B4-BE49-F238E27FC236}">
+                <a16:creationId xmlns:a16="http://schemas.microsoft.com/office/drawing/2014/main" id="{D7092109-F0AF-674C-8F2B-00EE09B91455}"/>
               </a:ext>
             </a:extLst>
           </p:cNvPr>
@@ -3557,8 +3562,8 @@
         </p:nvSpPr>
         <p:spPr>
           <a:xfrm>
-            <a:off x="1260764" y="580375"/>
-            <a:ext cx="5349541" cy="584775"/>
+            <a:off x="1174267" y="394792"/>
+            <a:ext cx="1582484" cy="523220"/>
           </a:xfrm>
           <a:prstGeom prst="rect">
             <a:avLst/>
@@ -3572,48 +3577,13 @@
           <a:lstStyle/>
           <a:p>
             <a:r>
-              <a:rPr kumimoji="1" lang="ko-KR" altLang="en-US" sz="3200" b="1" dirty="0">
-                <a:latin typeface="NanumSquare ExtraBold" panose="020B0600000101010101" pitchFamily="34" charset="-127"/>
-                <a:ea typeface="NanumSquare ExtraBold" panose="020B0600000101010101" pitchFamily="34" charset="-127"/>
-              </a:rPr>
-              <a:t>게시판</a:t>
-            </a:r>
-            <a:r>
-              <a:rPr kumimoji="1" lang="en-US" altLang="ko-KR" sz="3200" b="1" dirty="0">
-                <a:latin typeface="NanumSquare ExtraBold" panose="020B0600000101010101" pitchFamily="34" charset="-127"/>
-                <a:ea typeface="NanumSquare ExtraBold" panose="020B0600000101010101" pitchFamily="34" charset="-127"/>
-              </a:rPr>
-              <a:t>-</a:t>
-            </a:r>
-            <a:r>
-              <a:rPr kumimoji="1" lang="ko-KR" altLang="en-US" sz="3200" b="1" dirty="0">
-                <a:latin typeface="NanumSquare ExtraBold" panose="020B0600000101010101" pitchFamily="34" charset="-127"/>
-                <a:ea typeface="NanumSquare ExtraBold" panose="020B0600000101010101" pitchFamily="34" charset="-127"/>
-              </a:rPr>
-              <a:t>글 목록 </a:t>
-            </a:r>
-            <a:r>
-              <a:rPr kumimoji="1" lang="en-US" altLang="ko-KR" sz="3200" b="1" dirty="0">
-                <a:latin typeface="NanumSquare ExtraBold" panose="020B0600000101010101" pitchFamily="34" charset="-127"/>
-                <a:ea typeface="NanumSquare ExtraBold" panose="020B0600000101010101" pitchFamily="34" charset="-127"/>
-              </a:rPr>
-              <a:t>/</a:t>
-            </a:r>
-            <a:r>
-              <a:rPr kumimoji="1" lang="ko-KR" altLang="en-US" sz="3200" b="1" dirty="0">
-                <a:latin typeface="NanumSquare ExtraBold" panose="020B0600000101010101" pitchFamily="34" charset="-127"/>
-                <a:ea typeface="NanumSquare ExtraBold" panose="020B0600000101010101" pitchFamily="34" charset="-127"/>
-              </a:rPr>
-              <a:t> </a:t>
-            </a:r>
-            <a:r>
-              <a:rPr kumimoji="1" lang="ko-KR" altLang="en-US" sz="3200" b="1" dirty="0" err="1">
-                <a:latin typeface="NanumSquare ExtraBold" panose="020B0600000101010101" pitchFamily="34" charset="-127"/>
-                <a:ea typeface="NanumSquare ExtraBold" panose="020B0600000101010101" pitchFamily="34" charset="-127"/>
-              </a:rPr>
-              <a:t>페이지네이션</a:t>
-            </a:r>
-            <a:endParaRPr kumimoji="1" lang="ko-KR" altLang="en-US" sz="3200" b="1" dirty="0">
+              <a:rPr kumimoji="1" lang="ko-KR" altLang="en-US" sz="2800" b="1">
+                <a:latin typeface="NanumSquare ExtraBold" panose="020B0600000101010101" pitchFamily="34" charset="-127"/>
+                <a:ea typeface="NanumSquare ExtraBold" panose="020B0600000101010101" pitchFamily="34" charset="-127"/>
+              </a:rPr>
+              <a:t>개발 환경</a:t>
+            </a:r>
+            <a:endParaRPr kumimoji="1" lang="ko-KR" altLang="en-US" sz="2800" b="1" dirty="0">
               <a:latin typeface="NanumSquare ExtraBold" panose="020B0600000101010101" pitchFamily="34" charset="-127"/>
               <a:ea typeface="NanumSquare ExtraBold" panose="020B0600000101010101" pitchFamily="34" charset="-127"/>
             </a:endParaRPr>
@@ -3622,10 +3592,10 @@
       </p:sp>
       <p:pic>
         <p:nvPicPr>
-          <p:cNvPr id="4" name="그래픽 3">
-            <a:extLst>
-              <a:ext uri="{FF2B5EF4-FFF2-40B4-BE49-F238E27FC236}">
-                <a16:creationId xmlns:a16="http://schemas.microsoft.com/office/drawing/2014/main" id="{C5960D75-DB25-D440-877E-112711B7A380}"/>
+          <p:cNvPr id="6" name="그래픽 5">
+            <a:extLst>
+              <a:ext uri="{FF2B5EF4-FFF2-40B4-BE49-F238E27FC236}">
+                <a16:creationId xmlns:a16="http://schemas.microsoft.com/office/drawing/2014/main" id="{55A4E4B0-EA5F-E645-A308-30A6D9A14061}"/>
               </a:ext>
             </a:extLst>
           </p:cNvPr>
@@ -3648,7 +3618,7 @@
         </p:blipFill>
         <p:spPr>
           <a:xfrm>
-            <a:off x="595746" y="576185"/>
+            <a:off x="533962" y="329047"/>
             <a:ext cx="512618" cy="588965"/>
           </a:xfrm>
           <a:prstGeom prst="rect">
@@ -3659,7 +3629,7 @@
     </p:spTree>
     <p:extLst>
       <p:ext uri="{BB962C8B-B14F-4D97-AF65-F5344CB8AC3E}">
-        <p14:creationId xmlns:p14="http://schemas.microsoft.com/office/powerpoint/2010/main" val="907675039"/>
+        <p14:creationId xmlns:p14="http://schemas.microsoft.com/office/powerpoint/2010/main" val="4037688565"/>
       </p:ext>
     </p:extLst>
   </p:cSld>
@@ -3688,10 +3658,10 @@
       </p:grpSpPr>
       <p:sp>
         <p:nvSpPr>
-          <p:cNvPr id="3" name="TextBox 2">
-            <a:extLst>
-              <a:ext uri="{FF2B5EF4-FFF2-40B4-BE49-F238E27FC236}">
-                <a16:creationId xmlns:a16="http://schemas.microsoft.com/office/drawing/2014/main" id="{223306E3-8BA1-6C44-98DE-C37CB0672BE6}"/>
+          <p:cNvPr id="5" name="TextBox 4">
+            <a:extLst>
+              <a:ext uri="{FF2B5EF4-FFF2-40B4-BE49-F238E27FC236}">
+                <a16:creationId xmlns:a16="http://schemas.microsoft.com/office/drawing/2014/main" id="{D7092109-F0AF-674C-8F2B-00EE09B91455}"/>
               </a:ext>
             </a:extLst>
           </p:cNvPr>
@@ -3700,8 +3670,8 @@
         </p:nvSpPr>
         <p:spPr>
           <a:xfrm>
-            <a:off x="1260764" y="580375"/>
-            <a:ext cx="4493538" cy="584775"/>
+            <a:off x="1174267" y="394792"/>
+            <a:ext cx="2563522" cy="523220"/>
           </a:xfrm>
           <a:prstGeom prst="rect">
             <a:avLst/>
@@ -3715,63 +3685,32 @@
           <a:lstStyle/>
           <a:p>
             <a:r>
-              <a:rPr kumimoji="1" lang="ko-KR" altLang="en-US" sz="3200" b="1" dirty="0">
-                <a:latin typeface="NanumSquare ExtraBold" panose="020B0600000101010101" pitchFamily="34" charset="-127"/>
-                <a:ea typeface="NanumSquare ExtraBold" panose="020B0600000101010101" pitchFamily="34" charset="-127"/>
-              </a:rPr>
-              <a:t>게시판</a:t>
-            </a:r>
-            <a:r>
-              <a:rPr kumimoji="1" lang="en-US" altLang="ko-KR" sz="3200" b="1" dirty="0">
-                <a:latin typeface="NanumSquare ExtraBold" panose="020B0600000101010101" pitchFamily="34" charset="-127"/>
-                <a:ea typeface="NanumSquare ExtraBold" panose="020B0600000101010101" pitchFamily="34" charset="-127"/>
-              </a:rPr>
-              <a:t>-</a:t>
-            </a:r>
-            <a:r>
-              <a:rPr kumimoji="1" lang="ko-KR" altLang="en-US" sz="3200" b="1" dirty="0" err="1">
-                <a:latin typeface="NanumSquare ExtraBold" panose="020B0600000101010101" pitchFamily="34" charset="-127"/>
-                <a:ea typeface="NanumSquare ExtraBold" panose="020B0600000101010101" pitchFamily="34" charset="-127"/>
-              </a:rPr>
-              <a:t>글작성</a:t>
-            </a:r>
-            <a:r>
-              <a:rPr kumimoji="1" lang="en-US" altLang="ko-KR" sz="3200" b="1" dirty="0">
-                <a:latin typeface="NanumSquare ExtraBold" panose="020B0600000101010101" pitchFamily="34" charset="-127"/>
-                <a:ea typeface="NanumSquare ExtraBold" panose="020B0600000101010101" pitchFamily="34" charset="-127"/>
-              </a:rPr>
-              <a:t>/</a:t>
-            </a:r>
-            <a:r>
-              <a:rPr kumimoji="1" lang="ko-KR" altLang="en-US" sz="3200" b="1" dirty="0">
-                <a:latin typeface="NanumSquare ExtraBold" panose="020B0600000101010101" pitchFamily="34" charset="-127"/>
-                <a:ea typeface="NanumSquare ExtraBold" panose="020B0600000101010101" pitchFamily="34" charset="-127"/>
-              </a:rPr>
-              <a:t>수정</a:t>
-            </a:r>
-            <a:r>
-              <a:rPr kumimoji="1" lang="en-US" altLang="ko-KR" sz="3200" b="1" dirty="0">
-                <a:latin typeface="NanumSquare ExtraBold" panose="020B0600000101010101" pitchFamily="34" charset="-127"/>
-                <a:ea typeface="NanumSquare ExtraBold" panose="020B0600000101010101" pitchFamily="34" charset="-127"/>
-              </a:rPr>
-              <a:t>/</a:t>
-            </a:r>
-            <a:r>
-              <a:rPr kumimoji="1" lang="ko-KR" altLang="en-US" sz="3200" b="1" dirty="0">
-                <a:latin typeface="NanumSquare ExtraBold" panose="020B0600000101010101" pitchFamily="34" charset="-127"/>
-                <a:ea typeface="NanumSquare ExtraBold" panose="020B0600000101010101" pitchFamily="34" charset="-127"/>
-              </a:rPr>
-              <a:t>삭제</a:t>
-            </a:r>
+              <a:rPr kumimoji="1" lang="ko-KR" altLang="en-US" sz="2800" b="1" dirty="0">
+                <a:latin typeface="NanumSquare ExtraBold" panose="020B0600000101010101" pitchFamily="34" charset="-127"/>
+                <a:ea typeface="NanumSquare ExtraBold" panose="020B0600000101010101" pitchFamily="34" charset="-127"/>
+              </a:rPr>
+              <a:t>프론트 </a:t>
+            </a:r>
+            <a:r>
+              <a:rPr kumimoji="1" lang="ko-KR" altLang="en-US" sz="2800" b="1" dirty="0" err="1">
+                <a:latin typeface="NanumSquare ExtraBold" panose="020B0600000101010101" pitchFamily="34" charset="-127"/>
+                <a:ea typeface="NanumSquare ExtraBold" panose="020B0600000101010101" pitchFamily="34" charset="-127"/>
+              </a:rPr>
+              <a:t>파일구조</a:t>
+            </a:r>
+            <a:endParaRPr kumimoji="1" lang="ko-KR" altLang="en-US" sz="2800" b="1" dirty="0">
+              <a:latin typeface="NanumSquare ExtraBold" panose="020B0600000101010101" pitchFamily="34" charset="-127"/>
+              <a:ea typeface="NanumSquare ExtraBold" panose="020B0600000101010101" pitchFamily="34" charset="-127"/>
+            </a:endParaRPr>
           </a:p>
         </p:txBody>
       </p:sp>
       <p:pic>
         <p:nvPicPr>
-          <p:cNvPr id="4" name="그래픽 3">
-            <a:extLst>
-              <a:ext uri="{FF2B5EF4-FFF2-40B4-BE49-F238E27FC236}">
-                <a16:creationId xmlns:a16="http://schemas.microsoft.com/office/drawing/2014/main" id="{C5960D75-DB25-D440-877E-112711B7A380}"/>
+          <p:cNvPr id="6" name="그래픽 5">
+            <a:extLst>
+              <a:ext uri="{FF2B5EF4-FFF2-40B4-BE49-F238E27FC236}">
+                <a16:creationId xmlns:a16="http://schemas.microsoft.com/office/drawing/2014/main" id="{55A4E4B0-EA5F-E645-A308-30A6D9A14061}"/>
               </a:ext>
             </a:extLst>
           </p:cNvPr>
@@ -3794,7 +3733,7 @@
         </p:blipFill>
         <p:spPr>
           <a:xfrm>
-            <a:off x="595746" y="576185"/>
+            <a:off x="533962" y="329047"/>
             <a:ext cx="512618" cy="588965"/>
           </a:xfrm>
           <a:prstGeom prst="rect">
@@ -3805,7 +3744,7 @@
     </p:spTree>
     <p:extLst>
       <p:ext uri="{BB962C8B-B14F-4D97-AF65-F5344CB8AC3E}">
-        <p14:creationId xmlns:p14="http://schemas.microsoft.com/office/powerpoint/2010/main" val="2105153042"/>
+        <p14:creationId xmlns:p14="http://schemas.microsoft.com/office/powerpoint/2010/main" val="2447497700"/>
       </p:ext>
     </p:extLst>
   </p:cSld>
@@ -3837,7 +3776,7 @@
           <p:cNvPr id="3" name="TextBox 2">
             <a:extLst>
               <a:ext uri="{FF2B5EF4-FFF2-40B4-BE49-F238E27FC236}">
-                <a16:creationId xmlns:a16="http://schemas.microsoft.com/office/drawing/2014/main" id="{223306E3-8BA1-6C44-98DE-C37CB0672BE6}"/>
+                <a16:creationId xmlns:a16="http://schemas.microsoft.com/office/drawing/2014/main" id="{A10689BE-C2F0-AB44-8C48-5D45C4AB5D57}"/>
               </a:ext>
             </a:extLst>
           </p:cNvPr>
@@ -3847,7 +3786,7 @@
         <p:spPr>
           <a:xfrm>
             <a:off x="1260764" y="580375"/>
-            <a:ext cx="3921266" cy="584775"/>
+            <a:ext cx="4136069" cy="584775"/>
           </a:xfrm>
           <a:prstGeom prst="rect">
             <a:avLst/>
@@ -3865,35 +3804,35 @@
                 <a:latin typeface="NanumSquare ExtraBold" panose="020B0600000101010101" pitchFamily="34" charset="-127"/>
                 <a:ea typeface="NanumSquare ExtraBold" panose="020B0600000101010101" pitchFamily="34" charset="-127"/>
               </a:rPr>
-              <a:t>게시판</a:t>
+              <a:t>설계 </a:t>
             </a:r>
             <a:r>
               <a:rPr kumimoji="1" lang="en-US" altLang="ko-KR" sz="3200" b="1" dirty="0">
                 <a:latin typeface="NanumSquare ExtraBold" panose="020B0600000101010101" pitchFamily="34" charset="-127"/>
                 <a:ea typeface="NanumSquare ExtraBold" panose="020B0600000101010101" pitchFamily="34" charset="-127"/>
               </a:rPr>
-              <a:t>-</a:t>
+              <a:t>–</a:t>
             </a:r>
             <a:r>
               <a:rPr kumimoji="1" lang="ko-KR" altLang="en-US" sz="3200" b="1" dirty="0">
                 <a:latin typeface="NanumSquare ExtraBold" panose="020B0600000101010101" pitchFamily="34" charset="-127"/>
                 <a:ea typeface="NanumSquare ExtraBold" panose="020B0600000101010101" pitchFamily="34" charset="-127"/>
               </a:rPr>
-              <a:t>좋아요</a:t>
-            </a:r>
-            <a:r>
-              <a:rPr kumimoji="1" lang="en-US" altLang="ko-KR" sz="3200" b="1" dirty="0">
-                <a:latin typeface="NanumSquare ExtraBold" panose="020B0600000101010101" pitchFamily="34" charset="-127"/>
-                <a:ea typeface="NanumSquare ExtraBold" panose="020B0600000101010101" pitchFamily="34" charset="-127"/>
-              </a:rPr>
-              <a:t>/</a:t>
+              <a:t> </a:t>
+            </a:r>
+            <a:r>
+              <a:rPr kumimoji="1" lang="ko-KR" altLang="en-US" sz="3200" b="1" dirty="0" err="1">
+                <a:latin typeface="NanumSquare ExtraBold" panose="020B0600000101010101" pitchFamily="34" charset="-127"/>
+                <a:ea typeface="NanumSquare ExtraBold" panose="020B0600000101010101" pitchFamily="34" charset="-127"/>
+              </a:rPr>
+              <a:t>백엔드</a:t>
             </a:r>
             <a:r>
               <a:rPr kumimoji="1" lang="ko-KR" altLang="en-US" sz="3200" b="1" dirty="0">
                 <a:latin typeface="NanumSquare ExtraBold" panose="020B0600000101010101" pitchFamily="34" charset="-127"/>
                 <a:ea typeface="NanumSquare ExtraBold" panose="020B0600000101010101" pitchFamily="34" charset="-127"/>
               </a:rPr>
-              <a:t>조회수</a:t>
+              <a:t> 파일 구조</a:t>
             </a:r>
           </a:p>
         </p:txBody>
@@ -3903,7 +3842,7 @@
           <p:cNvPr id="4" name="그래픽 3">
             <a:extLst>
               <a:ext uri="{FF2B5EF4-FFF2-40B4-BE49-F238E27FC236}">
-                <a16:creationId xmlns:a16="http://schemas.microsoft.com/office/drawing/2014/main" id="{C5960D75-DB25-D440-877E-112711B7A380}"/>
+                <a16:creationId xmlns:a16="http://schemas.microsoft.com/office/drawing/2014/main" id="{1A0A9C35-3968-354E-8E0B-2BE8B385536D}"/>
               </a:ext>
             </a:extLst>
           </p:cNvPr>
@@ -3937,7 +3876,7 @@
     </p:spTree>
     <p:extLst>
       <p:ext uri="{BB962C8B-B14F-4D97-AF65-F5344CB8AC3E}">
-        <p14:creationId xmlns:p14="http://schemas.microsoft.com/office/powerpoint/2010/main" val="427173976"/>
+        <p14:creationId xmlns:p14="http://schemas.microsoft.com/office/powerpoint/2010/main" val="2891675939"/>
       </p:ext>
     </p:extLst>
   </p:cSld>
@@ -3969,7 +3908,7 @@
           <p:cNvPr id="3" name="TextBox 2">
             <a:extLst>
               <a:ext uri="{FF2B5EF4-FFF2-40B4-BE49-F238E27FC236}">
-                <a16:creationId xmlns:a16="http://schemas.microsoft.com/office/drawing/2014/main" id="{223306E3-8BA1-6C44-98DE-C37CB0672BE6}"/>
+                <a16:creationId xmlns:a16="http://schemas.microsoft.com/office/drawing/2014/main" id="{A10689BE-C2F0-AB44-8C48-5D45C4AB5D57}"/>
               </a:ext>
             </a:extLst>
           </p:cNvPr>
@@ -3979,7 +3918,7 @@
         <p:spPr>
           <a:xfrm>
             <a:off x="1260764" y="580375"/>
-            <a:ext cx="3174267" cy="584775"/>
+            <a:ext cx="3631122" cy="584775"/>
           </a:xfrm>
           <a:prstGeom prst="rect">
             <a:avLst/>
@@ -3993,40 +3932,30 @@
           <a:lstStyle/>
           <a:p>
             <a:r>
+              <a:rPr kumimoji="1" lang="en-US" altLang="ko-KR" sz="3200" b="1" dirty="0">
+                <a:latin typeface="NanumSquare ExtraBold" panose="020B0600000101010101" pitchFamily="34" charset="-127"/>
+                <a:ea typeface="NanumSquare ExtraBold" panose="020B0600000101010101" pitchFamily="34" charset="-127"/>
+              </a:rPr>
+              <a:t>ERD(</a:t>
+            </a:r>
+            <a:r>
               <a:rPr kumimoji="1" lang="ko-KR" altLang="en-US" sz="3200" b="1" dirty="0">
                 <a:latin typeface="NanumSquare ExtraBold" panose="020B0600000101010101" pitchFamily="34" charset="-127"/>
                 <a:ea typeface="NanumSquare ExtraBold" panose="020B0600000101010101" pitchFamily="34" charset="-127"/>
               </a:rPr>
-              <a:t>게시판</a:t>
+              <a:t>테이블 구조도</a:t>
             </a:r>
             <a:r>
               <a:rPr kumimoji="1" lang="en-US" altLang="ko-KR" sz="3200" b="1" dirty="0">
                 <a:latin typeface="NanumSquare ExtraBold" panose="020B0600000101010101" pitchFamily="34" charset="-127"/>
                 <a:ea typeface="NanumSquare ExtraBold" panose="020B0600000101010101" pitchFamily="34" charset="-127"/>
               </a:rPr>
-              <a:t>-</a:t>
-            </a:r>
-            <a:r>
-              <a:rPr kumimoji="1" lang="ko-KR" altLang="en-US" sz="3200" b="1" dirty="0">
-                <a:latin typeface="NanumSquare ExtraBold" panose="020B0600000101010101" pitchFamily="34" charset="-127"/>
-                <a:ea typeface="NanumSquare ExtraBold" panose="020B0600000101010101" pitchFamily="34" charset="-127"/>
-              </a:rPr>
-              <a:t>검색</a:t>
-            </a:r>
-            <a:r>
-              <a:rPr kumimoji="1" lang="en-US" altLang="ko-KR" sz="3200" b="1" dirty="0">
-                <a:latin typeface="NanumSquare ExtraBold" panose="020B0600000101010101" pitchFamily="34" charset="-127"/>
-                <a:ea typeface="NanumSquare ExtraBold" panose="020B0600000101010101" pitchFamily="34" charset="-127"/>
-              </a:rPr>
-              <a:t>/</a:t>
-            </a:r>
-            <a:r>
-              <a:rPr kumimoji="1" lang="ko-KR" altLang="en-US" sz="3200" b="1" dirty="0">
-                <a:latin typeface="NanumSquare ExtraBold" panose="020B0600000101010101" pitchFamily="34" charset="-127"/>
-                <a:ea typeface="NanumSquare ExtraBold" panose="020B0600000101010101" pitchFamily="34" charset="-127"/>
-              </a:rPr>
-              <a:t>기능</a:t>
-            </a:r>
+              <a:t>)</a:t>
+            </a:r>
+            <a:endParaRPr kumimoji="1" lang="ko-KR" altLang="en-US" sz="3200" b="1" dirty="0">
+              <a:latin typeface="NanumSquare ExtraBold" panose="020B0600000101010101" pitchFamily="34" charset="-127"/>
+              <a:ea typeface="NanumSquare ExtraBold" panose="020B0600000101010101" pitchFamily="34" charset="-127"/>
+            </a:endParaRPr>
           </a:p>
         </p:txBody>
       </p:sp>
@@ -4035,7 +3964,7 @@
           <p:cNvPr id="4" name="그래픽 3">
             <a:extLst>
               <a:ext uri="{FF2B5EF4-FFF2-40B4-BE49-F238E27FC236}">
-                <a16:creationId xmlns:a16="http://schemas.microsoft.com/office/drawing/2014/main" id="{C5960D75-DB25-D440-877E-112711B7A380}"/>
+                <a16:creationId xmlns:a16="http://schemas.microsoft.com/office/drawing/2014/main" id="{1A0A9C35-3968-354E-8E0B-2BE8B385536D}"/>
               </a:ext>
             </a:extLst>
           </p:cNvPr>
@@ -4069,7 +3998,7 @@
     </p:spTree>
     <p:extLst>
       <p:ext uri="{BB962C8B-B14F-4D97-AF65-F5344CB8AC3E}">
-        <p14:creationId xmlns:p14="http://schemas.microsoft.com/office/powerpoint/2010/main" val="729516965"/>
+        <p14:creationId xmlns:p14="http://schemas.microsoft.com/office/powerpoint/2010/main" val="3629747737"/>
       </p:ext>
     </p:extLst>
   </p:cSld>
@@ -4101,7 +4030,7 @@
           <p:cNvPr id="3" name="TextBox 2">
             <a:extLst>
               <a:ext uri="{FF2B5EF4-FFF2-40B4-BE49-F238E27FC236}">
-                <a16:creationId xmlns:a16="http://schemas.microsoft.com/office/drawing/2014/main" id="{223306E3-8BA1-6C44-98DE-C37CB0672BE6}"/>
+                <a16:creationId xmlns:a16="http://schemas.microsoft.com/office/drawing/2014/main" id="{A10689BE-C2F0-AB44-8C48-5D45C4AB5D57}"/>
               </a:ext>
             </a:extLst>
           </p:cNvPr>
@@ -4111,7 +4040,7 @@
         <p:spPr>
           <a:xfrm>
             <a:off x="1260764" y="580375"/>
-            <a:ext cx="2704587" cy="584775"/>
+            <a:ext cx="4366452" cy="584775"/>
           </a:xfrm>
           <a:prstGeom prst="rect">
             <a:avLst/>
@@ -4125,26 +4054,30 @@
           <a:lstStyle/>
           <a:p>
             <a:r>
+              <a:rPr kumimoji="1" lang="en-US" altLang="ko-KR" sz="3200" b="1" dirty="0">
+                <a:latin typeface="NanumSquare ExtraBold" panose="020B0600000101010101" pitchFamily="34" charset="-127"/>
+                <a:ea typeface="NanumSquare ExtraBold" panose="020B0600000101010101" pitchFamily="34" charset="-127"/>
+              </a:rPr>
+              <a:t>DTO(</a:t>
+            </a:r>
+            <a:r>
               <a:rPr kumimoji="1" lang="ko-KR" altLang="en-US" sz="3200" b="1" dirty="0">
                 <a:latin typeface="NanumSquare ExtraBold" panose="020B0600000101010101" pitchFamily="34" charset="-127"/>
                 <a:ea typeface="NanumSquare ExtraBold" panose="020B0600000101010101" pitchFamily="34" charset="-127"/>
               </a:rPr>
-              <a:t>뉴스</a:t>
+              <a:t>클래스 다이어그램</a:t>
             </a:r>
             <a:r>
               <a:rPr kumimoji="1" lang="en-US" altLang="ko-KR" sz="3200" b="1" dirty="0">
                 <a:latin typeface="NanumSquare ExtraBold" panose="020B0600000101010101" pitchFamily="34" charset="-127"/>
                 <a:ea typeface="NanumSquare ExtraBold" panose="020B0600000101010101" pitchFamily="34" charset="-127"/>
               </a:rPr>
-              <a:t>-</a:t>
-            </a:r>
-            <a:r>
-              <a:rPr kumimoji="1" lang="ko-KR" altLang="en-US" sz="3200" b="1" dirty="0">
-                <a:latin typeface="NanumSquare ExtraBold" panose="020B0600000101010101" pitchFamily="34" charset="-127"/>
-                <a:ea typeface="NanumSquare ExtraBold" panose="020B0600000101010101" pitchFamily="34" charset="-127"/>
-              </a:rPr>
-              <a:t>뉴스 정보</a:t>
-            </a:r>
+              <a:t>)</a:t>
+            </a:r>
+            <a:endParaRPr kumimoji="1" lang="ko-KR" altLang="en-US" sz="3200" b="1" dirty="0">
+              <a:latin typeface="NanumSquare ExtraBold" panose="020B0600000101010101" pitchFamily="34" charset="-127"/>
+              <a:ea typeface="NanumSquare ExtraBold" panose="020B0600000101010101" pitchFamily="34" charset="-127"/>
+            </a:endParaRPr>
           </a:p>
         </p:txBody>
       </p:sp>
@@ -4153,7 +4086,7 @@
           <p:cNvPr id="4" name="그래픽 3">
             <a:extLst>
               <a:ext uri="{FF2B5EF4-FFF2-40B4-BE49-F238E27FC236}">
-                <a16:creationId xmlns:a16="http://schemas.microsoft.com/office/drawing/2014/main" id="{C5960D75-DB25-D440-877E-112711B7A380}"/>
+                <a16:creationId xmlns:a16="http://schemas.microsoft.com/office/drawing/2014/main" id="{1A0A9C35-3968-354E-8E0B-2BE8B385536D}"/>
               </a:ext>
             </a:extLst>
           </p:cNvPr>
@@ -4187,7 +4120,7 @@
     </p:spTree>
     <p:extLst>
       <p:ext uri="{BB962C8B-B14F-4D97-AF65-F5344CB8AC3E}">
-        <p14:creationId xmlns:p14="http://schemas.microsoft.com/office/powerpoint/2010/main" val="1059654720"/>
+        <p14:creationId xmlns:p14="http://schemas.microsoft.com/office/powerpoint/2010/main" val="2100437269"/>
       </p:ext>
     </p:extLst>
   </p:cSld>
@@ -4219,7 +4152,7 @@
           <p:cNvPr id="3" name="TextBox 2">
             <a:extLst>
               <a:ext uri="{FF2B5EF4-FFF2-40B4-BE49-F238E27FC236}">
-                <a16:creationId xmlns:a16="http://schemas.microsoft.com/office/drawing/2014/main" id="{223306E3-8BA1-6C44-98DE-C37CB0672BE6}"/>
+                <a16:creationId xmlns:a16="http://schemas.microsoft.com/office/drawing/2014/main" id="{A10689BE-C2F0-AB44-8C48-5D45C4AB5D57}"/>
               </a:ext>
             </a:extLst>
           </p:cNvPr>
@@ -4229,7 +4162,7 @@
         <p:spPr>
           <a:xfrm>
             <a:off x="1260764" y="580375"/>
-            <a:ext cx="1854995" cy="584775"/>
+            <a:ext cx="2201500" cy="584775"/>
           </a:xfrm>
           <a:prstGeom prst="rect">
             <a:avLst/>
@@ -4243,26 +4176,16 @@
           <a:lstStyle/>
           <a:p>
             <a:r>
-              <a:rPr kumimoji="1" lang="ko-KR" altLang="en-US" sz="3200" b="1" dirty="0">
-                <a:latin typeface="NanumSquare ExtraBold" panose="020B0600000101010101" pitchFamily="34" charset="-127"/>
-                <a:ea typeface="NanumSquare ExtraBold" panose="020B0600000101010101" pitchFamily="34" charset="-127"/>
-              </a:rPr>
-              <a:t>뉴스</a:t>
-            </a:r>
-            <a:r>
               <a:rPr kumimoji="1" lang="en-US" altLang="ko-KR" sz="3200" b="1" dirty="0">
                 <a:latin typeface="NanumSquare ExtraBold" panose="020B0600000101010101" pitchFamily="34" charset="-127"/>
                 <a:ea typeface="NanumSquare ExtraBold" panose="020B0600000101010101" pitchFamily="34" charset="-127"/>
               </a:rPr>
-              <a:t>-</a:t>
-            </a:r>
-            <a:r>
-              <a:rPr kumimoji="1" lang="ko-KR" altLang="en-US" sz="3200" b="1" dirty="0">
-                <a:latin typeface="NanumSquare ExtraBold" panose="020B0600000101010101" pitchFamily="34" charset="-127"/>
-                <a:ea typeface="NanumSquare ExtraBold" panose="020B0600000101010101" pitchFamily="34" charset="-127"/>
-              </a:rPr>
-              <a:t>뉴스</a:t>
-            </a:r>
+              <a:t>Controller</a:t>
+            </a:r>
+            <a:endParaRPr kumimoji="1" lang="ko-KR" altLang="en-US" sz="3200" b="1" dirty="0">
+              <a:latin typeface="NanumSquare ExtraBold" panose="020B0600000101010101" pitchFamily="34" charset="-127"/>
+              <a:ea typeface="NanumSquare ExtraBold" panose="020B0600000101010101" pitchFamily="34" charset="-127"/>
+            </a:endParaRPr>
           </a:p>
         </p:txBody>
       </p:sp>
@@ -4271,7 +4194,7 @@
           <p:cNvPr id="4" name="그래픽 3">
             <a:extLst>
               <a:ext uri="{FF2B5EF4-FFF2-40B4-BE49-F238E27FC236}">
-                <a16:creationId xmlns:a16="http://schemas.microsoft.com/office/drawing/2014/main" id="{C5960D75-DB25-D440-877E-112711B7A380}"/>
+                <a16:creationId xmlns:a16="http://schemas.microsoft.com/office/drawing/2014/main" id="{1A0A9C35-3968-354E-8E0B-2BE8B385536D}"/>
               </a:ext>
             </a:extLst>
           </p:cNvPr>
@@ -4305,7 +4228,7 @@
     </p:spTree>
     <p:extLst>
       <p:ext uri="{BB962C8B-B14F-4D97-AF65-F5344CB8AC3E}">
-        <p14:creationId xmlns:p14="http://schemas.microsoft.com/office/powerpoint/2010/main" val="1589837858"/>
+        <p14:creationId xmlns:p14="http://schemas.microsoft.com/office/powerpoint/2010/main" val="2545169733"/>
       </p:ext>
     </p:extLst>
   </p:cSld>
@@ -4337,7 +4260,7 @@
           <p:cNvPr id="3" name="TextBox 2">
             <a:extLst>
               <a:ext uri="{FF2B5EF4-FFF2-40B4-BE49-F238E27FC236}">
-                <a16:creationId xmlns:a16="http://schemas.microsoft.com/office/drawing/2014/main" id="{223306E3-8BA1-6C44-98DE-C37CB0672BE6}"/>
+                <a16:creationId xmlns:a16="http://schemas.microsoft.com/office/drawing/2014/main" id="{A10689BE-C2F0-AB44-8C48-5D45C4AB5D57}"/>
               </a:ext>
             </a:extLst>
           </p:cNvPr>
@@ -4347,7 +4270,7 @@
         <p:spPr>
           <a:xfrm>
             <a:off x="1260764" y="580375"/>
-            <a:ext cx="3174267" cy="584775"/>
+            <a:ext cx="1651414" cy="584775"/>
           </a:xfrm>
           <a:prstGeom prst="rect">
             <a:avLst/>
@@ -4361,40 +4284,16 @@
           <a:lstStyle/>
           <a:p>
             <a:r>
-              <a:rPr kumimoji="1" lang="ko-KR" altLang="en-US" sz="3200" b="1" dirty="0">
-                <a:latin typeface="NanumSquare ExtraBold" panose="020B0600000101010101" pitchFamily="34" charset="-127"/>
-                <a:ea typeface="NanumSquare ExtraBold" panose="020B0600000101010101" pitchFamily="34" charset="-127"/>
-              </a:rPr>
-              <a:t>게시판</a:t>
-            </a:r>
-            <a:r>
               <a:rPr kumimoji="1" lang="en-US" altLang="ko-KR" sz="3200" b="1" dirty="0">
                 <a:latin typeface="NanumSquare ExtraBold" panose="020B0600000101010101" pitchFamily="34" charset="-127"/>
                 <a:ea typeface="NanumSquare ExtraBold" panose="020B0600000101010101" pitchFamily="34" charset="-127"/>
               </a:rPr>
-              <a:t>-</a:t>
-            </a:r>
-            <a:r>
-              <a:rPr kumimoji="1" lang="ko-KR" altLang="en-US" sz="3200" b="1" dirty="0">
-                <a:latin typeface="NanumSquare ExtraBold" panose="020B0600000101010101" pitchFamily="34" charset="-127"/>
-                <a:ea typeface="NanumSquare ExtraBold" panose="020B0600000101010101" pitchFamily="34" charset="-127"/>
-              </a:rPr>
-              <a:t>검색</a:t>
-            </a:r>
-            <a:r>
-              <a:rPr kumimoji="1" lang="en-US" altLang="ko-KR" sz="3200" b="1" dirty="0">
-                <a:latin typeface="NanumSquare ExtraBold" panose="020B0600000101010101" pitchFamily="34" charset="-127"/>
-                <a:ea typeface="NanumSquare ExtraBold" panose="020B0600000101010101" pitchFamily="34" charset="-127"/>
-              </a:rPr>
-              <a:t>/</a:t>
-            </a:r>
-            <a:r>
-              <a:rPr kumimoji="1" lang="ko-KR" altLang="en-US" sz="3200" b="1" dirty="0">
-                <a:latin typeface="NanumSquare ExtraBold" panose="020B0600000101010101" pitchFamily="34" charset="-127"/>
-                <a:ea typeface="NanumSquare ExtraBold" panose="020B0600000101010101" pitchFamily="34" charset="-127"/>
-              </a:rPr>
-              <a:t>기능</a:t>
-            </a:r>
+              <a:t>Service</a:t>
+            </a:r>
+            <a:endParaRPr kumimoji="1" lang="ko-KR" altLang="en-US" sz="3200" b="1" dirty="0">
+              <a:latin typeface="NanumSquare ExtraBold" panose="020B0600000101010101" pitchFamily="34" charset="-127"/>
+              <a:ea typeface="NanumSquare ExtraBold" panose="020B0600000101010101" pitchFamily="34" charset="-127"/>
+            </a:endParaRPr>
           </a:p>
         </p:txBody>
       </p:sp>
@@ -4403,7 +4302,7 @@
           <p:cNvPr id="4" name="그래픽 3">
             <a:extLst>
               <a:ext uri="{FF2B5EF4-FFF2-40B4-BE49-F238E27FC236}">
-                <a16:creationId xmlns:a16="http://schemas.microsoft.com/office/drawing/2014/main" id="{C5960D75-DB25-D440-877E-112711B7A380}"/>
+                <a16:creationId xmlns:a16="http://schemas.microsoft.com/office/drawing/2014/main" id="{1A0A9C35-3968-354E-8E0B-2BE8B385536D}"/>
               </a:ext>
             </a:extLst>
           </p:cNvPr>
@@ -4437,7 +4336,7 @@
     </p:spTree>
     <p:extLst>
       <p:ext uri="{BB962C8B-B14F-4D97-AF65-F5344CB8AC3E}">
-        <p14:creationId xmlns:p14="http://schemas.microsoft.com/office/powerpoint/2010/main" val="3873974320"/>
+        <p14:creationId xmlns:p14="http://schemas.microsoft.com/office/powerpoint/2010/main" val="1753828231"/>
       </p:ext>
     </p:extLst>
   </p:cSld>
@@ -4464,12 +4363,54 @@
           <a:chExt cx="0" cy="0"/>
         </a:xfrm>
       </p:grpSpPr>
+      <p:sp>
+        <p:nvSpPr>
+          <p:cNvPr id="3" name="TextBox 2">
+            <a:extLst>
+              <a:ext uri="{FF2B5EF4-FFF2-40B4-BE49-F238E27FC236}">
+                <a16:creationId xmlns:a16="http://schemas.microsoft.com/office/drawing/2014/main" id="{A10689BE-C2F0-AB44-8C48-5D45C4AB5D57}"/>
+              </a:ext>
+            </a:extLst>
+          </p:cNvPr>
+          <p:cNvSpPr txBox="1"/>
+          <p:nvPr/>
+        </p:nvSpPr>
+        <p:spPr>
+          <a:xfrm>
+            <a:off x="1260764" y="580375"/>
+            <a:ext cx="1702710" cy="584775"/>
+          </a:xfrm>
+          <a:prstGeom prst="rect">
+            <a:avLst/>
+          </a:prstGeom>
+          <a:noFill/>
+        </p:spPr>
+        <p:txBody>
+          <a:bodyPr wrap="none" rtlCol="0">
+            <a:spAutoFit/>
+          </a:bodyPr>
+          <a:lstStyle/>
+          <a:p>
+            <a:r>
+              <a:rPr kumimoji="1" lang="en-US" altLang="ko-KR" sz="3200" b="1" dirty="0">
+                <a:latin typeface="NanumSquare ExtraBold" panose="020B0600000101010101" pitchFamily="34" charset="-127"/>
+                <a:ea typeface="NanumSquare ExtraBold" panose="020B0600000101010101" pitchFamily="34" charset="-127"/>
+              </a:rPr>
+              <a:t>Mapper</a:t>
+            </a:r>
+            <a:endParaRPr kumimoji="1" lang="ko-KR" altLang="en-US" sz="3200" b="1" dirty="0">
+              <a:latin typeface="NanumSquare ExtraBold" panose="020B0600000101010101" pitchFamily="34" charset="-127"/>
+              <a:ea typeface="NanumSquare ExtraBold" panose="020B0600000101010101" pitchFamily="34" charset="-127"/>
+            </a:endParaRPr>
+          </a:p>
+        </p:txBody>
+      </p:sp>
       <p:pic>
         <p:nvPicPr>
-          <p:cNvPr id="5" name="그래픽 4">
-            <a:extLst>
-              <a:ext uri="{FF2B5EF4-FFF2-40B4-BE49-F238E27FC236}">
-                <a16:creationId xmlns:a16="http://schemas.microsoft.com/office/drawing/2014/main" id="{8DC6C707-FA11-B84F-B817-00834356069B}"/>
+          <p:cNvPr id="4" name="그래픽 3">
+            <a:extLst>
+              <a:ext uri="{FF2B5EF4-FFF2-40B4-BE49-F238E27FC236}">
+                <a16:creationId xmlns:a16="http://schemas.microsoft.com/office/drawing/2014/main" id="{1A0A9C35-3968-354E-8E0B-2BE8B385536D}"/>
               </a:ext>
             </a:extLst>
           </p:cNvPr>
@@ -4492,8 +4433,8 @@
         </p:blipFill>
         <p:spPr>
           <a:xfrm>
-            <a:off x="3771900" y="2006600"/>
-            <a:ext cx="4648200" cy="1422400"/>
+            <a:off x="595746" y="576185"/>
+            <a:ext cx="512618" cy="588965"/>
           </a:xfrm>
           <a:prstGeom prst="rect">
             <a:avLst/>
@@ -4503,7 +4444,356 @@
     </p:spTree>
     <p:extLst>
       <p:ext uri="{BB962C8B-B14F-4D97-AF65-F5344CB8AC3E}">
-        <p14:creationId xmlns:p14="http://schemas.microsoft.com/office/powerpoint/2010/main" val="2361748189"/>
+        <p14:creationId xmlns:p14="http://schemas.microsoft.com/office/powerpoint/2010/main" val="2275193132"/>
+      </p:ext>
+    </p:extLst>
+  </p:cSld>
+  <p:clrMapOvr>
+    <a:masterClrMapping/>
+  </p:clrMapOvr>
+</p:sld>
+</file>
+
+<file path=ppt/slides/slide18.xml><?xml version="1.0" encoding="utf-8"?>
+<p:sld xmlns:a="http://schemas.openxmlformats.org/drawingml/2006/main" xmlns:r="http://schemas.openxmlformats.org/officeDocument/2006/relationships" xmlns:p="http://schemas.openxmlformats.org/presentationml/2006/main">
+  <p:cSld>
+    <p:spTree>
+      <p:nvGrpSpPr>
+        <p:cNvPr id="1" name=""/>
+        <p:cNvGrpSpPr/>
+        <p:nvPr/>
+      </p:nvGrpSpPr>
+      <p:grpSpPr>
+        <a:xfrm>
+          <a:off x="0" y="0"/>
+          <a:ext cx="0" cy="0"/>
+          <a:chOff x="0" y="0"/>
+          <a:chExt cx="0" cy="0"/>
+        </a:xfrm>
+      </p:grpSpPr>
+      <p:sp>
+        <p:nvSpPr>
+          <p:cNvPr id="6" name="TextBox 5">
+            <a:extLst>
+              <a:ext uri="{FF2B5EF4-FFF2-40B4-BE49-F238E27FC236}">
+                <a16:creationId xmlns:a16="http://schemas.microsoft.com/office/drawing/2014/main" id="{E51D42FD-D733-3F4B-90B1-99F6EAE11046}"/>
+              </a:ext>
+            </a:extLst>
+          </p:cNvPr>
+          <p:cNvSpPr txBox="1"/>
+          <p:nvPr/>
+        </p:nvSpPr>
+        <p:spPr>
+          <a:xfrm>
+            <a:off x="1174267" y="394792"/>
+            <a:ext cx="2693366" cy="523220"/>
+          </a:xfrm>
+          <a:prstGeom prst="rect">
+            <a:avLst/>
+          </a:prstGeom>
+          <a:noFill/>
+        </p:spPr>
+        <p:txBody>
+          <a:bodyPr wrap="none" rtlCol="0">
+            <a:spAutoFit/>
+          </a:bodyPr>
+          <a:lstStyle/>
+          <a:p>
+            <a:r>
+              <a:rPr kumimoji="1" lang="ko-KR" altLang="en-US" sz="2800" b="1" dirty="0">
+                <a:latin typeface="NanumSquare ExtraBold" panose="020B0600000101010101" pitchFamily="34" charset="-127"/>
+                <a:ea typeface="NanumSquare ExtraBold" panose="020B0600000101010101" pitchFamily="34" charset="-127"/>
+              </a:rPr>
+              <a:t>기능</a:t>
+            </a:r>
+            <a:r>
+              <a:rPr kumimoji="1" lang="en-US" altLang="ko-KR" sz="2800" b="1" dirty="0">
+                <a:latin typeface="NanumSquare ExtraBold" panose="020B0600000101010101" pitchFamily="34" charset="-127"/>
+                <a:ea typeface="NanumSquare ExtraBold" panose="020B0600000101010101" pitchFamily="34" charset="-127"/>
+              </a:rPr>
+              <a:t>1</a:t>
+            </a:r>
+            <a:r>
+              <a:rPr kumimoji="1" lang="ko-KR" altLang="en-US" sz="2800" b="1" dirty="0">
+                <a:latin typeface="NanumSquare ExtraBold" panose="020B0600000101010101" pitchFamily="34" charset="-127"/>
+                <a:ea typeface="NanumSquare ExtraBold" panose="020B0600000101010101" pitchFamily="34" charset="-127"/>
+              </a:rPr>
+              <a:t> </a:t>
+            </a:r>
+            <a:r>
+              <a:rPr kumimoji="1" lang="en-US" altLang="ko-KR" sz="2800" b="1" dirty="0">
+                <a:latin typeface="NanumSquare ExtraBold" panose="020B0600000101010101" pitchFamily="34" charset="-127"/>
+                <a:ea typeface="NanumSquare ExtraBold" panose="020B0600000101010101" pitchFamily="34" charset="-127"/>
+              </a:rPr>
+              <a:t>:</a:t>
+            </a:r>
+            <a:r>
+              <a:rPr kumimoji="1" lang="ko-KR" altLang="en-US" sz="2800" b="1" dirty="0">
+                <a:latin typeface="NanumSquare ExtraBold" panose="020B0600000101010101" pitchFamily="34" charset="-127"/>
+                <a:ea typeface="NanumSquare ExtraBold" panose="020B0600000101010101" pitchFamily="34" charset="-127"/>
+              </a:rPr>
+              <a:t> </a:t>
+            </a:r>
+            <a:r>
+              <a:rPr kumimoji="1" lang="ko-KR" altLang="en-US" sz="2800" b="1" dirty="0" err="1">
+                <a:latin typeface="NanumSquare ExtraBold" panose="020B0600000101010101" pitchFamily="34" charset="-127"/>
+                <a:ea typeface="NanumSquare ExtraBold" panose="020B0600000101010101" pitchFamily="34" charset="-127"/>
+              </a:rPr>
+              <a:t>메인화면</a:t>
+            </a:r>
+            <a:endParaRPr kumimoji="1" lang="ko-KR" altLang="en-US" sz="2800" b="1" dirty="0">
+              <a:latin typeface="NanumSquare ExtraBold" panose="020B0600000101010101" pitchFamily="34" charset="-127"/>
+              <a:ea typeface="NanumSquare ExtraBold" panose="020B0600000101010101" pitchFamily="34" charset="-127"/>
+            </a:endParaRPr>
+          </a:p>
+        </p:txBody>
+      </p:sp>
+      <p:pic>
+        <p:nvPicPr>
+          <p:cNvPr id="7" name="그래픽 6">
+            <a:extLst>
+              <a:ext uri="{FF2B5EF4-FFF2-40B4-BE49-F238E27FC236}">
+                <a16:creationId xmlns:a16="http://schemas.microsoft.com/office/drawing/2014/main" id="{2CDC49A2-9A12-8541-B0D9-F6AAC09D3C24}"/>
+              </a:ext>
+            </a:extLst>
+          </p:cNvPr>
+          <p:cNvPicPr>
+            <a:picLocks noChangeAspect="1"/>
+          </p:cNvPicPr>
+          <p:nvPr/>
+        </p:nvPicPr>
+        <p:blipFill>
+          <a:blip r:embed="rId2">
+            <a:extLst>
+              <a:ext uri="{96DAC541-7B7A-43D3-8B79-37D633B846F1}">
+                <asvg:svgBlip xmlns:asvg="http://schemas.microsoft.com/office/drawing/2016/SVG/main" r:embed="rId3"/>
+              </a:ext>
+            </a:extLst>
+          </a:blip>
+          <a:stretch>
+            <a:fillRect/>
+          </a:stretch>
+        </p:blipFill>
+        <p:spPr>
+          <a:xfrm>
+            <a:off x="533962" y="329047"/>
+            <a:ext cx="512618" cy="588965"/>
+          </a:xfrm>
+          <a:prstGeom prst="rect">
+            <a:avLst/>
+          </a:prstGeom>
+        </p:spPr>
+      </p:pic>
+      <p:pic>
+        <p:nvPicPr>
+          <p:cNvPr id="3" name="그림 2">
+            <a:extLst>
+              <a:ext uri="{FF2B5EF4-FFF2-40B4-BE49-F238E27FC236}">
+                <a16:creationId xmlns:a16="http://schemas.microsoft.com/office/drawing/2014/main" id="{2E12785C-14C7-3F4A-946F-B18D7EF363E1}"/>
+              </a:ext>
+            </a:extLst>
+          </p:cNvPr>
+          <p:cNvPicPr>
+            <a:picLocks noChangeAspect="1"/>
+          </p:cNvPicPr>
+          <p:nvPr/>
+        </p:nvPicPr>
+        <p:blipFill>
+          <a:blip r:embed="rId4"/>
+          <a:stretch>
+            <a:fillRect/>
+          </a:stretch>
+        </p:blipFill>
+        <p:spPr>
+          <a:xfrm>
+            <a:off x="-448720" y="329047"/>
+            <a:ext cx="9036424" cy="6858000"/>
+          </a:xfrm>
+          <a:prstGeom prst="rect">
+            <a:avLst/>
+          </a:prstGeom>
+        </p:spPr>
+      </p:pic>
+    </p:spTree>
+    <p:extLst>
+      <p:ext uri="{BB962C8B-B14F-4D97-AF65-F5344CB8AC3E}">
+        <p14:creationId xmlns:p14="http://schemas.microsoft.com/office/powerpoint/2010/main" val="1925409555"/>
+      </p:ext>
+    </p:extLst>
+  </p:cSld>
+  <p:clrMapOvr>
+    <a:masterClrMapping/>
+  </p:clrMapOvr>
+</p:sld>
+</file>
+
+<file path=ppt/slides/slide19.xml><?xml version="1.0" encoding="utf-8"?>
+<p:sld xmlns:a="http://schemas.openxmlformats.org/drawingml/2006/main" xmlns:r="http://schemas.openxmlformats.org/officeDocument/2006/relationships" xmlns:p="http://schemas.openxmlformats.org/presentationml/2006/main">
+  <p:cSld>
+    <p:spTree>
+      <p:nvGrpSpPr>
+        <p:cNvPr id="1" name=""/>
+        <p:cNvGrpSpPr/>
+        <p:nvPr/>
+      </p:nvGrpSpPr>
+      <p:grpSpPr>
+        <a:xfrm>
+          <a:off x="0" y="0"/>
+          <a:ext cx="0" cy="0"/>
+          <a:chOff x="0" y="0"/>
+          <a:chExt cx="0" cy="0"/>
+        </a:xfrm>
+      </p:grpSpPr>
+      <p:pic>
+        <p:nvPicPr>
+          <p:cNvPr id="5" name="그림 4">
+            <a:extLst>
+              <a:ext uri="{FF2B5EF4-FFF2-40B4-BE49-F238E27FC236}">
+                <a16:creationId xmlns:a16="http://schemas.microsoft.com/office/drawing/2014/main" id="{9AA7E96C-9C88-094A-9E68-7455B999087C}"/>
+              </a:ext>
+            </a:extLst>
+          </p:cNvPr>
+          <p:cNvPicPr>
+            <a:picLocks noChangeAspect="1"/>
+          </p:cNvPicPr>
+          <p:nvPr/>
+        </p:nvPicPr>
+        <p:blipFill>
+          <a:blip r:embed="rId2"/>
+          <a:stretch>
+            <a:fillRect/>
+          </a:stretch>
+        </p:blipFill>
+        <p:spPr>
+          <a:xfrm>
+            <a:off x="-107298" y="394792"/>
+            <a:ext cx="9036424" cy="6858000"/>
+          </a:xfrm>
+          <a:prstGeom prst="rect">
+            <a:avLst/>
+          </a:prstGeom>
+        </p:spPr>
+      </p:pic>
+      <p:sp>
+        <p:nvSpPr>
+          <p:cNvPr id="6" name="TextBox 5">
+            <a:extLst>
+              <a:ext uri="{FF2B5EF4-FFF2-40B4-BE49-F238E27FC236}">
+                <a16:creationId xmlns:a16="http://schemas.microsoft.com/office/drawing/2014/main" id="{E51D42FD-D733-3F4B-90B1-99F6EAE11046}"/>
+              </a:ext>
+            </a:extLst>
+          </p:cNvPr>
+          <p:cNvSpPr txBox="1"/>
+          <p:nvPr/>
+        </p:nvSpPr>
+        <p:spPr>
+          <a:xfrm>
+            <a:off x="1174267" y="394792"/>
+            <a:ext cx="3680816" cy="523220"/>
+          </a:xfrm>
+          <a:prstGeom prst="rect">
+            <a:avLst/>
+          </a:prstGeom>
+          <a:noFill/>
+        </p:spPr>
+        <p:txBody>
+          <a:bodyPr wrap="none" rtlCol="0">
+            <a:spAutoFit/>
+          </a:bodyPr>
+          <a:lstStyle/>
+          <a:p>
+            <a:r>
+              <a:rPr kumimoji="1" lang="ko-KR" altLang="en-US" sz="2800" b="1" dirty="0">
+                <a:latin typeface="NanumSquare ExtraBold" panose="020B0600000101010101" pitchFamily="34" charset="-127"/>
+                <a:ea typeface="NanumSquare ExtraBold" panose="020B0600000101010101" pitchFamily="34" charset="-127"/>
+              </a:rPr>
+              <a:t>기능</a:t>
+            </a:r>
+            <a:r>
+              <a:rPr kumimoji="1" lang="en-US" altLang="ko-KR" sz="2800" b="1" dirty="0">
+                <a:latin typeface="NanumSquare ExtraBold" panose="020B0600000101010101" pitchFamily="34" charset="-127"/>
+                <a:ea typeface="NanumSquare ExtraBold" panose="020B0600000101010101" pitchFamily="34" charset="-127"/>
+              </a:rPr>
+              <a:t>1</a:t>
+            </a:r>
+            <a:r>
+              <a:rPr kumimoji="1" lang="ko-KR" altLang="en-US" sz="2800" b="1" dirty="0">
+                <a:latin typeface="NanumSquare ExtraBold" panose="020B0600000101010101" pitchFamily="34" charset="-127"/>
+                <a:ea typeface="NanumSquare ExtraBold" panose="020B0600000101010101" pitchFamily="34" charset="-127"/>
+              </a:rPr>
+              <a:t> </a:t>
+            </a:r>
+            <a:r>
+              <a:rPr kumimoji="1" lang="en-US" altLang="ko-KR" sz="2800" b="1" dirty="0">
+                <a:latin typeface="NanumSquare ExtraBold" panose="020B0600000101010101" pitchFamily="34" charset="-127"/>
+                <a:ea typeface="NanumSquare ExtraBold" panose="020B0600000101010101" pitchFamily="34" charset="-127"/>
+              </a:rPr>
+              <a:t>:</a:t>
+            </a:r>
+            <a:r>
+              <a:rPr kumimoji="1" lang="ko-KR" altLang="en-US" sz="2800" b="1" dirty="0">
+                <a:latin typeface="NanumSquare ExtraBold" panose="020B0600000101010101" pitchFamily="34" charset="-127"/>
+                <a:ea typeface="NanumSquare ExtraBold" panose="020B0600000101010101" pitchFamily="34" charset="-127"/>
+              </a:rPr>
+              <a:t> 회원 </a:t>
+            </a:r>
+            <a:r>
+              <a:rPr kumimoji="1" lang="en-US" altLang="ko-KR" sz="2800" b="1" dirty="0">
+                <a:latin typeface="NanumSquare ExtraBold" panose="020B0600000101010101" pitchFamily="34" charset="-127"/>
+                <a:ea typeface="NanumSquare ExtraBold" panose="020B0600000101010101" pitchFamily="34" charset="-127"/>
+              </a:rPr>
+              <a:t>-</a:t>
+            </a:r>
+            <a:r>
+              <a:rPr kumimoji="1" lang="ko-KR" altLang="en-US" sz="2800" b="1" dirty="0">
+                <a:latin typeface="NanumSquare ExtraBold" panose="020B0600000101010101" pitchFamily="34" charset="-127"/>
+                <a:ea typeface="NanumSquare ExtraBold" panose="020B0600000101010101" pitchFamily="34" charset="-127"/>
+              </a:rPr>
+              <a:t> 회원가입</a:t>
+            </a:r>
+          </a:p>
+        </p:txBody>
+      </p:sp>
+      <p:pic>
+        <p:nvPicPr>
+          <p:cNvPr id="7" name="그래픽 6">
+            <a:extLst>
+              <a:ext uri="{FF2B5EF4-FFF2-40B4-BE49-F238E27FC236}">
+                <a16:creationId xmlns:a16="http://schemas.microsoft.com/office/drawing/2014/main" id="{2CDC49A2-9A12-8541-B0D9-F6AAC09D3C24}"/>
+              </a:ext>
+            </a:extLst>
+          </p:cNvPr>
+          <p:cNvPicPr>
+            <a:picLocks noChangeAspect="1"/>
+          </p:cNvPicPr>
+          <p:nvPr/>
+        </p:nvPicPr>
+        <p:blipFill>
+          <a:blip r:embed="rId3">
+            <a:extLst>
+              <a:ext uri="{96DAC541-7B7A-43D3-8B79-37D633B846F1}">
+                <asvg:svgBlip xmlns:asvg="http://schemas.microsoft.com/office/drawing/2016/SVG/main" r:embed="rId4"/>
+              </a:ext>
+            </a:extLst>
+          </a:blip>
+          <a:stretch>
+            <a:fillRect/>
+          </a:stretch>
+        </p:blipFill>
+        <p:spPr>
+          <a:xfrm>
+            <a:off x="533962" y="329047"/>
+            <a:ext cx="512618" cy="588965"/>
+          </a:xfrm>
+          <a:prstGeom prst="rect">
+            <a:avLst/>
+          </a:prstGeom>
+        </p:spPr>
+      </p:pic>
+    </p:spTree>
+    <p:extLst>
+      <p:ext uri="{BB962C8B-B14F-4D97-AF65-F5344CB8AC3E}">
+        <p14:creationId xmlns:p14="http://schemas.microsoft.com/office/powerpoint/2010/main" val="491224599"/>
       </p:ext>
     </p:extLst>
   </p:cSld>
@@ -4679,6 +4969,1774 @@
 </p:sld>
 </file>
 
+<file path=ppt/slides/slide20.xml><?xml version="1.0" encoding="utf-8"?>
+<p:sld xmlns:a="http://schemas.openxmlformats.org/drawingml/2006/main" xmlns:r="http://schemas.openxmlformats.org/officeDocument/2006/relationships" xmlns:p="http://schemas.openxmlformats.org/presentationml/2006/main">
+  <p:cSld>
+    <p:spTree>
+      <p:nvGrpSpPr>
+        <p:cNvPr id="1" name=""/>
+        <p:cNvGrpSpPr/>
+        <p:nvPr/>
+      </p:nvGrpSpPr>
+      <p:grpSpPr>
+        <a:xfrm>
+          <a:off x="0" y="0"/>
+          <a:ext cx="0" cy="0"/>
+          <a:chOff x="0" y="0"/>
+          <a:chExt cx="0" cy="0"/>
+        </a:xfrm>
+      </p:grpSpPr>
+      <p:sp>
+        <p:nvSpPr>
+          <p:cNvPr id="5" name="TextBox 4">
+            <a:extLst>
+              <a:ext uri="{FF2B5EF4-FFF2-40B4-BE49-F238E27FC236}">
+                <a16:creationId xmlns:a16="http://schemas.microsoft.com/office/drawing/2014/main" id="{7484103A-E433-824B-8C3B-755CEF1C0183}"/>
+              </a:ext>
+            </a:extLst>
+          </p:cNvPr>
+          <p:cNvSpPr txBox="1"/>
+          <p:nvPr/>
+        </p:nvSpPr>
+        <p:spPr>
+          <a:xfrm>
+            <a:off x="1174267" y="394792"/>
+            <a:ext cx="3353803" cy="523220"/>
+          </a:xfrm>
+          <a:prstGeom prst="rect">
+            <a:avLst/>
+          </a:prstGeom>
+          <a:noFill/>
+        </p:spPr>
+        <p:txBody>
+          <a:bodyPr wrap="none" rtlCol="0">
+            <a:spAutoFit/>
+          </a:bodyPr>
+          <a:lstStyle/>
+          <a:p>
+            <a:r>
+              <a:rPr kumimoji="1" lang="ko-KR" altLang="en-US" sz="2800" b="1" dirty="0">
+                <a:latin typeface="NanumSquare ExtraBold" panose="020B0600000101010101" pitchFamily="34" charset="-127"/>
+                <a:ea typeface="NanumSquare ExtraBold" panose="020B0600000101010101" pitchFamily="34" charset="-127"/>
+              </a:rPr>
+              <a:t>기능</a:t>
+            </a:r>
+            <a:r>
+              <a:rPr kumimoji="1" lang="en-US" altLang="ko-KR" sz="2800" b="1" dirty="0">
+                <a:latin typeface="NanumSquare ExtraBold" panose="020B0600000101010101" pitchFamily="34" charset="-127"/>
+                <a:ea typeface="NanumSquare ExtraBold" panose="020B0600000101010101" pitchFamily="34" charset="-127"/>
+              </a:rPr>
+              <a:t>1</a:t>
+            </a:r>
+            <a:r>
+              <a:rPr kumimoji="1" lang="ko-KR" altLang="en-US" sz="2800" b="1" dirty="0">
+                <a:latin typeface="NanumSquare ExtraBold" panose="020B0600000101010101" pitchFamily="34" charset="-127"/>
+                <a:ea typeface="NanumSquare ExtraBold" panose="020B0600000101010101" pitchFamily="34" charset="-127"/>
+              </a:rPr>
+              <a:t> </a:t>
+            </a:r>
+            <a:r>
+              <a:rPr kumimoji="1" lang="en-US" altLang="ko-KR" sz="2800" b="1" dirty="0">
+                <a:latin typeface="NanumSquare ExtraBold" panose="020B0600000101010101" pitchFamily="34" charset="-127"/>
+                <a:ea typeface="NanumSquare ExtraBold" panose="020B0600000101010101" pitchFamily="34" charset="-127"/>
+              </a:rPr>
+              <a:t>:</a:t>
+            </a:r>
+            <a:r>
+              <a:rPr kumimoji="1" lang="ko-KR" altLang="en-US" sz="2800" b="1" dirty="0">
+                <a:latin typeface="NanumSquare ExtraBold" panose="020B0600000101010101" pitchFamily="34" charset="-127"/>
+                <a:ea typeface="NanumSquare ExtraBold" panose="020B0600000101010101" pitchFamily="34" charset="-127"/>
+              </a:rPr>
+              <a:t> 회원 </a:t>
+            </a:r>
+            <a:r>
+              <a:rPr kumimoji="1" lang="en-US" altLang="ko-KR" sz="2800" b="1" dirty="0">
+                <a:latin typeface="NanumSquare ExtraBold" panose="020B0600000101010101" pitchFamily="34" charset="-127"/>
+                <a:ea typeface="NanumSquare ExtraBold" panose="020B0600000101010101" pitchFamily="34" charset="-127"/>
+              </a:rPr>
+              <a:t>-</a:t>
+            </a:r>
+            <a:r>
+              <a:rPr kumimoji="1" lang="ko-KR" altLang="en-US" sz="2800" b="1" dirty="0">
+                <a:latin typeface="NanumSquare ExtraBold" panose="020B0600000101010101" pitchFamily="34" charset="-127"/>
+                <a:ea typeface="NanumSquare ExtraBold" panose="020B0600000101010101" pitchFamily="34" charset="-127"/>
+              </a:rPr>
+              <a:t> 로그인</a:t>
+            </a:r>
+          </a:p>
+        </p:txBody>
+      </p:sp>
+      <p:pic>
+        <p:nvPicPr>
+          <p:cNvPr id="6" name="그래픽 5">
+            <a:extLst>
+              <a:ext uri="{FF2B5EF4-FFF2-40B4-BE49-F238E27FC236}">
+                <a16:creationId xmlns:a16="http://schemas.microsoft.com/office/drawing/2014/main" id="{E0572408-3198-EF4E-AA2C-5B2ABD0B8ABE}"/>
+              </a:ext>
+            </a:extLst>
+          </p:cNvPr>
+          <p:cNvPicPr>
+            <a:picLocks noChangeAspect="1"/>
+          </p:cNvPicPr>
+          <p:nvPr/>
+        </p:nvPicPr>
+        <p:blipFill>
+          <a:blip r:embed="rId2">
+            <a:extLst>
+              <a:ext uri="{96DAC541-7B7A-43D3-8B79-37D633B846F1}">
+                <asvg:svgBlip xmlns:asvg="http://schemas.microsoft.com/office/drawing/2016/SVG/main" r:embed="rId3"/>
+              </a:ext>
+            </a:extLst>
+          </a:blip>
+          <a:stretch>
+            <a:fillRect/>
+          </a:stretch>
+        </p:blipFill>
+        <p:spPr>
+          <a:xfrm>
+            <a:off x="533962" y="329047"/>
+            <a:ext cx="512618" cy="588965"/>
+          </a:xfrm>
+          <a:prstGeom prst="rect">
+            <a:avLst/>
+          </a:prstGeom>
+        </p:spPr>
+      </p:pic>
+      <p:pic>
+        <p:nvPicPr>
+          <p:cNvPr id="7" name="그림 6">
+            <a:extLst>
+              <a:ext uri="{FF2B5EF4-FFF2-40B4-BE49-F238E27FC236}">
+                <a16:creationId xmlns:a16="http://schemas.microsoft.com/office/drawing/2014/main" id="{121A2807-81E3-8E48-8217-183ADDD64ED5}"/>
+              </a:ext>
+            </a:extLst>
+          </p:cNvPr>
+          <p:cNvPicPr>
+            <a:picLocks noChangeAspect="1"/>
+          </p:cNvPicPr>
+          <p:nvPr/>
+        </p:nvPicPr>
+        <p:blipFill>
+          <a:blip r:embed="rId4"/>
+          <a:stretch>
+            <a:fillRect/>
+          </a:stretch>
+        </p:blipFill>
+        <p:spPr>
+          <a:xfrm>
+            <a:off x="-251012" y="329047"/>
+            <a:ext cx="9036424" cy="6858000"/>
+          </a:xfrm>
+          <a:prstGeom prst="rect">
+            <a:avLst/>
+          </a:prstGeom>
+        </p:spPr>
+      </p:pic>
+      <p:pic>
+        <p:nvPicPr>
+          <p:cNvPr id="8" name="그림 7">
+            <a:extLst>
+              <a:ext uri="{FF2B5EF4-FFF2-40B4-BE49-F238E27FC236}">
+                <a16:creationId xmlns:a16="http://schemas.microsoft.com/office/drawing/2014/main" id="{B8280D6F-2862-E14E-BB93-FD05C9E37F73}"/>
+              </a:ext>
+            </a:extLst>
+          </p:cNvPr>
+          <p:cNvPicPr>
+            <a:picLocks noChangeAspect="1"/>
+          </p:cNvPicPr>
+          <p:nvPr/>
+        </p:nvPicPr>
+        <p:blipFill>
+          <a:blip r:embed="rId5"/>
+          <a:stretch>
+            <a:fillRect/>
+          </a:stretch>
+        </p:blipFill>
+        <p:spPr>
+          <a:xfrm>
+            <a:off x="3999713" y="2323070"/>
+            <a:ext cx="9036424" cy="6858000"/>
+          </a:xfrm>
+          <a:prstGeom prst="rect">
+            <a:avLst/>
+          </a:prstGeom>
+        </p:spPr>
+      </p:pic>
+    </p:spTree>
+    <p:extLst>
+      <p:ext uri="{BB962C8B-B14F-4D97-AF65-F5344CB8AC3E}">
+        <p14:creationId xmlns:p14="http://schemas.microsoft.com/office/powerpoint/2010/main" val="4271776016"/>
+      </p:ext>
+    </p:extLst>
+  </p:cSld>
+  <p:clrMapOvr>
+    <a:masterClrMapping/>
+  </p:clrMapOvr>
+</p:sld>
+</file>
+
+<file path=ppt/slides/slide21.xml><?xml version="1.0" encoding="utf-8"?>
+<p:sld xmlns:a="http://schemas.openxmlformats.org/drawingml/2006/main" xmlns:r="http://schemas.openxmlformats.org/officeDocument/2006/relationships" xmlns:p="http://schemas.openxmlformats.org/presentationml/2006/main">
+  <p:cSld>
+    <p:spTree>
+      <p:nvGrpSpPr>
+        <p:cNvPr id="1" name=""/>
+        <p:cNvGrpSpPr/>
+        <p:nvPr/>
+      </p:nvGrpSpPr>
+      <p:grpSpPr>
+        <a:xfrm>
+          <a:off x="0" y="0"/>
+          <a:ext cx="0" cy="0"/>
+          <a:chOff x="0" y="0"/>
+          <a:chExt cx="0" cy="0"/>
+        </a:xfrm>
+      </p:grpSpPr>
+      <p:sp>
+        <p:nvSpPr>
+          <p:cNvPr id="5" name="TextBox 4">
+            <a:extLst>
+              <a:ext uri="{FF2B5EF4-FFF2-40B4-BE49-F238E27FC236}">
+                <a16:creationId xmlns:a16="http://schemas.microsoft.com/office/drawing/2014/main" id="{D36AA3A6-C4C0-5D41-A174-414063B8F4D8}"/>
+              </a:ext>
+            </a:extLst>
+          </p:cNvPr>
+          <p:cNvSpPr txBox="1"/>
+          <p:nvPr/>
+        </p:nvSpPr>
+        <p:spPr>
+          <a:xfrm>
+            <a:off x="1174267" y="394792"/>
+            <a:ext cx="4334841" cy="523220"/>
+          </a:xfrm>
+          <a:prstGeom prst="rect">
+            <a:avLst/>
+          </a:prstGeom>
+          <a:noFill/>
+        </p:spPr>
+        <p:txBody>
+          <a:bodyPr wrap="none" rtlCol="0">
+            <a:spAutoFit/>
+          </a:bodyPr>
+          <a:lstStyle/>
+          <a:p>
+            <a:r>
+              <a:rPr kumimoji="1" lang="ko-KR" altLang="en-US" sz="2800" b="1" dirty="0">
+                <a:latin typeface="NanumSquare ExtraBold" panose="020B0600000101010101" pitchFamily="34" charset="-127"/>
+                <a:ea typeface="NanumSquare ExtraBold" panose="020B0600000101010101" pitchFamily="34" charset="-127"/>
+              </a:rPr>
+              <a:t>기능</a:t>
+            </a:r>
+            <a:r>
+              <a:rPr kumimoji="1" lang="en-US" altLang="ko-KR" sz="2800" b="1" dirty="0">
+                <a:latin typeface="NanumSquare ExtraBold" panose="020B0600000101010101" pitchFamily="34" charset="-127"/>
+                <a:ea typeface="NanumSquare ExtraBold" panose="020B0600000101010101" pitchFamily="34" charset="-127"/>
+              </a:rPr>
+              <a:t>1</a:t>
+            </a:r>
+            <a:r>
+              <a:rPr kumimoji="1" lang="ko-KR" altLang="en-US" sz="2800" b="1" dirty="0">
+                <a:latin typeface="NanumSquare ExtraBold" panose="020B0600000101010101" pitchFamily="34" charset="-127"/>
+                <a:ea typeface="NanumSquare ExtraBold" panose="020B0600000101010101" pitchFamily="34" charset="-127"/>
+              </a:rPr>
+              <a:t> </a:t>
+            </a:r>
+            <a:r>
+              <a:rPr kumimoji="1" lang="en-US" altLang="ko-KR" sz="2800" b="1" dirty="0">
+                <a:latin typeface="NanumSquare ExtraBold" panose="020B0600000101010101" pitchFamily="34" charset="-127"/>
+                <a:ea typeface="NanumSquare ExtraBold" panose="020B0600000101010101" pitchFamily="34" charset="-127"/>
+              </a:rPr>
+              <a:t>:</a:t>
+            </a:r>
+            <a:r>
+              <a:rPr kumimoji="1" lang="ko-KR" altLang="en-US" sz="2800" b="1" dirty="0">
+                <a:latin typeface="NanumSquare ExtraBold" panose="020B0600000101010101" pitchFamily="34" charset="-127"/>
+                <a:ea typeface="NanumSquare ExtraBold" panose="020B0600000101010101" pitchFamily="34" charset="-127"/>
+              </a:rPr>
+              <a:t> 회원 </a:t>
+            </a:r>
+            <a:r>
+              <a:rPr kumimoji="1" lang="en-US" altLang="ko-KR" sz="2800" b="1" dirty="0">
+                <a:latin typeface="NanumSquare ExtraBold" panose="020B0600000101010101" pitchFamily="34" charset="-127"/>
+                <a:ea typeface="NanumSquare ExtraBold" panose="020B0600000101010101" pitchFamily="34" charset="-127"/>
+              </a:rPr>
+              <a:t>-</a:t>
+            </a:r>
+            <a:r>
+              <a:rPr kumimoji="1" lang="ko-KR" altLang="en-US" sz="2800" b="1" dirty="0">
+                <a:latin typeface="NanumSquare ExtraBold" panose="020B0600000101010101" pitchFamily="34" charset="-127"/>
+                <a:ea typeface="NanumSquare ExtraBold" panose="020B0600000101010101" pitchFamily="34" charset="-127"/>
+              </a:rPr>
+              <a:t> 회원정보수정</a:t>
+            </a:r>
+          </a:p>
+        </p:txBody>
+      </p:sp>
+      <p:pic>
+        <p:nvPicPr>
+          <p:cNvPr id="6" name="그래픽 5">
+            <a:extLst>
+              <a:ext uri="{FF2B5EF4-FFF2-40B4-BE49-F238E27FC236}">
+                <a16:creationId xmlns:a16="http://schemas.microsoft.com/office/drawing/2014/main" id="{26DD6935-7440-A24F-A320-07CE2AD3242A}"/>
+              </a:ext>
+            </a:extLst>
+          </p:cNvPr>
+          <p:cNvPicPr>
+            <a:picLocks noChangeAspect="1"/>
+          </p:cNvPicPr>
+          <p:nvPr/>
+        </p:nvPicPr>
+        <p:blipFill>
+          <a:blip r:embed="rId2">
+            <a:extLst>
+              <a:ext uri="{96DAC541-7B7A-43D3-8B79-37D633B846F1}">
+                <asvg:svgBlip xmlns:asvg="http://schemas.microsoft.com/office/drawing/2016/SVG/main" r:embed="rId3"/>
+              </a:ext>
+            </a:extLst>
+          </a:blip>
+          <a:stretch>
+            <a:fillRect/>
+          </a:stretch>
+        </p:blipFill>
+        <p:spPr>
+          <a:xfrm>
+            <a:off x="533962" y="329047"/>
+            <a:ext cx="512618" cy="588965"/>
+          </a:xfrm>
+          <a:prstGeom prst="rect">
+            <a:avLst/>
+          </a:prstGeom>
+        </p:spPr>
+      </p:pic>
+      <p:pic>
+        <p:nvPicPr>
+          <p:cNvPr id="11" name="그림 10">
+            <a:extLst>
+              <a:ext uri="{FF2B5EF4-FFF2-40B4-BE49-F238E27FC236}">
+                <a16:creationId xmlns:a16="http://schemas.microsoft.com/office/drawing/2014/main" id="{519C061A-CB5C-E54D-AEA9-88E6E241E994}"/>
+              </a:ext>
+            </a:extLst>
+          </p:cNvPr>
+          <p:cNvPicPr>
+            <a:picLocks noChangeAspect="1"/>
+          </p:cNvPicPr>
+          <p:nvPr/>
+        </p:nvPicPr>
+        <p:blipFill>
+          <a:blip r:embed="rId4"/>
+          <a:stretch>
+            <a:fillRect/>
+          </a:stretch>
+        </p:blipFill>
+        <p:spPr>
+          <a:xfrm>
+            <a:off x="-374580" y="394792"/>
+            <a:ext cx="9036424" cy="6858000"/>
+          </a:xfrm>
+          <a:prstGeom prst="rect">
+            <a:avLst/>
+          </a:prstGeom>
+        </p:spPr>
+      </p:pic>
+      <p:pic>
+        <p:nvPicPr>
+          <p:cNvPr id="12" name="그림 11">
+            <a:extLst>
+              <a:ext uri="{FF2B5EF4-FFF2-40B4-BE49-F238E27FC236}">
+                <a16:creationId xmlns:a16="http://schemas.microsoft.com/office/drawing/2014/main" id="{8AC18ADA-8094-7F43-AB6B-807EF7DE6110}"/>
+              </a:ext>
+            </a:extLst>
+          </p:cNvPr>
+          <p:cNvPicPr>
+            <a:picLocks noChangeAspect="1"/>
+          </p:cNvPicPr>
+          <p:nvPr/>
+        </p:nvPicPr>
+        <p:blipFill>
+          <a:blip r:embed="rId5"/>
+          <a:stretch>
+            <a:fillRect/>
+          </a:stretch>
+        </p:blipFill>
+        <p:spPr>
+          <a:xfrm>
+            <a:off x="4061255" y="494270"/>
+            <a:ext cx="9036424" cy="6858000"/>
+          </a:xfrm>
+          <a:prstGeom prst="rect">
+            <a:avLst/>
+          </a:prstGeom>
+        </p:spPr>
+      </p:pic>
+    </p:spTree>
+    <p:extLst>
+      <p:ext uri="{BB962C8B-B14F-4D97-AF65-F5344CB8AC3E}">
+        <p14:creationId xmlns:p14="http://schemas.microsoft.com/office/powerpoint/2010/main" val="1308616039"/>
+      </p:ext>
+    </p:extLst>
+  </p:cSld>
+  <p:clrMapOvr>
+    <a:masterClrMapping/>
+  </p:clrMapOvr>
+</p:sld>
+</file>
+
+<file path=ppt/slides/slide22.xml><?xml version="1.0" encoding="utf-8"?>
+<p:sld xmlns:a="http://schemas.openxmlformats.org/drawingml/2006/main" xmlns:r="http://schemas.openxmlformats.org/officeDocument/2006/relationships" xmlns:p="http://schemas.openxmlformats.org/presentationml/2006/main">
+  <p:cSld>
+    <p:spTree>
+      <p:nvGrpSpPr>
+        <p:cNvPr id="1" name=""/>
+        <p:cNvGrpSpPr/>
+        <p:nvPr/>
+      </p:nvGrpSpPr>
+      <p:grpSpPr>
+        <a:xfrm>
+          <a:off x="0" y="0"/>
+          <a:ext cx="0" cy="0"/>
+          <a:chOff x="0" y="0"/>
+          <a:chExt cx="0" cy="0"/>
+        </a:xfrm>
+      </p:grpSpPr>
+      <p:sp>
+        <p:nvSpPr>
+          <p:cNvPr id="5" name="TextBox 4">
+            <a:extLst>
+              <a:ext uri="{FF2B5EF4-FFF2-40B4-BE49-F238E27FC236}">
+                <a16:creationId xmlns:a16="http://schemas.microsoft.com/office/drawing/2014/main" id="{D36AA3A6-C4C0-5D41-A174-414063B8F4D8}"/>
+              </a:ext>
+            </a:extLst>
+          </p:cNvPr>
+          <p:cNvSpPr txBox="1"/>
+          <p:nvPr/>
+        </p:nvSpPr>
+        <p:spPr>
+          <a:xfrm>
+            <a:off x="1174267" y="394792"/>
+            <a:ext cx="4334841" cy="523220"/>
+          </a:xfrm>
+          <a:prstGeom prst="rect">
+            <a:avLst/>
+          </a:prstGeom>
+          <a:noFill/>
+        </p:spPr>
+        <p:txBody>
+          <a:bodyPr wrap="none" rtlCol="0">
+            <a:spAutoFit/>
+          </a:bodyPr>
+          <a:lstStyle/>
+          <a:p>
+            <a:r>
+              <a:rPr kumimoji="1" lang="ko-KR" altLang="en-US" sz="2800" b="1" dirty="0">
+                <a:latin typeface="NanumSquare ExtraBold" panose="020B0600000101010101" pitchFamily="34" charset="-127"/>
+                <a:ea typeface="NanumSquare ExtraBold" panose="020B0600000101010101" pitchFamily="34" charset="-127"/>
+              </a:rPr>
+              <a:t>기능</a:t>
+            </a:r>
+            <a:r>
+              <a:rPr kumimoji="1" lang="en-US" altLang="ko-KR" sz="2800" b="1" dirty="0">
+                <a:latin typeface="NanumSquare ExtraBold" panose="020B0600000101010101" pitchFamily="34" charset="-127"/>
+                <a:ea typeface="NanumSquare ExtraBold" panose="020B0600000101010101" pitchFamily="34" charset="-127"/>
+              </a:rPr>
+              <a:t>1</a:t>
+            </a:r>
+            <a:r>
+              <a:rPr kumimoji="1" lang="ko-KR" altLang="en-US" sz="2800" b="1" dirty="0">
+                <a:latin typeface="NanumSquare ExtraBold" panose="020B0600000101010101" pitchFamily="34" charset="-127"/>
+                <a:ea typeface="NanumSquare ExtraBold" panose="020B0600000101010101" pitchFamily="34" charset="-127"/>
+              </a:rPr>
+              <a:t> </a:t>
+            </a:r>
+            <a:r>
+              <a:rPr kumimoji="1" lang="en-US" altLang="ko-KR" sz="2800" b="1" dirty="0">
+                <a:latin typeface="NanumSquare ExtraBold" panose="020B0600000101010101" pitchFamily="34" charset="-127"/>
+                <a:ea typeface="NanumSquare ExtraBold" panose="020B0600000101010101" pitchFamily="34" charset="-127"/>
+              </a:rPr>
+              <a:t>:</a:t>
+            </a:r>
+            <a:r>
+              <a:rPr kumimoji="1" lang="ko-KR" altLang="en-US" sz="2800" b="1" dirty="0">
+                <a:latin typeface="NanumSquare ExtraBold" panose="020B0600000101010101" pitchFamily="34" charset="-127"/>
+                <a:ea typeface="NanumSquare ExtraBold" panose="020B0600000101010101" pitchFamily="34" charset="-127"/>
+              </a:rPr>
+              <a:t> 회원 </a:t>
+            </a:r>
+            <a:r>
+              <a:rPr kumimoji="1" lang="en-US" altLang="ko-KR" sz="2800" b="1" dirty="0">
+                <a:latin typeface="NanumSquare ExtraBold" panose="020B0600000101010101" pitchFamily="34" charset="-127"/>
+                <a:ea typeface="NanumSquare ExtraBold" panose="020B0600000101010101" pitchFamily="34" charset="-127"/>
+              </a:rPr>
+              <a:t>-</a:t>
+            </a:r>
+            <a:r>
+              <a:rPr kumimoji="1" lang="ko-KR" altLang="en-US" sz="2800" b="1" dirty="0">
+                <a:latin typeface="NanumSquare ExtraBold" panose="020B0600000101010101" pitchFamily="34" charset="-127"/>
+                <a:ea typeface="NanumSquare ExtraBold" panose="020B0600000101010101" pitchFamily="34" charset="-127"/>
+              </a:rPr>
+              <a:t> 회원정보수정</a:t>
+            </a:r>
+          </a:p>
+        </p:txBody>
+      </p:sp>
+      <p:pic>
+        <p:nvPicPr>
+          <p:cNvPr id="6" name="그래픽 5">
+            <a:extLst>
+              <a:ext uri="{FF2B5EF4-FFF2-40B4-BE49-F238E27FC236}">
+                <a16:creationId xmlns:a16="http://schemas.microsoft.com/office/drawing/2014/main" id="{26DD6935-7440-A24F-A320-07CE2AD3242A}"/>
+              </a:ext>
+            </a:extLst>
+          </p:cNvPr>
+          <p:cNvPicPr>
+            <a:picLocks noChangeAspect="1"/>
+          </p:cNvPicPr>
+          <p:nvPr/>
+        </p:nvPicPr>
+        <p:blipFill>
+          <a:blip r:embed="rId2">
+            <a:extLst>
+              <a:ext uri="{96DAC541-7B7A-43D3-8B79-37D633B846F1}">
+                <asvg:svgBlip xmlns:asvg="http://schemas.microsoft.com/office/drawing/2016/SVG/main" r:embed="rId3"/>
+              </a:ext>
+            </a:extLst>
+          </a:blip>
+          <a:stretch>
+            <a:fillRect/>
+          </a:stretch>
+        </p:blipFill>
+        <p:spPr>
+          <a:xfrm>
+            <a:off x="533962" y="329047"/>
+            <a:ext cx="512618" cy="588965"/>
+          </a:xfrm>
+          <a:prstGeom prst="rect">
+            <a:avLst/>
+          </a:prstGeom>
+        </p:spPr>
+      </p:pic>
+      <p:pic>
+        <p:nvPicPr>
+          <p:cNvPr id="3" name="그림 2">
+            <a:extLst>
+              <a:ext uri="{FF2B5EF4-FFF2-40B4-BE49-F238E27FC236}">
+                <a16:creationId xmlns:a16="http://schemas.microsoft.com/office/drawing/2014/main" id="{2AF03F82-3C23-B443-A725-7C8B475257D9}"/>
+              </a:ext>
+            </a:extLst>
+          </p:cNvPr>
+          <p:cNvPicPr>
+            <a:picLocks noChangeAspect="1"/>
+          </p:cNvPicPr>
+          <p:nvPr/>
+        </p:nvPicPr>
+        <p:blipFill>
+          <a:blip r:embed="rId4"/>
+          <a:stretch>
+            <a:fillRect/>
+          </a:stretch>
+        </p:blipFill>
+        <p:spPr>
+          <a:xfrm>
+            <a:off x="-572288" y="394792"/>
+            <a:ext cx="9036424" cy="6858000"/>
+          </a:xfrm>
+          <a:prstGeom prst="rect">
+            <a:avLst/>
+          </a:prstGeom>
+        </p:spPr>
+      </p:pic>
+      <p:pic>
+        <p:nvPicPr>
+          <p:cNvPr id="7" name="그림 6">
+            <a:extLst>
+              <a:ext uri="{FF2B5EF4-FFF2-40B4-BE49-F238E27FC236}">
+                <a16:creationId xmlns:a16="http://schemas.microsoft.com/office/drawing/2014/main" id="{93B07504-1825-374D-802C-6EB0398EA4CE}"/>
+              </a:ext>
+            </a:extLst>
+          </p:cNvPr>
+          <p:cNvPicPr>
+            <a:picLocks noChangeAspect="1"/>
+          </p:cNvPicPr>
+          <p:nvPr/>
+        </p:nvPicPr>
+        <p:blipFill>
+          <a:blip r:embed="rId5"/>
+          <a:stretch>
+            <a:fillRect/>
+          </a:stretch>
+        </p:blipFill>
+        <p:spPr>
+          <a:xfrm>
+            <a:off x="3431303" y="460537"/>
+            <a:ext cx="9036424" cy="6858000"/>
+          </a:xfrm>
+          <a:prstGeom prst="rect">
+            <a:avLst/>
+          </a:prstGeom>
+        </p:spPr>
+      </p:pic>
+    </p:spTree>
+    <p:extLst>
+      <p:ext uri="{BB962C8B-B14F-4D97-AF65-F5344CB8AC3E}">
+        <p14:creationId xmlns:p14="http://schemas.microsoft.com/office/powerpoint/2010/main" val="2262393271"/>
+      </p:ext>
+    </p:extLst>
+  </p:cSld>
+  <p:clrMapOvr>
+    <a:masterClrMapping/>
+  </p:clrMapOvr>
+</p:sld>
+</file>
+
+<file path=ppt/slides/slide23.xml><?xml version="1.0" encoding="utf-8"?>
+<p:sld xmlns:a="http://schemas.openxmlformats.org/drawingml/2006/main" xmlns:r="http://schemas.openxmlformats.org/officeDocument/2006/relationships" xmlns:p="http://schemas.openxmlformats.org/presentationml/2006/main">
+  <p:cSld>
+    <p:spTree>
+      <p:nvGrpSpPr>
+        <p:cNvPr id="1" name=""/>
+        <p:cNvGrpSpPr/>
+        <p:nvPr/>
+      </p:nvGrpSpPr>
+      <p:grpSpPr>
+        <a:xfrm>
+          <a:off x="0" y="0"/>
+          <a:ext cx="0" cy="0"/>
+          <a:chOff x="0" y="0"/>
+          <a:chExt cx="0" cy="0"/>
+        </a:xfrm>
+      </p:grpSpPr>
+      <p:sp>
+        <p:nvSpPr>
+          <p:cNvPr id="3" name="TextBox 2">
+            <a:extLst>
+              <a:ext uri="{FF2B5EF4-FFF2-40B4-BE49-F238E27FC236}">
+                <a16:creationId xmlns:a16="http://schemas.microsoft.com/office/drawing/2014/main" id="{223306E3-8BA1-6C44-98DE-C37CB0672BE6}"/>
+              </a:ext>
+            </a:extLst>
+          </p:cNvPr>
+          <p:cNvSpPr txBox="1"/>
+          <p:nvPr/>
+        </p:nvSpPr>
+        <p:spPr>
+          <a:xfrm>
+            <a:off x="1260764" y="580375"/>
+            <a:ext cx="4493538" cy="584775"/>
+          </a:xfrm>
+          <a:prstGeom prst="rect">
+            <a:avLst/>
+          </a:prstGeom>
+          <a:noFill/>
+        </p:spPr>
+        <p:txBody>
+          <a:bodyPr wrap="none" rtlCol="0">
+            <a:spAutoFit/>
+          </a:bodyPr>
+          <a:lstStyle/>
+          <a:p>
+            <a:r>
+              <a:rPr kumimoji="1" lang="ko-KR" altLang="en-US" sz="3200" b="1" dirty="0">
+                <a:latin typeface="NanumSquare ExtraBold" panose="020B0600000101010101" pitchFamily="34" charset="-127"/>
+                <a:ea typeface="NanumSquare ExtraBold" panose="020B0600000101010101" pitchFamily="34" charset="-127"/>
+              </a:rPr>
+              <a:t>게시판</a:t>
+            </a:r>
+            <a:r>
+              <a:rPr kumimoji="1" lang="en-US" altLang="ko-KR" sz="3200" b="1" dirty="0">
+                <a:latin typeface="NanumSquare ExtraBold" panose="020B0600000101010101" pitchFamily="34" charset="-127"/>
+                <a:ea typeface="NanumSquare ExtraBold" panose="020B0600000101010101" pitchFamily="34" charset="-127"/>
+              </a:rPr>
+              <a:t>-</a:t>
+            </a:r>
+            <a:r>
+              <a:rPr kumimoji="1" lang="ko-KR" altLang="en-US" sz="3200" b="1" dirty="0" err="1">
+                <a:latin typeface="NanumSquare ExtraBold" panose="020B0600000101010101" pitchFamily="34" charset="-127"/>
+                <a:ea typeface="NanumSquare ExtraBold" panose="020B0600000101010101" pitchFamily="34" charset="-127"/>
+              </a:rPr>
+              <a:t>글작성</a:t>
+            </a:r>
+            <a:r>
+              <a:rPr kumimoji="1" lang="en-US" altLang="ko-KR" sz="3200" b="1" dirty="0">
+                <a:latin typeface="NanumSquare ExtraBold" panose="020B0600000101010101" pitchFamily="34" charset="-127"/>
+                <a:ea typeface="NanumSquare ExtraBold" panose="020B0600000101010101" pitchFamily="34" charset="-127"/>
+              </a:rPr>
+              <a:t>/</a:t>
+            </a:r>
+            <a:r>
+              <a:rPr kumimoji="1" lang="ko-KR" altLang="en-US" sz="3200" b="1" dirty="0">
+                <a:latin typeface="NanumSquare ExtraBold" panose="020B0600000101010101" pitchFamily="34" charset="-127"/>
+                <a:ea typeface="NanumSquare ExtraBold" panose="020B0600000101010101" pitchFamily="34" charset="-127"/>
+              </a:rPr>
+              <a:t>수정</a:t>
+            </a:r>
+            <a:r>
+              <a:rPr kumimoji="1" lang="en-US" altLang="ko-KR" sz="3200" b="1" dirty="0">
+                <a:latin typeface="NanumSquare ExtraBold" panose="020B0600000101010101" pitchFamily="34" charset="-127"/>
+                <a:ea typeface="NanumSquare ExtraBold" panose="020B0600000101010101" pitchFamily="34" charset="-127"/>
+              </a:rPr>
+              <a:t>/</a:t>
+            </a:r>
+            <a:r>
+              <a:rPr kumimoji="1" lang="ko-KR" altLang="en-US" sz="3200" b="1" dirty="0">
+                <a:latin typeface="NanumSquare ExtraBold" panose="020B0600000101010101" pitchFamily="34" charset="-127"/>
+                <a:ea typeface="NanumSquare ExtraBold" panose="020B0600000101010101" pitchFamily="34" charset="-127"/>
+              </a:rPr>
+              <a:t>삭제</a:t>
+            </a:r>
+          </a:p>
+        </p:txBody>
+      </p:sp>
+      <p:pic>
+        <p:nvPicPr>
+          <p:cNvPr id="4" name="그래픽 3">
+            <a:extLst>
+              <a:ext uri="{FF2B5EF4-FFF2-40B4-BE49-F238E27FC236}">
+                <a16:creationId xmlns:a16="http://schemas.microsoft.com/office/drawing/2014/main" id="{C5960D75-DB25-D440-877E-112711B7A380}"/>
+              </a:ext>
+            </a:extLst>
+          </p:cNvPr>
+          <p:cNvPicPr>
+            <a:picLocks noChangeAspect="1"/>
+          </p:cNvPicPr>
+          <p:nvPr/>
+        </p:nvPicPr>
+        <p:blipFill>
+          <a:blip r:embed="rId2">
+            <a:extLst>
+              <a:ext uri="{96DAC541-7B7A-43D3-8B79-37D633B846F1}">
+                <asvg:svgBlip xmlns:asvg="http://schemas.microsoft.com/office/drawing/2016/SVG/main" r:embed="rId3"/>
+              </a:ext>
+            </a:extLst>
+          </a:blip>
+          <a:stretch>
+            <a:fillRect/>
+          </a:stretch>
+        </p:blipFill>
+        <p:spPr>
+          <a:xfrm>
+            <a:off x="595746" y="576185"/>
+            <a:ext cx="512618" cy="588965"/>
+          </a:xfrm>
+          <a:prstGeom prst="rect">
+            <a:avLst/>
+          </a:prstGeom>
+        </p:spPr>
+      </p:pic>
+      <p:pic>
+        <p:nvPicPr>
+          <p:cNvPr id="5" name="그림 4">
+            <a:extLst>
+              <a:ext uri="{FF2B5EF4-FFF2-40B4-BE49-F238E27FC236}">
+                <a16:creationId xmlns:a16="http://schemas.microsoft.com/office/drawing/2014/main" id="{F6E90918-D98D-DD41-AD5E-547F1A9016B1}"/>
+              </a:ext>
+            </a:extLst>
+          </p:cNvPr>
+          <p:cNvPicPr>
+            <a:picLocks noChangeAspect="1"/>
+          </p:cNvPicPr>
+          <p:nvPr/>
+        </p:nvPicPr>
+        <p:blipFill>
+          <a:blip r:embed="rId4"/>
+          <a:stretch>
+            <a:fillRect/>
+          </a:stretch>
+        </p:blipFill>
+        <p:spPr>
+          <a:xfrm>
+            <a:off x="-844138" y="576185"/>
+            <a:ext cx="9036424" cy="6858000"/>
+          </a:xfrm>
+          <a:prstGeom prst="rect">
+            <a:avLst/>
+          </a:prstGeom>
+        </p:spPr>
+      </p:pic>
+      <p:pic>
+        <p:nvPicPr>
+          <p:cNvPr id="6" name="그림 5" descr="테이블이(가) 표시된 사진&#10;&#10;자동 생성된 설명">
+            <a:extLst>
+              <a:ext uri="{FF2B5EF4-FFF2-40B4-BE49-F238E27FC236}">
+                <a16:creationId xmlns:a16="http://schemas.microsoft.com/office/drawing/2014/main" id="{09825BB3-7F9B-1645-B289-347D79D4834C}"/>
+              </a:ext>
+            </a:extLst>
+          </p:cNvPr>
+          <p:cNvPicPr>
+            <a:picLocks noChangeAspect="1"/>
+          </p:cNvPicPr>
+          <p:nvPr/>
+        </p:nvPicPr>
+        <p:blipFill>
+          <a:blip r:embed="rId5"/>
+          <a:stretch>
+            <a:fillRect/>
+          </a:stretch>
+        </p:blipFill>
+        <p:spPr>
+          <a:xfrm>
+            <a:off x="3958280" y="420130"/>
+            <a:ext cx="9036424" cy="6858000"/>
+          </a:xfrm>
+          <a:prstGeom prst="rect">
+            <a:avLst/>
+          </a:prstGeom>
+        </p:spPr>
+      </p:pic>
+    </p:spTree>
+    <p:extLst>
+      <p:ext uri="{BB962C8B-B14F-4D97-AF65-F5344CB8AC3E}">
+        <p14:creationId xmlns:p14="http://schemas.microsoft.com/office/powerpoint/2010/main" val="2105153042"/>
+      </p:ext>
+    </p:extLst>
+  </p:cSld>
+  <p:clrMapOvr>
+    <a:masterClrMapping/>
+  </p:clrMapOvr>
+</p:sld>
+</file>
+
+<file path=ppt/slides/slide24.xml><?xml version="1.0" encoding="utf-8"?>
+<p:sld xmlns:a="http://schemas.openxmlformats.org/drawingml/2006/main" xmlns:r="http://schemas.openxmlformats.org/officeDocument/2006/relationships" xmlns:p="http://schemas.openxmlformats.org/presentationml/2006/main">
+  <p:cSld>
+    <p:spTree>
+      <p:nvGrpSpPr>
+        <p:cNvPr id="1" name=""/>
+        <p:cNvGrpSpPr/>
+        <p:nvPr/>
+      </p:nvGrpSpPr>
+      <p:grpSpPr>
+        <a:xfrm>
+          <a:off x="0" y="0"/>
+          <a:ext cx="0" cy="0"/>
+          <a:chOff x="0" y="0"/>
+          <a:chExt cx="0" cy="0"/>
+        </a:xfrm>
+      </p:grpSpPr>
+      <p:pic>
+        <p:nvPicPr>
+          <p:cNvPr id="5" name="그림 4">
+            <a:extLst>
+              <a:ext uri="{FF2B5EF4-FFF2-40B4-BE49-F238E27FC236}">
+                <a16:creationId xmlns:a16="http://schemas.microsoft.com/office/drawing/2014/main" id="{5C624C29-DD5B-B044-8A1B-C59772983B8D}"/>
+              </a:ext>
+            </a:extLst>
+          </p:cNvPr>
+          <p:cNvPicPr>
+            <a:picLocks noChangeAspect="1"/>
+          </p:cNvPicPr>
+          <p:nvPr/>
+        </p:nvPicPr>
+        <p:blipFill>
+          <a:blip r:embed="rId2"/>
+          <a:stretch>
+            <a:fillRect/>
+          </a:stretch>
+        </p:blipFill>
+        <p:spPr>
+          <a:xfrm>
+            <a:off x="-429170" y="576185"/>
+            <a:ext cx="9036424" cy="6858000"/>
+          </a:xfrm>
+          <a:prstGeom prst="rect">
+            <a:avLst/>
+          </a:prstGeom>
+        </p:spPr>
+      </p:pic>
+      <p:sp>
+        <p:nvSpPr>
+          <p:cNvPr id="3" name="TextBox 2">
+            <a:extLst>
+              <a:ext uri="{FF2B5EF4-FFF2-40B4-BE49-F238E27FC236}">
+                <a16:creationId xmlns:a16="http://schemas.microsoft.com/office/drawing/2014/main" id="{223306E3-8BA1-6C44-98DE-C37CB0672BE6}"/>
+              </a:ext>
+            </a:extLst>
+          </p:cNvPr>
+          <p:cNvSpPr txBox="1"/>
+          <p:nvPr/>
+        </p:nvSpPr>
+        <p:spPr>
+          <a:xfrm>
+            <a:off x="1260764" y="580375"/>
+            <a:ext cx="3174267" cy="584775"/>
+          </a:xfrm>
+          <a:prstGeom prst="rect">
+            <a:avLst/>
+          </a:prstGeom>
+          <a:noFill/>
+        </p:spPr>
+        <p:txBody>
+          <a:bodyPr wrap="none" rtlCol="0">
+            <a:spAutoFit/>
+          </a:bodyPr>
+          <a:lstStyle/>
+          <a:p>
+            <a:r>
+              <a:rPr kumimoji="1" lang="ko-KR" altLang="en-US" sz="3200" b="1" dirty="0">
+                <a:latin typeface="NanumSquare ExtraBold" panose="020B0600000101010101" pitchFamily="34" charset="-127"/>
+                <a:ea typeface="NanumSquare ExtraBold" panose="020B0600000101010101" pitchFamily="34" charset="-127"/>
+              </a:rPr>
+              <a:t>게시판</a:t>
+            </a:r>
+            <a:r>
+              <a:rPr kumimoji="1" lang="en-US" altLang="ko-KR" sz="3200" b="1" dirty="0">
+                <a:latin typeface="NanumSquare ExtraBold" panose="020B0600000101010101" pitchFamily="34" charset="-127"/>
+                <a:ea typeface="NanumSquare ExtraBold" panose="020B0600000101010101" pitchFamily="34" charset="-127"/>
+              </a:rPr>
+              <a:t>-</a:t>
+            </a:r>
+            <a:r>
+              <a:rPr kumimoji="1" lang="ko-KR" altLang="en-US" sz="3200" b="1" dirty="0">
+                <a:latin typeface="NanumSquare ExtraBold" panose="020B0600000101010101" pitchFamily="34" charset="-127"/>
+                <a:ea typeface="NanumSquare ExtraBold" panose="020B0600000101010101" pitchFamily="34" charset="-127"/>
+              </a:rPr>
+              <a:t>조회</a:t>
+            </a:r>
+            <a:r>
+              <a:rPr kumimoji="1" lang="en-US" altLang="ko-KR" sz="3200" b="1" dirty="0">
+                <a:latin typeface="NanumSquare ExtraBold" panose="020B0600000101010101" pitchFamily="34" charset="-127"/>
+                <a:ea typeface="NanumSquare ExtraBold" panose="020B0600000101010101" pitchFamily="34" charset="-127"/>
+              </a:rPr>
+              <a:t>/</a:t>
+            </a:r>
+            <a:r>
+              <a:rPr kumimoji="1" lang="ko-KR" altLang="en-US" sz="3200" b="1" dirty="0">
+                <a:latin typeface="NanumSquare ExtraBold" panose="020B0600000101010101" pitchFamily="34" charset="-127"/>
+                <a:ea typeface="NanumSquare ExtraBold" panose="020B0600000101010101" pitchFamily="34" charset="-127"/>
+              </a:rPr>
+              <a:t>수정</a:t>
+            </a:r>
+          </a:p>
+        </p:txBody>
+      </p:sp>
+      <p:pic>
+        <p:nvPicPr>
+          <p:cNvPr id="4" name="그래픽 3">
+            <a:extLst>
+              <a:ext uri="{FF2B5EF4-FFF2-40B4-BE49-F238E27FC236}">
+                <a16:creationId xmlns:a16="http://schemas.microsoft.com/office/drawing/2014/main" id="{C5960D75-DB25-D440-877E-112711B7A380}"/>
+              </a:ext>
+            </a:extLst>
+          </p:cNvPr>
+          <p:cNvPicPr>
+            <a:picLocks noChangeAspect="1"/>
+          </p:cNvPicPr>
+          <p:nvPr/>
+        </p:nvPicPr>
+        <p:blipFill>
+          <a:blip r:embed="rId3">
+            <a:extLst>
+              <a:ext uri="{96DAC541-7B7A-43D3-8B79-37D633B846F1}">
+                <asvg:svgBlip xmlns:asvg="http://schemas.microsoft.com/office/drawing/2016/SVG/main" r:embed="rId4"/>
+              </a:ext>
+            </a:extLst>
+          </a:blip>
+          <a:stretch>
+            <a:fillRect/>
+          </a:stretch>
+        </p:blipFill>
+        <p:spPr>
+          <a:xfrm>
+            <a:off x="595746" y="576185"/>
+            <a:ext cx="512618" cy="588965"/>
+          </a:xfrm>
+          <a:prstGeom prst="rect">
+            <a:avLst/>
+          </a:prstGeom>
+        </p:spPr>
+      </p:pic>
+      <p:pic>
+        <p:nvPicPr>
+          <p:cNvPr id="6" name="그림 5">
+            <a:extLst>
+              <a:ext uri="{FF2B5EF4-FFF2-40B4-BE49-F238E27FC236}">
+                <a16:creationId xmlns:a16="http://schemas.microsoft.com/office/drawing/2014/main" id="{FF0D6428-F881-384D-BC0D-46E538E35DFA}"/>
+              </a:ext>
+            </a:extLst>
+          </p:cNvPr>
+          <p:cNvPicPr>
+            <a:picLocks noChangeAspect="1"/>
+          </p:cNvPicPr>
+          <p:nvPr/>
+        </p:nvPicPr>
+        <p:blipFill>
+          <a:blip r:embed="rId5"/>
+          <a:stretch>
+            <a:fillRect/>
+          </a:stretch>
+        </p:blipFill>
+        <p:spPr>
+          <a:xfrm>
+            <a:off x="3542513" y="434083"/>
+            <a:ext cx="9036424" cy="6858000"/>
+          </a:xfrm>
+          <a:prstGeom prst="rect">
+            <a:avLst/>
+          </a:prstGeom>
+        </p:spPr>
+      </p:pic>
+    </p:spTree>
+    <p:extLst>
+      <p:ext uri="{BB962C8B-B14F-4D97-AF65-F5344CB8AC3E}">
+        <p14:creationId xmlns:p14="http://schemas.microsoft.com/office/powerpoint/2010/main" val="427173976"/>
+      </p:ext>
+    </p:extLst>
+  </p:cSld>
+  <p:clrMapOvr>
+    <a:masterClrMapping/>
+  </p:clrMapOvr>
+</p:sld>
+</file>
+
+<file path=ppt/slides/slide25.xml><?xml version="1.0" encoding="utf-8"?>
+<p:sld xmlns:a="http://schemas.openxmlformats.org/drawingml/2006/main" xmlns:r="http://schemas.openxmlformats.org/officeDocument/2006/relationships" xmlns:p="http://schemas.openxmlformats.org/presentationml/2006/main">
+  <p:cSld>
+    <p:spTree>
+      <p:nvGrpSpPr>
+        <p:cNvPr id="1" name=""/>
+        <p:cNvGrpSpPr/>
+        <p:nvPr/>
+      </p:nvGrpSpPr>
+      <p:grpSpPr>
+        <a:xfrm>
+          <a:off x="0" y="0"/>
+          <a:ext cx="0" cy="0"/>
+          <a:chOff x="0" y="0"/>
+          <a:chExt cx="0" cy="0"/>
+        </a:xfrm>
+      </p:grpSpPr>
+      <p:sp>
+        <p:nvSpPr>
+          <p:cNvPr id="3" name="TextBox 2">
+            <a:extLst>
+              <a:ext uri="{FF2B5EF4-FFF2-40B4-BE49-F238E27FC236}">
+                <a16:creationId xmlns:a16="http://schemas.microsoft.com/office/drawing/2014/main" id="{223306E3-8BA1-6C44-98DE-C37CB0672BE6}"/>
+              </a:ext>
+            </a:extLst>
+          </p:cNvPr>
+          <p:cNvSpPr txBox="1"/>
+          <p:nvPr/>
+        </p:nvSpPr>
+        <p:spPr>
+          <a:xfrm>
+            <a:off x="1260764" y="580375"/>
+            <a:ext cx="3174267" cy="584775"/>
+          </a:xfrm>
+          <a:prstGeom prst="rect">
+            <a:avLst/>
+          </a:prstGeom>
+          <a:noFill/>
+        </p:spPr>
+        <p:txBody>
+          <a:bodyPr wrap="none" rtlCol="0">
+            <a:spAutoFit/>
+          </a:bodyPr>
+          <a:lstStyle/>
+          <a:p>
+            <a:r>
+              <a:rPr kumimoji="1" lang="ko-KR" altLang="en-US" sz="3200" b="1" dirty="0">
+                <a:latin typeface="NanumSquare ExtraBold" panose="020B0600000101010101" pitchFamily="34" charset="-127"/>
+                <a:ea typeface="NanumSquare ExtraBold" panose="020B0600000101010101" pitchFamily="34" charset="-127"/>
+              </a:rPr>
+              <a:t>게시판</a:t>
+            </a:r>
+            <a:r>
+              <a:rPr kumimoji="1" lang="en-US" altLang="ko-KR" sz="3200" b="1" dirty="0">
+                <a:latin typeface="NanumSquare ExtraBold" panose="020B0600000101010101" pitchFamily="34" charset="-127"/>
+                <a:ea typeface="NanumSquare ExtraBold" panose="020B0600000101010101" pitchFamily="34" charset="-127"/>
+              </a:rPr>
+              <a:t>-</a:t>
+            </a:r>
+            <a:r>
+              <a:rPr kumimoji="1" lang="ko-KR" altLang="en-US" sz="3200" b="1" dirty="0">
+                <a:latin typeface="NanumSquare ExtraBold" panose="020B0600000101010101" pitchFamily="34" charset="-127"/>
+                <a:ea typeface="NanumSquare ExtraBold" panose="020B0600000101010101" pitchFamily="34" charset="-127"/>
+              </a:rPr>
+              <a:t>검색</a:t>
+            </a:r>
+            <a:r>
+              <a:rPr kumimoji="1" lang="en-US" altLang="ko-KR" sz="3200" b="1" dirty="0">
+                <a:latin typeface="NanumSquare ExtraBold" panose="020B0600000101010101" pitchFamily="34" charset="-127"/>
+                <a:ea typeface="NanumSquare ExtraBold" panose="020B0600000101010101" pitchFamily="34" charset="-127"/>
+              </a:rPr>
+              <a:t>/</a:t>
+            </a:r>
+            <a:r>
+              <a:rPr kumimoji="1" lang="ko-KR" altLang="en-US" sz="3200" b="1" dirty="0">
+                <a:latin typeface="NanumSquare ExtraBold" panose="020B0600000101010101" pitchFamily="34" charset="-127"/>
+                <a:ea typeface="NanumSquare ExtraBold" panose="020B0600000101010101" pitchFamily="34" charset="-127"/>
+              </a:rPr>
+              <a:t>기능</a:t>
+            </a:r>
+          </a:p>
+        </p:txBody>
+      </p:sp>
+      <p:pic>
+        <p:nvPicPr>
+          <p:cNvPr id="4" name="그래픽 3">
+            <a:extLst>
+              <a:ext uri="{FF2B5EF4-FFF2-40B4-BE49-F238E27FC236}">
+                <a16:creationId xmlns:a16="http://schemas.microsoft.com/office/drawing/2014/main" id="{C5960D75-DB25-D440-877E-112711B7A380}"/>
+              </a:ext>
+            </a:extLst>
+          </p:cNvPr>
+          <p:cNvPicPr>
+            <a:picLocks noChangeAspect="1"/>
+          </p:cNvPicPr>
+          <p:nvPr/>
+        </p:nvPicPr>
+        <p:blipFill>
+          <a:blip r:embed="rId2">
+            <a:extLst>
+              <a:ext uri="{96DAC541-7B7A-43D3-8B79-37D633B846F1}">
+                <asvg:svgBlip xmlns:asvg="http://schemas.microsoft.com/office/drawing/2016/SVG/main" r:embed="rId3"/>
+              </a:ext>
+            </a:extLst>
+          </a:blip>
+          <a:stretch>
+            <a:fillRect/>
+          </a:stretch>
+        </p:blipFill>
+        <p:spPr>
+          <a:xfrm>
+            <a:off x="595746" y="576185"/>
+            <a:ext cx="512618" cy="588965"/>
+          </a:xfrm>
+          <a:prstGeom prst="rect">
+            <a:avLst/>
+          </a:prstGeom>
+        </p:spPr>
+      </p:pic>
+      <p:pic>
+        <p:nvPicPr>
+          <p:cNvPr id="7" name="그림 6">
+            <a:extLst>
+              <a:ext uri="{FF2B5EF4-FFF2-40B4-BE49-F238E27FC236}">
+                <a16:creationId xmlns:a16="http://schemas.microsoft.com/office/drawing/2014/main" id="{A3F9AD35-3330-4E4C-9A7E-065D765EE078}"/>
+              </a:ext>
+            </a:extLst>
+          </p:cNvPr>
+          <p:cNvPicPr>
+            <a:picLocks noChangeAspect="1"/>
+          </p:cNvPicPr>
+          <p:nvPr/>
+        </p:nvPicPr>
+        <p:blipFill>
+          <a:blip r:embed="rId4"/>
+          <a:stretch>
+            <a:fillRect/>
+          </a:stretch>
+        </p:blipFill>
+        <p:spPr>
+          <a:xfrm>
+            <a:off x="-436364" y="457200"/>
+            <a:ext cx="9036424" cy="6858000"/>
+          </a:xfrm>
+          <a:prstGeom prst="rect">
+            <a:avLst/>
+          </a:prstGeom>
+        </p:spPr>
+      </p:pic>
+      <p:pic>
+        <p:nvPicPr>
+          <p:cNvPr id="9" name="그림 8">
+            <a:extLst>
+              <a:ext uri="{FF2B5EF4-FFF2-40B4-BE49-F238E27FC236}">
+                <a16:creationId xmlns:a16="http://schemas.microsoft.com/office/drawing/2014/main" id="{B8F11888-B5B9-694A-ACB6-5A600BD97B60}"/>
+              </a:ext>
+            </a:extLst>
+          </p:cNvPr>
+          <p:cNvPicPr>
+            <a:picLocks noChangeAspect="1"/>
+          </p:cNvPicPr>
+          <p:nvPr/>
+        </p:nvPicPr>
+        <p:blipFill>
+          <a:blip r:embed="rId5"/>
+          <a:stretch>
+            <a:fillRect/>
+          </a:stretch>
+        </p:blipFill>
+        <p:spPr>
+          <a:xfrm>
+            <a:off x="4081848" y="870667"/>
+            <a:ext cx="9036424" cy="6858000"/>
+          </a:xfrm>
+          <a:prstGeom prst="rect">
+            <a:avLst/>
+          </a:prstGeom>
+        </p:spPr>
+      </p:pic>
+    </p:spTree>
+    <p:extLst>
+      <p:ext uri="{BB962C8B-B14F-4D97-AF65-F5344CB8AC3E}">
+        <p14:creationId xmlns:p14="http://schemas.microsoft.com/office/powerpoint/2010/main" val="729516965"/>
+      </p:ext>
+    </p:extLst>
+  </p:cSld>
+  <p:clrMapOvr>
+    <a:masterClrMapping/>
+  </p:clrMapOvr>
+</p:sld>
+</file>
+
+<file path=ppt/slides/slide26.xml><?xml version="1.0" encoding="utf-8"?>
+<p:sld xmlns:a="http://schemas.openxmlformats.org/drawingml/2006/main" xmlns:r="http://schemas.openxmlformats.org/officeDocument/2006/relationships" xmlns:p="http://schemas.openxmlformats.org/presentationml/2006/main">
+  <p:cSld>
+    <p:spTree>
+      <p:nvGrpSpPr>
+        <p:cNvPr id="1" name=""/>
+        <p:cNvGrpSpPr/>
+        <p:nvPr/>
+      </p:nvGrpSpPr>
+      <p:grpSpPr>
+        <a:xfrm>
+          <a:off x="0" y="0"/>
+          <a:ext cx="0" cy="0"/>
+          <a:chOff x="0" y="0"/>
+          <a:chExt cx="0" cy="0"/>
+        </a:xfrm>
+      </p:grpSpPr>
+      <p:sp>
+        <p:nvSpPr>
+          <p:cNvPr id="3" name="TextBox 2">
+            <a:extLst>
+              <a:ext uri="{FF2B5EF4-FFF2-40B4-BE49-F238E27FC236}">
+                <a16:creationId xmlns:a16="http://schemas.microsoft.com/office/drawing/2014/main" id="{223306E3-8BA1-6C44-98DE-C37CB0672BE6}"/>
+              </a:ext>
+            </a:extLst>
+          </p:cNvPr>
+          <p:cNvSpPr txBox="1"/>
+          <p:nvPr/>
+        </p:nvSpPr>
+        <p:spPr>
+          <a:xfrm>
+            <a:off x="1260764" y="580375"/>
+            <a:ext cx="2704587" cy="584775"/>
+          </a:xfrm>
+          <a:prstGeom prst="rect">
+            <a:avLst/>
+          </a:prstGeom>
+          <a:noFill/>
+        </p:spPr>
+        <p:txBody>
+          <a:bodyPr wrap="none" rtlCol="0">
+            <a:spAutoFit/>
+          </a:bodyPr>
+          <a:lstStyle/>
+          <a:p>
+            <a:r>
+              <a:rPr kumimoji="1" lang="ko-KR" altLang="en-US" sz="3200" b="1" dirty="0">
+                <a:latin typeface="NanumSquare ExtraBold" panose="020B0600000101010101" pitchFamily="34" charset="-127"/>
+                <a:ea typeface="NanumSquare ExtraBold" panose="020B0600000101010101" pitchFamily="34" charset="-127"/>
+              </a:rPr>
+              <a:t>뉴스</a:t>
+            </a:r>
+            <a:r>
+              <a:rPr kumimoji="1" lang="en-US" altLang="ko-KR" sz="3200" b="1" dirty="0">
+                <a:latin typeface="NanumSquare ExtraBold" panose="020B0600000101010101" pitchFamily="34" charset="-127"/>
+                <a:ea typeface="NanumSquare ExtraBold" panose="020B0600000101010101" pitchFamily="34" charset="-127"/>
+              </a:rPr>
+              <a:t>-</a:t>
+            </a:r>
+            <a:r>
+              <a:rPr kumimoji="1" lang="ko-KR" altLang="en-US" sz="3200" b="1" dirty="0">
+                <a:latin typeface="NanumSquare ExtraBold" panose="020B0600000101010101" pitchFamily="34" charset="-127"/>
+                <a:ea typeface="NanumSquare ExtraBold" panose="020B0600000101010101" pitchFamily="34" charset="-127"/>
+              </a:rPr>
+              <a:t>뉴스 정보</a:t>
+            </a:r>
+          </a:p>
+        </p:txBody>
+      </p:sp>
+      <p:pic>
+        <p:nvPicPr>
+          <p:cNvPr id="4" name="그래픽 3">
+            <a:extLst>
+              <a:ext uri="{FF2B5EF4-FFF2-40B4-BE49-F238E27FC236}">
+                <a16:creationId xmlns:a16="http://schemas.microsoft.com/office/drawing/2014/main" id="{C5960D75-DB25-D440-877E-112711B7A380}"/>
+              </a:ext>
+            </a:extLst>
+          </p:cNvPr>
+          <p:cNvPicPr>
+            <a:picLocks noChangeAspect="1"/>
+          </p:cNvPicPr>
+          <p:nvPr/>
+        </p:nvPicPr>
+        <p:blipFill>
+          <a:blip r:embed="rId2">
+            <a:extLst>
+              <a:ext uri="{96DAC541-7B7A-43D3-8B79-37D633B846F1}">
+                <asvg:svgBlip xmlns:asvg="http://schemas.microsoft.com/office/drawing/2016/SVG/main" r:embed="rId3"/>
+              </a:ext>
+            </a:extLst>
+          </a:blip>
+          <a:stretch>
+            <a:fillRect/>
+          </a:stretch>
+        </p:blipFill>
+        <p:spPr>
+          <a:xfrm>
+            <a:off x="595746" y="576185"/>
+            <a:ext cx="512618" cy="588965"/>
+          </a:xfrm>
+          <a:prstGeom prst="rect">
+            <a:avLst/>
+          </a:prstGeom>
+        </p:spPr>
+      </p:pic>
+      <p:pic>
+        <p:nvPicPr>
+          <p:cNvPr id="5" name="그림 4">
+            <a:extLst>
+              <a:ext uri="{FF2B5EF4-FFF2-40B4-BE49-F238E27FC236}">
+                <a16:creationId xmlns:a16="http://schemas.microsoft.com/office/drawing/2014/main" id="{7E8CA76D-EE4C-2246-9765-0E87E4EF1CC5}"/>
+              </a:ext>
+            </a:extLst>
+          </p:cNvPr>
+          <p:cNvPicPr>
+            <a:picLocks noChangeAspect="1"/>
+          </p:cNvPicPr>
+          <p:nvPr/>
+        </p:nvPicPr>
+        <p:blipFill>
+          <a:blip r:embed="rId4"/>
+          <a:stretch>
+            <a:fillRect/>
+          </a:stretch>
+        </p:blipFill>
+        <p:spPr>
+          <a:xfrm>
+            <a:off x="-552861" y="576185"/>
+            <a:ext cx="9036424" cy="6858000"/>
+          </a:xfrm>
+          <a:prstGeom prst="rect">
+            <a:avLst/>
+          </a:prstGeom>
+        </p:spPr>
+      </p:pic>
+    </p:spTree>
+    <p:extLst>
+      <p:ext uri="{BB962C8B-B14F-4D97-AF65-F5344CB8AC3E}">
+        <p14:creationId xmlns:p14="http://schemas.microsoft.com/office/powerpoint/2010/main" val="1059654720"/>
+      </p:ext>
+    </p:extLst>
+  </p:cSld>
+  <p:clrMapOvr>
+    <a:masterClrMapping/>
+  </p:clrMapOvr>
+</p:sld>
+</file>
+
+<file path=ppt/slides/slide27.xml><?xml version="1.0" encoding="utf-8"?>
+<p:sld xmlns:a="http://schemas.openxmlformats.org/drawingml/2006/main" xmlns:r="http://schemas.openxmlformats.org/officeDocument/2006/relationships" xmlns:p="http://schemas.openxmlformats.org/presentationml/2006/main">
+  <p:cSld>
+    <p:spTree>
+      <p:nvGrpSpPr>
+        <p:cNvPr id="1" name=""/>
+        <p:cNvGrpSpPr/>
+        <p:nvPr/>
+      </p:nvGrpSpPr>
+      <p:grpSpPr>
+        <a:xfrm>
+          <a:off x="0" y="0"/>
+          <a:ext cx="0" cy="0"/>
+          <a:chOff x="0" y="0"/>
+          <a:chExt cx="0" cy="0"/>
+        </a:xfrm>
+      </p:grpSpPr>
+      <p:sp>
+        <p:nvSpPr>
+          <p:cNvPr id="3" name="TextBox 2">
+            <a:extLst>
+              <a:ext uri="{FF2B5EF4-FFF2-40B4-BE49-F238E27FC236}">
+                <a16:creationId xmlns:a16="http://schemas.microsoft.com/office/drawing/2014/main" id="{223306E3-8BA1-6C44-98DE-C37CB0672BE6}"/>
+              </a:ext>
+            </a:extLst>
+          </p:cNvPr>
+          <p:cNvSpPr txBox="1"/>
+          <p:nvPr/>
+        </p:nvSpPr>
+        <p:spPr>
+          <a:xfrm>
+            <a:off x="1260764" y="580375"/>
+            <a:ext cx="1854995" cy="584775"/>
+          </a:xfrm>
+          <a:prstGeom prst="rect">
+            <a:avLst/>
+          </a:prstGeom>
+          <a:noFill/>
+        </p:spPr>
+        <p:txBody>
+          <a:bodyPr wrap="none" rtlCol="0">
+            <a:spAutoFit/>
+          </a:bodyPr>
+          <a:lstStyle/>
+          <a:p>
+            <a:r>
+              <a:rPr kumimoji="1" lang="ko-KR" altLang="en-US" sz="3200" b="1" dirty="0">
+                <a:latin typeface="NanumSquare ExtraBold" panose="020B0600000101010101" pitchFamily="34" charset="-127"/>
+                <a:ea typeface="NanumSquare ExtraBold" panose="020B0600000101010101" pitchFamily="34" charset="-127"/>
+              </a:rPr>
+              <a:t>뉴스</a:t>
+            </a:r>
+            <a:r>
+              <a:rPr kumimoji="1" lang="en-US" altLang="ko-KR" sz="3200" b="1" dirty="0">
+                <a:latin typeface="NanumSquare ExtraBold" panose="020B0600000101010101" pitchFamily="34" charset="-127"/>
+                <a:ea typeface="NanumSquare ExtraBold" panose="020B0600000101010101" pitchFamily="34" charset="-127"/>
+              </a:rPr>
+              <a:t>-</a:t>
+            </a:r>
+            <a:r>
+              <a:rPr kumimoji="1" lang="ko-KR" altLang="en-US" sz="3200" b="1" dirty="0">
+                <a:latin typeface="NanumSquare ExtraBold" panose="020B0600000101010101" pitchFamily="34" charset="-127"/>
+                <a:ea typeface="NanumSquare ExtraBold" panose="020B0600000101010101" pitchFamily="34" charset="-127"/>
+              </a:rPr>
+              <a:t>뉴스</a:t>
+            </a:r>
+          </a:p>
+        </p:txBody>
+      </p:sp>
+      <p:pic>
+        <p:nvPicPr>
+          <p:cNvPr id="4" name="그래픽 3">
+            <a:extLst>
+              <a:ext uri="{FF2B5EF4-FFF2-40B4-BE49-F238E27FC236}">
+                <a16:creationId xmlns:a16="http://schemas.microsoft.com/office/drawing/2014/main" id="{C5960D75-DB25-D440-877E-112711B7A380}"/>
+              </a:ext>
+            </a:extLst>
+          </p:cNvPr>
+          <p:cNvPicPr>
+            <a:picLocks noChangeAspect="1"/>
+          </p:cNvPicPr>
+          <p:nvPr/>
+        </p:nvPicPr>
+        <p:blipFill>
+          <a:blip r:embed="rId2">
+            <a:extLst>
+              <a:ext uri="{96DAC541-7B7A-43D3-8B79-37D633B846F1}">
+                <asvg:svgBlip xmlns:asvg="http://schemas.microsoft.com/office/drawing/2016/SVG/main" r:embed="rId3"/>
+              </a:ext>
+            </a:extLst>
+          </a:blip>
+          <a:stretch>
+            <a:fillRect/>
+          </a:stretch>
+        </p:blipFill>
+        <p:spPr>
+          <a:xfrm>
+            <a:off x="595746" y="576185"/>
+            <a:ext cx="512618" cy="588965"/>
+          </a:xfrm>
+          <a:prstGeom prst="rect">
+            <a:avLst/>
+          </a:prstGeom>
+        </p:spPr>
+      </p:pic>
+      <p:pic>
+        <p:nvPicPr>
+          <p:cNvPr id="5" name="그림 4">
+            <a:extLst>
+              <a:ext uri="{FF2B5EF4-FFF2-40B4-BE49-F238E27FC236}">
+                <a16:creationId xmlns:a16="http://schemas.microsoft.com/office/drawing/2014/main" id="{99B1CC50-CF4A-D941-ADE8-EF116B6DDBAB}"/>
+              </a:ext>
+            </a:extLst>
+          </p:cNvPr>
+          <p:cNvPicPr>
+            <a:picLocks noChangeAspect="1"/>
+          </p:cNvPicPr>
+          <p:nvPr/>
+        </p:nvPicPr>
+        <p:blipFill>
+          <a:blip r:embed="rId4"/>
+          <a:stretch>
+            <a:fillRect/>
+          </a:stretch>
+        </p:blipFill>
+        <p:spPr>
+          <a:xfrm>
+            <a:off x="-263369" y="576185"/>
+            <a:ext cx="9036424" cy="6858000"/>
+          </a:xfrm>
+          <a:prstGeom prst="rect">
+            <a:avLst/>
+          </a:prstGeom>
+        </p:spPr>
+      </p:pic>
+    </p:spTree>
+    <p:extLst>
+      <p:ext uri="{BB962C8B-B14F-4D97-AF65-F5344CB8AC3E}">
+        <p14:creationId xmlns:p14="http://schemas.microsoft.com/office/powerpoint/2010/main" val="1589837858"/>
+      </p:ext>
+    </p:extLst>
+  </p:cSld>
+  <p:clrMapOvr>
+    <a:masterClrMapping/>
+  </p:clrMapOvr>
+</p:sld>
+</file>
+
+<file path=ppt/slides/slide28.xml><?xml version="1.0" encoding="utf-8"?>
+<p:sld xmlns:a="http://schemas.openxmlformats.org/drawingml/2006/main" xmlns:r="http://schemas.openxmlformats.org/officeDocument/2006/relationships" xmlns:p="http://schemas.openxmlformats.org/presentationml/2006/main">
+  <p:cSld>
+    <p:spTree>
+      <p:nvGrpSpPr>
+        <p:cNvPr id="1" name=""/>
+        <p:cNvGrpSpPr/>
+        <p:nvPr/>
+      </p:nvGrpSpPr>
+      <p:grpSpPr>
+        <a:xfrm>
+          <a:off x="0" y="0"/>
+          <a:ext cx="0" cy="0"/>
+          <a:chOff x="0" y="0"/>
+          <a:chExt cx="0" cy="0"/>
+        </a:xfrm>
+      </p:grpSpPr>
+      <p:sp>
+        <p:nvSpPr>
+          <p:cNvPr id="3" name="TextBox 2">
+            <a:extLst>
+              <a:ext uri="{FF2B5EF4-FFF2-40B4-BE49-F238E27FC236}">
+                <a16:creationId xmlns:a16="http://schemas.microsoft.com/office/drawing/2014/main" id="{223306E3-8BA1-6C44-98DE-C37CB0672BE6}"/>
+              </a:ext>
+            </a:extLst>
+          </p:cNvPr>
+          <p:cNvSpPr txBox="1"/>
+          <p:nvPr/>
+        </p:nvSpPr>
+        <p:spPr>
+          <a:xfrm>
+            <a:off x="1260764" y="580375"/>
+            <a:ext cx="3174267" cy="584775"/>
+          </a:xfrm>
+          <a:prstGeom prst="rect">
+            <a:avLst/>
+          </a:prstGeom>
+          <a:noFill/>
+        </p:spPr>
+        <p:txBody>
+          <a:bodyPr wrap="none" rtlCol="0">
+            <a:spAutoFit/>
+          </a:bodyPr>
+          <a:lstStyle/>
+          <a:p>
+            <a:r>
+              <a:rPr kumimoji="1" lang="ko-KR" altLang="en-US" sz="3200" b="1" dirty="0">
+                <a:latin typeface="NanumSquare ExtraBold" panose="020B0600000101010101" pitchFamily="34" charset="-127"/>
+                <a:ea typeface="NanumSquare ExtraBold" panose="020B0600000101010101" pitchFamily="34" charset="-127"/>
+              </a:rPr>
+              <a:t>게시판</a:t>
+            </a:r>
+            <a:r>
+              <a:rPr kumimoji="1" lang="en-US" altLang="ko-KR" sz="3200" b="1" dirty="0">
+                <a:latin typeface="NanumSquare ExtraBold" panose="020B0600000101010101" pitchFamily="34" charset="-127"/>
+                <a:ea typeface="NanumSquare ExtraBold" panose="020B0600000101010101" pitchFamily="34" charset="-127"/>
+              </a:rPr>
+              <a:t>-</a:t>
+            </a:r>
+            <a:r>
+              <a:rPr kumimoji="1" lang="ko-KR" altLang="en-US" sz="3200" b="1" dirty="0">
+                <a:latin typeface="NanumSquare ExtraBold" panose="020B0600000101010101" pitchFamily="34" charset="-127"/>
+                <a:ea typeface="NanumSquare ExtraBold" panose="020B0600000101010101" pitchFamily="34" charset="-127"/>
+              </a:rPr>
+              <a:t>검색</a:t>
+            </a:r>
+            <a:r>
+              <a:rPr kumimoji="1" lang="en-US" altLang="ko-KR" sz="3200" b="1" dirty="0">
+                <a:latin typeface="NanumSquare ExtraBold" panose="020B0600000101010101" pitchFamily="34" charset="-127"/>
+                <a:ea typeface="NanumSquare ExtraBold" panose="020B0600000101010101" pitchFamily="34" charset="-127"/>
+              </a:rPr>
+              <a:t>/</a:t>
+            </a:r>
+            <a:r>
+              <a:rPr kumimoji="1" lang="ko-KR" altLang="en-US" sz="3200" b="1" dirty="0">
+                <a:latin typeface="NanumSquare ExtraBold" panose="020B0600000101010101" pitchFamily="34" charset="-127"/>
+                <a:ea typeface="NanumSquare ExtraBold" panose="020B0600000101010101" pitchFamily="34" charset="-127"/>
+              </a:rPr>
+              <a:t>기능</a:t>
+            </a:r>
+          </a:p>
+        </p:txBody>
+      </p:sp>
+      <p:pic>
+        <p:nvPicPr>
+          <p:cNvPr id="4" name="그래픽 3">
+            <a:extLst>
+              <a:ext uri="{FF2B5EF4-FFF2-40B4-BE49-F238E27FC236}">
+                <a16:creationId xmlns:a16="http://schemas.microsoft.com/office/drawing/2014/main" id="{C5960D75-DB25-D440-877E-112711B7A380}"/>
+              </a:ext>
+            </a:extLst>
+          </p:cNvPr>
+          <p:cNvPicPr>
+            <a:picLocks noChangeAspect="1"/>
+          </p:cNvPicPr>
+          <p:nvPr/>
+        </p:nvPicPr>
+        <p:blipFill>
+          <a:blip r:embed="rId2">
+            <a:extLst>
+              <a:ext uri="{96DAC541-7B7A-43D3-8B79-37D633B846F1}">
+                <asvg:svgBlip xmlns:asvg="http://schemas.microsoft.com/office/drawing/2016/SVG/main" r:embed="rId3"/>
+              </a:ext>
+            </a:extLst>
+          </a:blip>
+          <a:stretch>
+            <a:fillRect/>
+          </a:stretch>
+        </p:blipFill>
+        <p:spPr>
+          <a:xfrm>
+            <a:off x="595746" y="576185"/>
+            <a:ext cx="512618" cy="588965"/>
+          </a:xfrm>
+          <a:prstGeom prst="rect">
+            <a:avLst/>
+          </a:prstGeom>
+        </p:spPr>
+      </p:pic>
+    </p:spTree>
+    <p:extLst>
+      <p:ext uri="{BB962C8B-B14F-4D97-AF65-F5344CB8AC3E}">
+        <p14:creationId xmlns:p14="http://schemas.microsoft.com/office/powerpoint/2010/main" val="3873974320"/>
+      </p:ext>
+    </p:extLst>
+  </p:cSld>
+  <p:clrMapOvr>
+    <a:masterClrMapping/>
+  </p:clrMapOvr>
+</p:sld>
+</file>
+
+<file path=ppt/slides/slide29.xml><?xml version="1.0" encoding="utf-8"?>
+<p:sld xmlns:a="http://schemas.openxmlformats.org/drawingml/2006/main" xmlns:r="http://schemas.openxmlformats.org/officeDocument/2006/relationships" xmlns:p="http://schemas.openxmlformats.org/presentationml/2006/main">
+  <p:cSld>
+    <p:spTree>
+      <p:nvGrpSpPr>
+        <p:cNvPr id="1" name=""/>
+        <p:cNvGrpSpPr/>
+        <p:nvPr/>
+      </p:nvGrpSpPr>
+      <p:grpSpPr>
+        <a:xfrm>
+          <a:off x="0" y="0"/>
+          <a:ext cx="0" cy="0"/>
+          <a:chOff x="0" y="0"/>
+          <a:chExt cx="0" cy="0"/>
+        </a:xfrm>
+      </p:grpSpPr>
+      <p:sp>
+        <p:nvSpPr>
+          <p:cNvPr id="3" name="TextBox 2">
+            <a:extLst>
+              <a:ext uri="{FF2B5EF4-FFF2-40B4-BE49-F238E27FC236}">
+                <a16:creationId xmlns:a16="http://schemas.microsoft.com/office/drawing/2014/main" id="{223306E3-8BA1-6C44-98DE-C37CB0672BE6}"/>
+              </a:ext>
+            </a:extLst>
+          </p:cNvPr>
+          <p:cNvSpPr txBox="1"/>
+          <p:nvPr/>
+        </p:nvSpPr>
+        <p:spPr>
+          <a:xfrm>
+            <a:off x="1260764" y="580375"/>
+            <a:ext cx="3174267" cy="584775"/>
+          </a:xfrm>
+          <a:prstGeom prst="rect">
+            <a:avLst/>
+          </a:prstGeom>
+          <a:noFill/>
+        </p:spPr>
+        <p:txBody>
+          <a:bodyPr wrap="none" rtlCol="0">
+            <a:spAutoFit/>
+          </a:bodyPr>
+          <a:lstStyle/>
+          <a:p>
+            <a:r>
+              <a:rPr kumimoji="1" lang="ko-KR" altLang="en-US" sz="3200" b="1" dirty="0">
+                <a:latin typeface="NanumSquare ExtraBold" panose="020B0600000101010101" pitchFamily="34" charset="-127"/>
+                <a:ea typeface="NanumSquare ExtraBold" panose="020B0600000101010101" pitchFamily="34" charset="-127"/>
+              </a:rPr>
+              <a:t>게시판</a:t>
+            </a:r>
+            <a:r>
+              <a:rPr kumimoji="1" lang="en-US" altLang="ko-KR" sz="3200" b="1" dirty="0">
+                <a:latin typeface="NanumSquare ExtraBold" panose="020B0600000101010101" pitchFamily="34" charset="-127"/>
+                <a:ea typeface="NanumSquare ExtraBold" panose="020B0600000101010101" pitchFamily="34" charset="-127"/>
+              </a:rPr>
+              <a:t>-</a:t>
+            </a:r>
+            <a:r>
+              <a:rPr kumimoji="1" lang="ko-KR" altLang="en-US" sz="3200" b="1" dirty="0">
+                <a:latin typeface="NanumSquare ExtraBold" panose="020B0600000101010101" pitchFamily="34" charset="-127"/>
+                <a:ea typeface="NanumSquare ExtraBold" panose="020B0600000101010101" pitchFamily="34" charset="-127"/>
+              </a:rPr>
+              <a:t>검색</a:t>
+            </a:r>
+            <a:r>
+              <a:rPr kumimoji="1" lang="en-US" altLang="ko-KR" sz="3200" b="1" dirty="0">
+                <a:latin typeface="NanumSquare ExtraBold" panose="020B0600000101010101" pitchFamily="34" charset="-127"/>
+                <a:ea typeface="NanumSquare ExtraBold" panose="020B0600000101010101" pitchFamily="34" charset="-127"/>
+              </a:rPr>
+              <a:t>/</a:t>
+            </a:r>
+            <a:r>
+              <a:rPr kumimoji="1" lang="ko-KR" altLang="en-US" sz="3200" b="1" dirty="0">
+                <a:latin typeface="NanumSquare ExtraBold" panose="020B0600000101010101" pitchFamily="34" charset="-127"/>
+                <a:ea typeface="NanumSquare ExtraBold" panose="020B0600000101010101" pitchFamily="34" charset="-127"/>
+              </a:rPr>
+              <a:t>기능</a:t>
+            </a:r>
+          </a:p>
+        </p:txBody>
+      </p:sp>
+      <p:pic>
+        <p:nvPicPr>
+          <p:cNvPr id="4" name="그래픽 3">
+            <a:extLst>
+              <a:ext uri="{FF2B5EF4-FFF2-40B4-BE49-F238E27FC236}">
+                <a16:creationId xmlns:a16="http://schemas.microsoft.com/office/drawing/2014/main" id="{C5960D75-DB25-D440-877E-112711B7A380}"/>
+              </a:ext>
+            </a:extLst>
+          </p:cNvPr>
+          <p:cNvPicPr>
+            <a:picLocks noChangeAspect="1"/>
+          </p:cNvPicPr>
+          <p:nvPr/>
+        </p:nvPicPr>
+        <p:blipFill>
+          <a:blip r:embed="rId2">
+            <a:extLst>
+              <a:ext uri="{96DAC541-7B7A-43D3-8B79-37D633B846F1}">
+                <asvg:svgBlip xmlns:asvg="http://schemas.microsoft.com/office/drawing/2016/SVG/main" r:embed="rId3"/>
+              </a:ext>
+            </a:extLst>
+          </a:blip>
+          <a:stretch>
+            <a:fillRect/>
+          </a:stretch>
+        </p:blipFill>
+        <p:spPr>
+          <a:xfrm>
+            <a:off x="595746" y="576185"/>
+            <a:ext cx="512618" cy="588965"/>
+          </a:xfrm>
+          <a:prstGeom prst="rect">
+            <a:avLst/>
+          </a:prstGeom>
+        </p:spPr>
+      </p:pic>
+    </p:spTree>
+    <p:extLst>
+      <p:ext uri="{BB962C8B-B14F-4D97-AF65-F5344CB8AC3E}">
+        <p14:creationId xmlns:p14="http://schemas.microsoft.com/office/powerpoint/2010/main" val="2791821660"/>
+      </p:ext>
+    </p:extLst>
+  </p:cSld>
+  <p:clrMapOvr>
+    <a:masterClrMapping/>
+  </p:clrMapOvr>
+</p:sld>
+</file>
+
 <file path=ppt/slides/slide3.xml><?xml version="1.0" encoding="utf-8"?>
 <p:sld xmlns:a="http://schemas.openxmlformats.org/drawingml/2006/main" xmlns:r="http://schemas.openxmlformats.org/officeDocument/2006/relationships" xmlns:p="http://schemas.openxmlformats.org/presentationml/2006/main">
   <p:cSld>
@@ -4710,8 +6768,8 @@
         </p:nvSpPr>
         <p:spPr>
           <a:xfrm>
-            <a:off x="1260764" y="580375"/>
-            <a:ext cx="931665" cy="584775"/>
+            <a:off x="1174267" y="394792"/>
+            <a:ext cx="838691" cy="523220"/>
           </a:xfrm>
           <a:prstGeom prst="rect">
             <a:avLst/>
@@ -4725,7 +6783,7 @@
           <a:lstStyle/>
           <a:p>
             <a:r>
-              <a:rPr kumimoji="1" lang="ko-KR" altLang="en-US" sz="3200" b="1" dirty="0">
+              <a:rPr kumimoji="1" lang="ko-KR" altLang="en-US" sz="2800" b="1" dirty="0">
                 <a:latin typeface="NanumSquare ExtraBold" panose="020B0600000101010101" pitchFamily="34" charset="-127"/>
                 <a:ea typeface="NanumSquare ExtraBold" panose="020B0600000101010101" pitchFamily="34" charset="-127"/>
               </a:rPr>
@@ -4762,7 +6820,7 @@
         </p:blipFill>
         <p:spPr>
           <a:xfrm>
-            <a:off x="595746" y="576185"/>
+            <a:off x="533962" y="329047"/>
             <a:ext cx="512618" cy="588965"/>
           </a:xfrm>
           <a:prstGeom prst="rect">
@@ -4774,6 +6832,336 @@
     <p:extLst>
       <p:ext uri="{BB962C8B-B14F-4D97-AF65-F5344CB8AC3E}">
         <p14:creationId xmlns:p14="http://schemas.microsoft.com/office/powerpoint/2010/main" val="3831787847"/>
+      </p:ext>
+    </p:extLst>
+  </p:cSld>
+  <p:clrMapOvr>
+    <a:masterClrMapping/>
+  </p:clrMapOvr>
+</p:sld>
+</file>
+
+<file path=ppt/slides/slide30.xml><?xml version="1.0" encoding="utf-8"?>
+<p:sld xmlns:a="http://schemas.openxmlformats.org/drawingml/2006/main" xmlns:r="http://schemas.openxmlformats.org/officeDocument/2006/relationships" xmlns:p="http://schemas.openxmlformats.org/presentationml/2006/main">
+  <p:cSld>
+    <p:spTree>
+      <p:nvGrpSpPr>
+        <p:cNvPr id="1" name=""/>
+        <p:cNvGrpSpPr/>
+        <p:nvPr/>
+      </p:nvGrpSpPr>
+      <p:grpSpPr>
+        <a:xfrm>
+          <a:off x="0" y="0"/>
+          <a:ext cx="0" cy="0"/>
+          <a:chOff x="0" y="0"/>
+          <a:chExt cx="0" cy="0"/>
+        </a:xfrm>
+      </p:grpSpPr>
+      <p:sp>
+        <p:nvSpPr>
+          <p:cNvPr id="3" name="TextBox 2">
+            <a:extLst>
+              <a:ext uri="{FF2B5EF4-FFF2-40B4-BE49-F238E27FC236}">
+                <a16:creationId xmlns:a16="http://schemas.microsoft.com/office/drawing/2014/main" id="{223306E3-8BA1-6C44-98DE-C37CB0672BE6}"/>
+              </a:ext>
+            </a:extLst>
+          </p:cNvPr>
+          <p:cNvSpPr txBox="1"/>
+          <p:nvPr/>
+        </p:nvSpPr>
+        <p:spPr>
+          <a:xfrm>
+            <a:off x="1260764" y="580375"/>
+            <a:ext cx="3174267" cy="584775"/>
+          </a:xfrm>
+          <a:prstGeom prst="rect">
+            <a:avLst/>
+          </a:prstGeom>
+          <a:noFill/>
+        </p:spPr>
+        <p:txBody>
+          <a:bodyPr wrap="none" rtlCol="0">
+            <a:spAutoFit/>
+          </a:bodyPr>
+          <a:lstStyle/>
+          <a:p>
+            <a:r>
+              <a:rPr kumimoji="1" lang="ko-KR" altLang="en-US" sz="3200" b="1" dirty="0">
+                <a:latin typeface="NanumSquare ExtraBold" panose="020B0600000101010101" pitchFamily="34" charset="-127"/>
+                <a:ea typeface="NanumSquare ExtraBold" panose="020B0600000101010101" pitchFamily="34" charset="-127"/>
+              </a:rPr>
+              <a:t>게시판</a:t>
+            </a:r>
+            <a:r>
+              <a:rPr kumimoji="1" lang="en-US" altLang="ko-KR" sz="3200" b="1" dirty="0">
+                <a:latin typeface="NanumSquare ExtraBold" panose="020B0600000101010101" pitchFamily="34" charset="-127"/>
+                <a:ea typeface="NanumSquare ExtraBold" panose="020B0600000101010101" pitchFamily="34" charset="-127"/>
+              </a:rPr>
+              <a:t>-</a:t>
+            </a:r>
+            <a:r>
+              <a:rPr kumimoji="1" lang="ko-KR" altLang="en-US" sz="3200" b="1" dirty="0">
+                <a:latin typeface="NanumSquare ExtraBold" panose="020B0600000101010101" pitchFamily="34" charset="-127"/>
+                <a:ea typeface="NanumSquare ExtraBold" panose="020B0600000101010101" pitchFamily="34" charset="-127"/>
+              </a:rPr>
+              <a:t>검색</a:t>
+            </a:r>
+            <a:r>
+              <a:rPr kumimoji="1" lang="en-US" altLang="ko-KR" sz="3200" b="1" dirty="0">
+                <a:latin typeface="NanumSquare ExtraBold" panose="020B0600000101010101" pitchFamily="34" charset="-127"/>
+                <a:ea typeface="NanumSquare ExtraBold" panose="020B0600000101010101" pitchFamily="34" charset="-127"/>
+              </a:rPr>
+              <a:t>/</a:t>
+            </a:r>
+            <a:r>
+              <a:rPr kumimoji="1" lang="ko-KR" altLang="en-US" sz="3200" b="1" dirty="0">
+                <a:latin typeface="NanumSquare ExtraBold" panose="020B0600000101010101" pitchFamily="34" charset="-127"/>
+                <a:ea typeface="NanumSquare ExtraBold" panose="020B0600000101010101" pitchFamily="34" charset="-127"/>
+              </a:rPr>
+              <a:t>기능</a:t>
+            </a:r>
+          </a:p>
+        </p:txBody>
+      </p:sp>
+      <p:pic>
+        <p:nvPicPr>
+          <p:cNvPr id="4" name="그래픽 3">
+            <a:extLst>
+              <a:ext uri="{FF2B5EF4-FFF2-40B4-BE49-F238E27FC236}">
+                <a16:creationId xmlns:a16="http://schemas.microsoft.com/office/drawing/2014/main" id="{C5960D75-DB25-D440-877E-112711B7A380}"/>
+              </a:ext>
+            </a:extLst>
+          </p:cNvPr>
+          <p:cNvPicPr>
+            <a:picLocks noChangeAspect="1"/>
+          </p:cNvPicPr>
+          <p:nvPr/>
+        </p:nvPicPr>
+        <p:blipFill>
+          <a:blip r:embed="rId2">
+            <a:extLst>
+              <a:ext uri="{96DAC541-7B7A-43D3-8B79-37D633B846F1}">
+                <asvg:svgBlip xmlns:asvg="http://schemas.microsoft.com/office/drawing/2016/SVG/main" r:embed="rId3"/>
+              </a:ext>
+            </a:extLst>
+          </a:blip>
+          <a:stretch>
+            <a:fillRect/>
+          </a:stretch>
+        </p:blipFill>
+        <p:spPr>
+          <a:xfrm>
+            <a:off x="595746" y="576185"/>
+            <a:ext cx="512618" cy="588965"/>
+          </a:xfrm>
+          <a:prstGeom prst="rect">
+            <a:avLst/>
+          </a:prstGeom>
+        </p:spPr>
+      </p:pic>
+    </p:spTree>
+    <p:extLst>
+      <p:ext uri="{BB962C8B-B14F-4D97-AF65-F5344CB8AC3E}">
+        <p14:creationId xmlns:p14="http://schemas.microsoft.com/office/powerpoint/2010/main" val="1290021798"/>
+      </p:ext>
+    </p:extLst>
+  </p:cSld>
+  <p:clrMapOvr>
+    <a:masterClrMapping/>
+  </p:clrMapOvr>
+</p:sld>
+</file>
+
+<file path=ppt/slides/slide31.xml><?xml version="1.0" encoding="utf-8"?>
+<p:sld xmlns:a="http://schemas.openxmlformats.org/drawingml/2006/main" xmlns:r="http://schemas.openxmlformats.org/officeDocument/2006/relationships" xmlns:p="http://schemas.openxmlformats.org/presentationml/2006/main">
+  <p:cSld>
+    <p:spTree>
+      <p:nvGrpSpPr>
+        <p:cNvPr id="1" name=""/>
+        <p:cNvGrpSpPr/>
+        <p:nvPr/>
+      </p:nvGrpSpPr>
+      <p:grpSpPr>
+        <a:xfrm>
+          <a:off x="0" y="0"/>
+          <a:ext cx="0" cy="0"/>
+          <a:chOff x="0" y="0"/>
+          <a:chExt cx="0" cy="0"/>
+        </a:xfrm>
+      </p:grpSpPr>
+      <p:sp>
+        <p:nvSpPr>
+          <p:cNvPr id="3" name="TextBox 2">
+            <a:extLst>
+              <a:ext uri="{FF2B5EF4-FFF2-40B4-BE49-F238E27FC236}">
+                <a16:creationId xmlns:a16="http://schemas.microsoft.com/office/drawing/2014/main" id="{223306E3-8BA1-6C44-98DE-C37CB0672BE6}"/>
+              </a:ext>
+            </a:extLst>
+          </p:cNvPr>
+          <p:cNvSpPr txBox="1"/>
+          <p:nvPr/>
+        </p:nvSpPr>
+        <p:spPr>
+          <a:xfrm>
+            <a:off x="1260764" y="580375"/>
+            <a:ext cx="3174267" cy="584775"/>
+          </a:xfrm>
+          <a:prstGeom prst="rect">
+            <a:avLst/>
+          </a:prstGeom>
+          <a:noFill/>
+        </p:spPr>
+        <p:txBody>
+          <a:bodyPr wrap="none" rtlCol="0">
+            <a:spAutoFit/>
+          </a:bodyPr>
+          <a:lstStyle/>
+          <a:p>
+            <a:r>
+              <a:rPr kumimoji="1" lang="ko-KR" altLang="en-US" sz="3200" b="1" dirty="0">
+                <a:latin typeface="NanumSquare ExtraBold" panose="020B0600000101010101" pitchFamily="34" charset="-127"/>
+                <a:ea typeface="NanumSquare ExtraBold" panose="020B0600000101010101" pitchFamily="34" charset="-127"/>
+              </a:rPr>
+              <a:t>게시판</a:t>
+            </a:r>
+            <a:r>
+              <a:rPr kumimoji="1" lang="en-US" altLang="ko-KR" sz="3200" b="1" dirty="0">
+                <a:latin typeface="NanumSquare ExtraBold" panose="020B0600000101010101" pitchFamily="34" charset="-127"/>
+                <a:ea typeface="NanumSquare ExtraBold" panose="020B0600000101010101" pitchFamily="34" charset="-127"/>
+              </a:rPr>
+              <a:t>-</a:t>
+            </a:r>
+            <a:r>
+              <a:rPr kumimoji="1" lang="ko-KR" altLang="en-US" sz="3200" b="1" dirty="0">
+                <a:latin typeface="NanumSquare ExtraBold" panose="020B0600000101010101" pitchFamily="34" charset="-127"/>
+                <a:ea typeface="NanumSquare ExtraBold" panose="020B0600000101010101" pitchFamily="34" charset="-127"/>
+              </a:rPr>
+              <a:t>검색</a:t>
+            </a:r>
+            <a:r>
+              <a:rPr kumimoji="1" lang="en-US" altLang="ko-KR" sz="3200" b="1" dirty="0">
+                <a:latin typeface="NanumSquare ExtraBold" panose="020B0600000101010101" pitchFamily="34" charset="-127"/>
+                <a:ea typeface="NanumSquare ExtraBold" panose="020B0600000101010101" pitchFamily="34" charset="-127"/>
+              </a:rPr>
+              <a:t>/</a:t>
+            </a:r>
+            <a:r>
+              <a:rPr kumimoji="1" lang="ko-KR" altLang="en-US" sz="3200" b="1" dirty="0">
+                <a:latin typeface="NanumSquare ExtraBold" panose="020B0600000101010101" pitchFamily="34" charset="-127"/>
+                <a:ea typeface="NanumSquare ExtraBold" panose="020B0600000101010101" pitchFamily="34" charset="-127"/>
+              </a:rPr>
+              <a:t>기능</a:t>
+            </a:r>
+          </a:p>
+        </p:txBody>
+      </p:sp>
+      <p:pic>
+        <p:nvPicPr>
+          <p:cNvPr id="4" name="그래픽 3">
+            <a:extLst>
+              <a:ext uri="{FF2B5EF4-FFF2-40B4-BE49-F238E27FC236}">
+                <a16:creationId xmlns:a16="http://schemas.microsoft.com/office/drawing/2014/main" id="{C5960D75-DB25-D440-877E-112711B7A380}"/>
+              </a:ext>
+            </a:extLst>
+          </p:cNvPr>
+          <p:cNvPicPr>
+            <a:picLocks noChangeAspect="1"/>
+          </p:cNvPicPr>
+          <p:nvPr/>
+        </p:nvPicPr>
+        <p:blipFill>
+          <a:blip r:embed="rId2">
+            <a:extLst>
+              <a:ext uri="{96DAC541-7B7A-43D3-8B79-37D633B846F1}">
+                <asvg:svgBlip xmlns:asvg="http://schemas.microsoft.com/office/drawing/2016/SVG/main" r:embed="rId3"/>
+              </a:ext>
+            </a:extLst>
+          </a:blip>
+          <a:stretch>
+            <a:fillRect/>
+          </a:stretch>
+        </p:blipFill>
+        <p:spPr>
+          <a:xfrm>
+            <a:off x="595746" y="576185"/>
+            <a:ext cx="512618" cy="588965"/>
+          </a:xfrm>
+          <a:prstGeom prst="rect">
+            <a:avLst/>
+          </a:prstGeom>
+        </p:spPr>
+      </p:pic>
+    </p:spTree>
+    <p:extLst>
+      <p:ext uri="{BB962C8B-B14F-4D97-AF65-F5344CB8AC3E}">
+        <p14:creationId xmlns:p14="http://schemas.microsoft.com/office/powerpoint/2010/main" val="2415461902"/>
+      </p:ext>
+    </p:extLst>
+  </p:cSld>
+  <p:clrMapOvr>
+    <a:masterClrMapping/>
+  </p:clrMapOvr>
+</p:sld>
+</file>
+
+<file path=ppt/slides/slide32.xml><?xml version="1.0" encoding="utf-8"?>
+<p:sld xmlns:a="http://schemas.openxmlformats.org/drawingml/2006/main" xmlns:r="http://schemas.openxmlformats.org/officeDocument/2006/relationships" xmlns:p="http://schemas.openxmlformats.org/presentationml/2006/main">
+  <p:cSld>
+    <p:spTree>
+      <p:nvGrpSpPr>
+        <p:cNvPr id="1" name=""/>
+        <p:cNvGrpSpPr/>
+        <p:nvPr/>
+      </p:nvGrpSpPr>
+      <p:grpSpPr>
+        <a:xfrm>
+          <a:off x="0" y="0"/>
+          <a:ext cx="0" cy="0"/>
+          <a:chOff x="0" y="0"/>
+          <a:chExt cx="0" cy="0"/>
+        </a:xfrm>
+      </p:grpSpPr>
+      <p:pic>
+        <p:nvPicPr>
+          <p:cNvPr id="5" name="그래픽 4">
+            <a:extLst>
+              <a:ext uri="{FF2B5EF4-FFF2-40B4-BE49-F238E27FC236}">
+                <a16:creationId xmlns:a16="http://schemas.microsoft.com/office/drawing/2014/main" id="{8DC6C707-FA11-B84F-B817-00834356069B}"/>
+              </a:ext>
+            </a:extLst>
+          </p:cNvPr>
+          <p:cNvPicPr>
+            <a:picLocks noChangeAspect="1"/>
+          </p:cNvPicPr>
+          <p:nvPr/>
+        </p:nvPicPr>
+        <p:blipFill>
+          <a:blip r:embed="rId2">
+            <a:extLst>
+              <a:ext uri="{96DAC541-7B7A-43D3-8B79-37D633B846F1}">
+                <asvg:svgBlip xmlns:asvg="http://schemas.microsoft.com/office/drawing/2016/SVG/main" r:embed="rId3"/>
+              </a:ext>
+            </a:extLst>
+          </a:blip>
+          <a:stretch>
+            <a:fillRect/>
+          </a:stretch>
+        </p:blipFill>
+        <p:spPr>
+          <a:xfrm>
+            <a:off x="3524765" y="2612081"/>
+            <a:ext cx="4648200" cy="1422400"/>
+          </a:xfrm>
+          <a:prstGeom prst="rect">
+            <a:avLst/>
+          </a:prstGeom>
+        </p:spPr>
+      </p:pic>
+    </p:spTree>
+    <p:extLst>
+      <p:ext uri="{BB962C8B-B14F-4D97-AF65-F5344CB8AC3E}">
+        <p14:creationId xmlns:p14="http://schemas.microsoft.com/office/powerpoint/2010/main" val="2361748189"/>
       </p:ext>
     </p:extLst>
   </p:cSld>
@@ -4802,10 +7190,10 @@
       </p:grpSpPr>
       <p:sp>
         <p:nvSpPr>
-          <p:cNvPr id="2" name="TextBox 1">
-            <a:extLst>
-              <a:ext uri="{FF2B5EF4-FFF2-40B4-BE49-F238E27FC236}">
-                <a16:creationId xmlns:a16="http://schemas.microsoft.com/office/drawing/2014/main" id="{3967D540-F356-7F47-83F5-8E157E0016DB}"/>
+          <p:cNvPr id="4" name="TextBox 3">
+            <a:extLst>
+              <a:ext uri="{FF2B5EF4-FFF2-40B4-BE49-F238E27FC236}">
+                <a16:creationId xmlns:a16="http://schemas.microsoft.com/office/drawing/2014/main" id="{56C7BF8A-D948-7048-A188-2D4E329D3E37}"/>
               </a:ext>
             </a:extLst>
           </p:cNvPr>
@@ -4814,8 +7202,8 @@
         </p:nvSpPr>
         <p:spPr>
           <a:xfrm>
-            <a:off x="1260764" y="580375"/>
-            <a:ext cx="2528256" cy="584775"/>
+            <a:off x="4275813" y="3076207"/>
+            <a:ext cx="2672526" cy="523220"/>
           </a:xfrm>
           <a:prstGeom prst="rect">
             <a:avLst/>
@@ -4829,51 +7217,52 @@
           <a:lstStyle/>
           <a:p>
             <a:r>
-              <a:rPr kumimoji="1" lang="ko-KR" altLang="en-US" sz="3200" b="1" dirty="0">
-                <a:latin typeface="NanumSquare ExtraBold" panose="020B0600000101010101" pitchFamily="34" charset="-127"/>
-                <a:ea typeface="NanumSquare ExtraBold" panose="020B0600000101010101" pitchFamily="34" charset="-127"/>
-              </a:rPr>
-              <a:t>프로젝트 일정</a:t>
-            </a:r>
-          </a:p>
-        </p:txBody>
-      </p:sp>
-      <p:pic>
-        <p:nvPicPr>
-          <p:cNvPr id="4" name="그래픽 3">
-            <a:extLst>
-              <a:ext uri="{FF2B5EF4-FFF2-40B4-BE49-F238E27FC236}">
-                <a16:creationId xmlns:a16="http://schemas.microsoft.com/office/drawing/2014/main" id="{7C5E703F-39F0-5545-92A3-5E046ED89FE2}"/>
-              </a:ext>
-            </a:extLst>
-          </p:cNvPr>
-          <p:cNvPicPr>
-            <a:picLocks noChangeAspect="1"/>
-          </p:cNvPicPr>
-          <p:nvPr/>
-        </p:nvPicPr>
-        <p:blipFill>
-          <a:blip r:embed="rId2">
-            <a:extLst>
-              <a:ext uri="{96DAC541-7B7A-43D3-8B79-37D633B846F1}">
-                <asvg:svgBlip xmlns:asvg="http://schemas.microsoft.com/office/drawing/2016/SVG/main" r:embed="rId3"/>
-              </a:ext>
-            </a:extLst>
-          </a:blip>
-          <a:stretch>
-            <a:fillRect/>
-          </a:stretch>
-        </p:blipFill>
-        <p:spPr>
-          <a:xfrm>
-            <a:off x="595746" y="576185"/>
-            <a:ext cx="512618" cy="588965"/>
-          </a:xfrm>
-          <a:prstGeom prst="rect">
-            <a:avLst/>
-          </a:prstGeom>
-        </p:spPr>
-      </p:pic>
+              <a:rPr kumimoji="1" lang="en-US" altLang="ko-KR" sz="2800" b="1" dirty="0">
+                <a:latin typeface="NanumSquare ExtraBold" panose="020B0600000101010101" pitchFamily="34" charset="-127"/>
+                <a:ea typeface="NanumSquare ExtraBold" panose="020B0600000101010101" pitchFamily="34" charset="-127"/>
+              </a:rPr>
+              <a:t>1.</a:t>
+            </a:r>
+            <a:r>
+              <a:rPr kumimoji="1" lang="ko-KR" altLang="en-US" sz="2800" b="1" dirty="0">
+                <a:latin typeface="NanumSquare ExtraBold" panose="020B0600000101010101" pitchFamily="34" charset="-127"/>
+                <a:ea typeface="NanumSquare ExtraBold" panose="020B0600000101010101" pitchFamily="34" charset="-127"/>
+              </a:rPr>
+              <a:t> 프로젝트 소개</a:t>
+            </a:r>
+          </a:p>
+        </p:txBody>
+      </p:sp>
+    </p:spTree>
+    <p:extLst>
+      <p:ext uri="{BB962C8B-B14F-4D97-AF65-F5344CB8AC3E}">
+        <p14:creationId xmlns:p14="http://schemas.microsoft.com/office/powerpoint/2010/main" val="274728154"/>
+      </p:ext>
+    </p:extLst>
+  </p:cSld>
+  <p:clrMapOvr>
+    <a:masterClrMapping/>
+  </p:clrMapOvr>
+</p:sld>
+</file>
+
+<file path=ppt/slides/slide5.xml><?xml version="1.0" encoding="utf-8"?>
+<p:sld xmlns:a="http://schemas.openxmlformats.org/drawingml/2006/main" xmlns:r="http://schemas.openxmlformats.org/officeDocument/2006/relationships" xmlns:p="http://schemas.openxmlformats.org/presentationml/2006/main">
+  <p:cSld>
+    <p:spTree>
+      <p:nvGrpSpPr>
+        <p:cNvPr id="1" name=""/>
+        <p:cNvGrpSpPr/>
+        <p:nvPr/>
+      </p:nvGrpSpPr>
+      <p:grpSpPr>
+        <a:xfrm>
+          <a:off x="0" y="0"/>
+          <a:ext cx="0" cy="0"/>
+          <a:chOff x="0" y="0"/>
+          <a:chExt cx="0" cy="0"/>
+        </a:xfrm>
+      </p:grpSpPr>
       <p:sp>
         <p:nvSpPr>
           <p:cNvPr id="6" name="TextBox 5">
@@ -6288,42 +8677,12 @@
           </a:p>
         </p:txBody>
       </p:sp>
-    </p:spTree>
-    <p:extLst>
-      <p:ext uri="{BB962C8B-B14F-4D97-AF65-F5344CB8AC3E}">
-        <p14:creationId xmlns:p14="http://schemas.microsoft.com/office/powerpoint/2010/main" val="1507180657"/>
-      </p:ext>
-    </p:extLst>
-  </p:cSld>
-  <p:clrMapOvr>
-    <a:masterClrMapping/>
-  </p:clrMapOvr>
-</p:sld>
-</file>
-
-<file path=ppt/slides/slide5.xml><?xml version="1.0" encoding="utf-8"?>
-<p:sld xmlns:a="http://schemas.openxmlformats.org/drawingml/2006/main" xmlns:r="http://schemas.openxmlformats.org/officeDocument/2006/relationships" xmlns:p="http://schemas.openxmlformats.org/presentationml/2006/main">
-  <p:cSld>
-    <p:spTree>
-      <p:nvGrpSpPr>
-        <p:cNvPr id="1" name=""/>
-        <p:cNvGrpSpPr/>
-        <p:nvPr/>
-      </p:nvGrpSpPr>
-      <p:grpSpPr>
-        <a:xfrm>
-          <a:off x="0" y="0"/>
-          <a:ext cx="0" cy="0"/>
-          <a:chOff x="0" y="0"/>
-          <a:chExt cx="0" cy="0"/>
-        </a:xfrm>
-      </p:grpSpPr>
-      <p:sp>
-        <p:nvSpPr>
-          <p:cNvPr id="2" name="TextBox 1">
-            <a:extLst>
-              <a:ext uri="{FF2B5EF4-FFF2-40B4-BE49-F238E27FC236}">
-                <a16:creationId xmlns:a16="http://schemas.microsoft.com/office/drawing/2014/main" id="{3967D540-F356-7F47-83F5-8E157E0016DB}"/>
+      <p:sp>
+        <p:nvSpPr>
+          <p:cNvPr id="11" name="TextBox 10">
+            <a:extLst>
+              <a:ext uri="{FF2B5EF4-FFF2-40B4-BE49-F238E27FC236}">
+                <a16:creationId xmlns:a16="http://schemas.microsoft.com/office/drawing/2014/main" id="{EA6EB9A2-D62F-B645-8CF0-B11D73C507EA}"/>
               </a:ext>
             </a:extLst>
           </p:cNvPr>
@@ -6332,8 +8691,8 @@
         </p:nvSpPr>
         <p:spPr>
           <a:xfrm>
-            <a:off x="1260764" y="580375"/>
-            <a:ext cx="2154757" cy="584775"/>
+            <a:off x="1174267" y="394792"/>
+            <a:ext cx="838691" cy="523220"/>
           </a:xfrm>
           <a:prstGeom prst="rect">
             <a:avLst/>
@@ -6347,21 +8706,21 @@
           <a:lstStyle/>
           <a:p>
             <a:r>
-              <a:rPr kumimoji="1" lang="ko-KR" altLang="en-US" sz="3200" b="1" dirty="0">
-                <a:latin typeface="NanumSquare ExtraBold" panose="020B0600000101010101" pitchFamily="34" charset="-127"/>
-                <a:ea typeface="NanumSquare ExtraBold" panose="020B0600000101010101" pitchFamily="34" charset="-127"/>
-              </a:rPr>
-              <a:t>개인별 일정</a:t>
+              <a:rPr kumimoji="1" lang="ko-KR" altLang="en-US" sz="2800" b="1" dirty="0">
+                <a:latin typeface="NanumSquare ExtraBold" panose="020B0600000101010101" pitchFamily="34" charset="-127"/>
+                <a:ea typeface="NanumSquare ExtraBold" panose="020B0600000101010101" pitchFamily="34" charset="-127"/>
+              </a:rPr>
+              <a:t>목차</a:t>
             </a:r>
           </a:p>
         </p:txBody>
       </p:sp>
       <p:pic>
         <p:nvPicPr>
-          <p:cNvPr id="4" name="그래픽 3">
-            <a:extLst>
-              <a:ext uri="{FF2B5EF4-FFF2-40B4-BE49-F238E27FC236}">
-                <a16:creationId xmlns:a16="http://schemas.microsoft.com/office/drawing/2014/main" id="{7C5E703F-39F0-5545-92A3-5E046ED89FE2}"/>
+          <p:cNvPr id="12" name="그래픽 11">
+            <a:extLst>
+              <a:ext uri="{FF2B5EF4-FFF2-40B4-BE49-F238E27FC236}">
+                <a16:creationId xmlns:a16="http://schemas.microsoft.com/office/drawing/2014/main" id="{32D7C259-7242-F04A-AA04-43F71324A48E}"/>
               </a:ext>
             </a:extLst>
           </p:cNvPr>
@@ -6384,7 +8743,7 @@
         </p:blipFill>
         <p:spPr>
           <a:xfrm>
-            <a:off x="595746" y="576185"/>
+            <a:off x="533962" y="329047"/>
             <a:ext cx="512618" cy="588965"/>
           </a:xfrm>
           <a:prstGeom prst="rect">
@@ -6395,7 +8754,7 @@
     </p:spTree>
     <p:extLst>
       <p:ext uri="{BB962C8B-B14F-4D97-AF65-F5344CB8AC3E}">
-        <p14:creationId xmlns:p14="http://schemas.microsoft.com/office/powerpoint/2010/main" val="3841344096"/>
+        <p14:creationId xmlns:p14="http://schemas.microsoft.com/office/powerpoint/2010/main" val="1507180657"/>
       </p:ext>
     </p:extLst>
   </p:cSld>
@@ -6424,10 +8783,10 @@
       </p:grpSpPr>
       <p:sp>
         <p:nvSpPr>
-          <p:cNvPr id="3" name="TextBox 2">
-            <a:extLst>
-              <a:ext uri="{FF2B5EF4-FFF2-40B4-BE49-F238E27FC236}">
-                <a16:creationId xmlns:a16="http://schemas.microsoft.com/office/drawing/2014/main" id="{A10689BE-C2F0-AB44-8C48-5D45C4AB5D57}"/>
+          <p:cNvPr id="5" name="TextBox 4">
+            <a:extLst>
+              <a:ext uri="{FF2B5EF4-FFF2-40B4-BE49-F238E27FC236}">
+                <a16:creationId xmlns:a16="http://schemas.microsoft.com/office/drawing/2014/main" id="{E5B246DE-B9D8-C642-BA3B-5A03AD70B7DE}"/>
               </a:ext>
             </a:extLst>
           </p:cNvPr>
@@ -6436,8 +8795,8 @@
         </p:nvSpPr>
         <p:spPr>
           <a:xfrm>
-            <a:off x="1260764" y="580375"/>
-            <a:ext cx="2528256" cy="584775"/>
+            <a:off x="1174267" y="394792"/>
+            <a:ext cx="838691" cy="523220"/>
           </a:xfrm>
           <a:prstGeom prst="rect">
             <a:avLst/>
@@ -6451,25 +8810,21 @@
           <a:lstStyle/>
           <a:p>
             <a:r>
-              <a:rPr kumimoji="1" lang="ko-KR" altLang="en-US" sz="3200" b="1">
-                <a:latin typeface="NanumSquare ExtraBold" panose="020B0600000101010101" pitchFamily="34" charset="-127"/>
-                <a:ea typeface="NanumSquare ExtraBold" panose="020B0600000101010101" pitchFamily="34" charset="-127"/>
-              </a:rPr>
-              <a:t>프로젝트 기획</a:t>
-            </a:r>
-            <a:endParaRPr kumimoji="1" lang="ko-KR" altLang="en-US" sz="3200" b="1" dirty="0">
-              <a:latin typeface="NanumSquare ExtraBold" panose="020B0600000101010101" pitchFamily="34" charset="-127"/>
-              <a:ea typeface="NanumSquare ExtraBold" panose="020B0600000101010101" pitchFamily="34" charset="-127"/>
-            </a:endParaRPr>
+              <a:rPr kumimoji="1" lang="ko-KR" altLang="en-US" sz="2800" b="1" dirty="0">
+                <a:latin typeface="NanumSquare ExtraBold" panose="020B0600000101010101" pitchFamily="34" charset="-127"/>
+                <a:ea typeface="NanumSquare ExtraBold" panose="020B0600000101010101" pitchFamily="34" charset="-127"/>
+              </a:rPr>
+              <a:t>일정</a:t>
+            </a:r>
           </a:p>
         </p:txBody>
       </p:sp>
       <p:pic>
         <p:nvPicPr>
-          <p:cNvPr id="4" name="그래픽 3">
-            <a:extLst>
-              <a:ext uri="{FF2B5EF4-FFF2-40B4-BE49-F238E27FC236}">
-                <a16:creationId xmlns:a16="http://schemas.microsoft.com/office/drawing/2014/main" id="{1A0A9C35-3968-354E-8E0B-2BE8B385536D}"/>
+          <p:cNvPr id="7" name="그래픽 6">
+            <a:extLst>
+              <a:ext uri="{FF2B5EF4-FFF2-40B4-BE49-F238E27FC236}">
+                <a16:creationId xmlns:a16="http://schemas.microsoft.com/office/drawing/2014/main" id="{23A19DBC-7DE0-BC44-B548-8D9040538D07}"/>
               </a:ext>
             </a:extLst>
           </p:cNvPr>
@@ -6492,7 +8847,7 @@
         </p:blipFill>
         <p:spPr>
           <a:xfrm>
-            <a:off x="595746" y="576185"/>
+            <a:off x="533962" y="329047"/>
             <a:ext cx="512618" cy="588965"/>
           </a:xfrm>
           <a:prstGeom prst="rect">
@@ -6503,7 +8858,7 @@
     </p:spTree>
     <p:extLst>
       <p:ext uri="{BB962C8B-B14F-4D97-AF65-F5344CB8AC3E}">
-        <p14:creationId xmlns:p14="http://schemas.microsoft.com/office/powerpoint/2010/main" val="1843802188"/>
+        <p14:creationId xmlns:p14="http://schemas.microsoft.com/office/powerpoint/2010/main" val="3841344096"/>
       </p:ext>
     </p:extLst>
   </p:cSld>
@@ -6532,10 +8887,10 @@
       </p:grpSpPr>
       <p:sp>
         <p:nvSpPr>
-          <p:cNvPr id="3" name="TextBox 2">
-            <a:extLst>
-              <a:ext uri="{FF2B5EF4-FFF2-40B4-BE49-F238E27FC236}">
-                <a16:creationId xmlns:a16="http://schemas.microsoft.com/office/drawing/2014/main" id="{223306E3-8BA1-6C44-98DE-C37CB0672BE6}"/>
+          <p:cNvPr id="6" name="TextBox 5">
+            <a:extLst>
+              <a:ext uri="{FF2B5EF4-FFF2-40B4-BE49-F238E27FC236}">
+                <a16:creationId xmlns:a16="http://schemas.microsoft.com/office/drawing/2014/main" id="{A3D05C65-4AF3-5E4C-BF11-630D79C9A6C1}"/>
               </a:ext>
             </a:extLst>
           </p:cNvPr>
@@ -6544,8 +8899,8 @@
         </p:nvSpPr>
         <p:spPr>
           <a:xfrm>
-            <a:off x="1260764" y="580375"/>
-            <a:ext cx="2601994" cy="584775"/>
+            <a:off x="1174267" y="394792"/>
+            <a:ext cx="2236510" cy="523220"/>
           </a:xfrm>
           <a:prstGeom prst="rect">
             <a:avLst/>
@@ -6559,35 +8914,21 @@
           <a:lstStyle/>
           <a:p>
             <a:r>
-              <a:rPr kumimoji="1" lang="ko-KR" altLang="en-US" sz="3200" b="1" dirty="0">
-                <a:latin typeface="NanumSquare ExtraBold" panose="020B0600000101010101" pitchFamily="34" charset="-127"/>
-                <a:ea typeface="NanumSquare ExtraBold" panose="020B0600000101010101" pitchFamily="34" charset="-127"/>
-              </a:rPr>
-              <a:t>회원</a:t>
-            </a:r>
-            <a:r>
-              <a:rPr kumimoji="1" lang="en-US" altLang="ko-KR" sz="3200" b="1" dirty="0">
-                <a:latin typeface="NanumSquare ExtraBold" panose="020B0600000101010101" pitchFamily="34" charset="-127"/>
-                <a:ea typeface="NanumSquare ExtraBold" panose="020B0600000101010101" pitchFamily="34" charset="-127"/>
-              </a:rPr>
-              <a:t>-</a:t>
-            </a:r>
-            <a:r>
-              <a:rPr kumimoji="1" lang="ko-KR" altLang="en-US" sz="3200" b="1" dirty="0">
-                <a:latin typeface="NanumSquare ExtraBold" panose="020B0600000101010101" pitchFamily="34" charset="-127"/>
-                <a:ea typeface="NanumSquare ExtraBold" panose="020B0600000101010101" pitchFamily="34" charset="-127"/>
-              </a:rPr>
-              <a:t>회원가입</a:t>
+              <a:rPr kumimoji="1" lang="ko-KR" altLang="en-US" sz="2800" b="1" dirty="0">
+                <a:latin typeface="NanumSquare ExtraBold" panose="020B0600000101010101" pitchFamily="34" charset="-127"/>
+                <a:ea typeface="NanumSquare ExtraBold" panose="020B0600000101010101" pitchFamily="34" charset="-127"/>
+              </a:rPr>
+              <a:t>프로젝트 기획</a:t>
             </a:r>
           </a:p>
         </p:txBody>
       </p:sp>
       <p:pic>
         <p:nvPicPr>
-          <p:cNvPr id="4" name="그래픽 3">
-            <a:extLst>
-              <a:ext uri="{FF2B5EF4-FFF2-40B4-BE49-F238E27FC236}">
-                <a16:creationId xmlns:a16="http://schemas.microsoft.com/office/drawing/2014/main" id="{C5960D75-DB25-D440-877E-112711B7A380}"/>
+          <p:cNvPr id="7" name="그래픽 6">
+            <a:extLst>
+              <a:ext uri="{FF2B5EF4-FFF2-40B4-BE49-F238E27FC236}">
+                <a16:creationId xmlns:a16="http://schemas.microsoft.com/office/drawing/2014/main" id="{CC2AF231-B21F-A345-8C97-5B2AEF4DB97E}"/>
               </a:ext>
             </a:extLst>
           </p:cNvPr>
@@ -6610,7 +8951,7 @@
         </p:blipFill>
         <p:spPr>
           <a:xfrm>
-            <a:off x="595746" y="576185"/>
+            <a:off x="533962" y="329047"/>
             <a:ext cx="512618" cy="588965"/>
           </a:xfrm>
           <a:prstGeom prst="rect">
@@ -6621,7 +8962,7 @@
     </p:spTree>
     <p:extLst>
       <p:ext uri="{BB962C8B-B14F-4D97-AF65-F5344CB8AC3E}">
-        <p14:creationId xmlns:p14="http://schemas.microsoft.com/office/powerpoint/2010/main" val="491224599"/>
+        <p14:creationId xmlns:p14="http://schemas.microsoft.com/office/powerpoint/2010/main" val="1843802188"/>
       </p:ext>
     </p:extLst>
   </p:cSld>
@@ -6650,10 +8991,10 @@
       </p:grpSpPr>
       <p:sp>
         <p:nvSpPr>
-          <p:cNvPr id="3" name="TextBox 2">
-            <a:extLst>
-              <a:ext uri="{FF2B5EF4-FFF2-40B4-BE49-F238E27FC236}">
-                <a16:creationId xmlns:a16="http://schemas.microsoft.com/office/drawing/2014/main" id="{223306E3-8BA1-6C44-98DE-C37CB0672BE6}"/>
+          <p:cNvPr id="5" name="TextBox 4">
+            <a:extLst>
+              <a:ext uri="{FF2B5EF4-FFF2-40B4-BE49-F238E27FC236}">
+                <a16:creationId xmlns:a16="http://schemas.microsoft.com/office/drawing/2014/main" id="{D7092109-F0AF-674C-8F2B-00EE09B91455}"/>
               </a:ext>
             </a:extLst>
           </p:cNvPr>
@@ -6662,8 +9003,8 @@
         </p:nvSpPr>
         <p:spPr>
           <a:xfrm>
-            <a:off x="1260764" y="580375"/>
-            <a:ext cx="2228495" cy="584775"/>
+            <a:off x="1174267" y="394792"/>
+            <a:ext cx="2653290" cy="523220"/>
           </a:xfrm>
           <a:prstGeom prst="rect">
             <a:avLst/>
@@ -6677,35 +9018,21 @@
           <a:lstStyle/>
           <a:p>
             <a:r>
-              <a:rPr kumimoji="1" lang="ko-KR" altLang="en-US" sz="3200" b="1" dirty="0">
-                <a:latin typeface="NanumSquare ExtraBold" panose="020B0600000101010101" pitchFamily="34" charset="-127"/>
-                <a:ea typeface="NanumSquare ExtraBold" panose="020B0600000101010101" pitchFamily="34" charset="-127"/>
-              </a:rPr>
-              <a:t>회원</a:t>
-            </a:r>
-            <a:r>
-              <a:rPr kumimoji="1" lang="en-US" altLang="ko-KR" sz="3200" b="1" dirty="0">
-                <a:latin typeface="NanumSquare ExtraBold" panose="020B0600000101010101" pitchFamily="34" charset="-127"/>
-                <a:ea typeface="NanumSquare ExtraBold" panose="020B0600000101010101" pitchFamily="34" charset="-127"/>
-              </a:rPr>
-              <a:t>-</a:t>
-            </a:r>
-            <a:r>
-              <a:rPr kumimoji="1" lang="ko-KR" altLang="en-US" sz="3200" b="1" dirty="0">
-                <a:latin typeface="NanumSquare ExtraBold" panose="020B0600000101010101" pitchFamily="34" charset="-127"/>
-                <a:ea typeface="NanumSquare ExtraBold" panose="020B0600000101010101" pitchFamily="34" charset="-127"/>
-              </a:rPr>
-              <a:t>로그인</a:t>
+              <a:rPr kumimoji="1" lang="ko-KR" altLang="en-US" sz="2800" b="1" dirty="0">
+                <a:latin typeface="NanumSquare ExtraBold" panose="020B0600000101010101" pitchFamily="34" charset="-127"/>
+                <a:ea typeface="NanumSquare ExtraBold" panose="020B0600000101010101" pitchFamily="34" charset="-127"/>
+              </a:rPr>
+              <a:t>요구사항 정의서</a:t>
             </a:r>
           </a:p>
         </p:txBody>
       </p:sp>
       <p:pic>
         <p:nvPicPr>
-          <p:cNvPr id="4" name="그래픽 3">
-            <a:extLst>
-              <a:ext uri="{FF2B5EF4-FFF2-40B4-BE49-F238E27FC236}">
-                <a16:creationId xmlns:a16="http://schemas.microsoft.com/office/drawing/2014/main" id="{C5960D75-DB25-D440-877E-112711B7A380}"/>
+          <p:cNvPr id="6" name="그래픽 5">
+            <a:extLst>
+              <a:ext uri="{FF2B5EF4-FFF2-40B4-BE49-F238E27FC236}">
+                <a16:creationId xmlns:a16="http://schemas.microsoft.com/office/drawing/2014/main" id="{55A4E4B0-EA5F-E645-A308-30A6D9A14061}"/>
               </a:ext>
             </a:extLst>
           </p:cNvPr>
@@ -6728,7 +9055,7 @@
         </p:blipFill>
         <p:spPr>
           <a:xfrm>
-            <a:off x="595746" y="576185"/>
+            <a:off x="533962" y="329047"/>
             <a:ext cx="512618" cy="588965"/>
           </a:xfrm>
           <a:prstGeom prst="rect">
@@ -6739,7 +9066,7 @@
     </p:spTree>
     <p:extLst>
       <p:ext uri="{BB962C8B-B14F-4D97-AF65-F5344CB8AC3E}">
-        <p14:creationId xmlns:p14="http://schemas.microsoft.com/office/powerpoint/2010/main" val="4271776016"/>
+        <p14:creationId xmlns:p14="http://schemas.microsoft.com/office/powerpoint/2010/main" val="3411524436"/>
       </p:ext>
     </p:extLst>
   </p:cSld>
@@ -6768,10 +9095,10 @@
       </p:grpSpPr>
       <p:sp>
         <p:nvSpPr>
-          <p:cNvPr id="3" name="TextBox 2">
-            <a:extLst>
-              <a:ext uri="{FF2B5EF4-FFF2-40B4-BE49-F238E27FC236}">
-                <a16:creationId xmlns:a16="http://schemas.microsoft.com/office/drawing/2014/main" id="{223306E3-8BA1-6C44-98DE-C37CB0672BE6}"/>
+          <p:cNvPr id="4" name="TextBox 3">
+            <a:extLst>
+              <a:ext uri="{FF2B5EF4-FFF2-40B4-BE49-F238E27FC236}">
+                <a16:creationId xmlns:a16="http://schemas.microsoft.com/office/drawing/2014/main" id="{56C7BF8A-D948-7048-A188-2D4E329D3E37}"/>
               </a:ext>
             </a:extLst>
           </p:cNvPr>
@@ -6780,8 +9107,8 @@
         </p:nvSpPr>
         <p:spPr>
           <a:xfrm>
-            <a:off x="1260764" y="580375"/>
-            <a:ext cx="3348994" cy="584775"/>
+            <a:off x="5004861" y="2905780"/>
+            <a:ext cx="1601721" cy="523220"/>
           </a:xfrm>
           <a:prstGeom prst="rect">
             <a:avLst/>
@@ -6795,69 +9122,26 @@
           <a:lstStyle/>
           <a:p>
             <a:r>
-              <a:rPr kumimoji="1" lang="ko-KR" altLang="en-US" sz="3200" b="1" dirty="0">
-                <a:latin typeface="NanumSquare ExtraBold" panose="020B0600000101010101" pitchFamily="34" charset="-127"/>
-                <a:ea typeface="NanumSquare ExtraBold" panose="020B0600000101010101" pitchFamily="34" charset="-127"/>
-              </a:rPr>
-              <a:t>회원</a:t>
-            </a:r>
-            <a:r>
-              <a:rPr kumimoji="1" lang="en-US" altLang="ko-KR" sz="3200" b="1" dirty="0">
-                <a:latin typeface="NanumSquare ExtraBold" panose="020B0600000101010101" pitchFamily="34" charset="-127"/>
-                <a:ea typeface="NanumSquare ExtraBold" panose="020B0600000101010101" pitchFamily="34" charset="-127"/>
-              </a:rPr>
-              <a:t>-</a:t>
-            </a:r>
-            <a:r>
-              <a:rPr kumimoji="1" lang="ko-KR" altLang="en-US" sz="3200" b="1" dirty="0">
-                <a:latin typeface="NanumSquare ExtraBold" panose="020B0600000101010101" pitchFamily="34" charset="-127"/>
-                <a:ea typeface="NanumSquare ExtraBold" panose="020B0600000101010101" pitchFamily="34" charset="-127"/>
-              </a:rPr>
-              <a:t>회원정보관리</a:t>
-            </a:r>
-          </a:p>
-        </p:txBody>
-      </p:sp>
-      <p:pic>
-        <p:nvPicPr>
-          <p:cNvPr id="4" name="그래픽 3">
-            <a:extLst>
-              <a:ext uri="{FF2B5EF4-FFF2-40B4-BE49-F238E27FC236}">
-                <a16:creationId xmlns:a16="http://schemas.microsoft.com/office/drawing/2014/main" id="{C5960D75-DB25-D440-877E-112711B7A380}"/>
-              </a:ext>
-            </a:extLst>
-          </p:cNvPr>
-          <p:cNvPicPr>
-            <a:picLocks noChangeAspect="1"/>
-          </p:cNvPicPr>
-          <p:nvPr/>
-        </p:nvPicPr>
-        <p:blipFill>
-          <a:blip r:embed="rId2">
-            <a:extLst>
-              <a:ext uri="{96DAC541-7B7A-43D3-8B79-37D633B846F1}">
-                <asvg:svgBlip xmlns:asvg="http://schemas.microsoft.com/office/drawing/2016/SVG/main" r:embed="rId3"/>
-              </a:ext>
-            </a:extLst>
-          </a:blip>
-          <a:stretch>
-            <a:fillRect/>
-          </a:stretch>
-        </p:blipFill>
-        <p:spPr>
-          <a:xfrm>
-            <a:off x="595746" y="576185"/>
-            <a:ext cx="512618" cy="588965"/>
-          </a:xfrm>
-          <a:prstGeom prst="rect">
-            <a:avLst/>
-          </a:prstGeom>
-        </p:spPr>
-      </p:pic>
+              <a:rPr kumimoji="1" lang="en-US" altLang="ko-KR" sz="2800" b="1" dirty="0">
+                <a:latin typeface="NanumSquare ExtraBold" panose="020B0600000101010101" pitchFamily="34" charset="-127"/>
+                <a:ea typeface="NanumSquare ExtraBold" panose="020B0600000101010101" pitchFamily="34" charset="-127"/>
+              </a:rPr>
+              <a:t>2.</a:t>
+            </a:r>
+            <a:r>
+              <a:rPr kumimoji="1" lang="ko-KR" altLang="en-US" sz="2800" b="1" dirty="0">
+                <a:latin typeface="NanumSquare ExtraBold" panose="020B0600000101010101" pitchFamily="34" charset="-127"/>
+                <a:ea typeface="NanumSquare ExtraBold" panose="020B0600000101010101" pitchFamily="34" charset="-127"/>
+              </a:rPr>
+              <a:t> 설계서</a:t>
+            </a:r>
+          </a:p>
+        </p:txBody>
+      </p:sp>
     </p:spTree>
     <p:extLst>
       <p:ext uri="{BB962C8B-B14F-4D97-AF65-F5344CB8AC3E}">
-        <p14:creationId xmlns:p14="http://schemas.microsoft.com/office/powerpoint/2010/main" val="1308616039"/>
+        <p14:creationId xmlns:p14="http://schemas.microsoft.com/office/powerpoint/2010/main" val="1612909490"/>
       </p:ext>
     </p:extLst>
   </p:cSld>
